--- a/Manuscript/Figures/04_Results_BSrel.pptx
+++ b/Manuscript/Figures/04_Results_BSrel.pptx
@@ -2,12 +2,12 @@
 <file path=ppt/presentation.xml><?xml version="1.0" encoding="utf-8"?>
 <p:presentation xmlns:a="http://schemas.openxmlformats.org/drawingml/2006/main" xmlns:r="http://schemas.openxmlformats.org/officeDocument/2006/relationships" xmlns:p="http://schemas.openxmlformats.org/presentationml/2006/main" saveSubsetFonts="1">
   <p:sldMasterIdLst>
-    <p:sldMasterId id="2147483684" r:id="rId1"/>
+    <p:sldMasterId id="2147483708" r:id="rId1"/>
   </p:sldMasterIdLst>
   <p:sldIdLst>
     <p:sldId id="256" r:id="rId2"/>
   </p:sldIdLst>
-  <p:sldSz cx="6480175" cy="5526088"/>
+  <p:sldSz cx="6858000" cy="6137275"/>
   <p:notesSz cx="6858000" cy="9144000"/>
   <p:defaultTextStyle>
     <a:defPPr>
@@ -104,7 +104,554 @@
       </a:defRPr>
     </a:lvl9pPr>
   </p:defaultTextStyle>
+  <p:extLst>
+    <p:ext uri="{EFAFB233-063F-42B5-8137-9DF3F51BA10A}">
+      <p15:sldGuideLst xmlns:p15="http://schemas.microsoft.com/office/powerpoint/2012/main"/>
+    </p:ext>
+  </p:extLst>
 </p:presentation>
+</file>
+
+<file path=ppt/revisionInfo.xml><?xml version="1.0" encoding="utf-8"?>
+<p1510:revInfo xmlns:a="http://schemas.openxmlformats.org/drawingml/2006/main" xmlns:r="http://schemas.openxmlformats.org/officeDocument/2006/relationships" xmlns:p1510="http://schemas.microsoft.com/office/powerpoint/2015/10/main">
+  <p1510:revLst>
+    <p1510:client id="{AAC365B4-748D-41C9-B325-47015E14791D}" v="15" dt="2023-09-13T12:05:30.200"/>
+    <p1510:client id="{B29C0731-F622-48A1-904B-0CCCBD2B6AD2}" v="4" dt="2023-09-12T20:04:56.481"/>
+  </p1510:revLst>
+</p1510:revInfo>
+</file>
+
+<file path=ppt/changesInfos/changesInfo1.xml><?xml version="1.0" encoding="utf-8"?>
+<pc:chgInfo xmlns:a="http://schemas.openxmlformats.org/drawingml/2006/main" xmlns:r="http://schemas.openxmlformats.org/officeDocument/2006/relationships" xmlns:ac="http://schemas.microsoft.com/office/drawing/2013/main/command" xmlns:pc="http://schemas.microsoft.com/office/powerpoint/2013/main/command">
+  <pc:docChgLst>
+    <pc:chgData name="Fatima Maria Pillosu" userId="ff035341-0897-461c-8a78-f8f5d53ad921" providerId="ADAL" clId="{B29C0731-F622-48A1-904B-0CCCBD2B6AD2}"/>
+    <pc:docChg chg="custSel modSld">
+      <pc:chgData name="Fatima Maria Pillosu" userId="ff035341-0897-461c-8a78-f8f5d53ad921" providerId="ADAL" clId="{B29C0731-F622-48A1-904B-0CCCBD2B6AD2}" dt="2023-09-12T20:05:17.616" v="54" actId="20577"/>
+      <pc:docMkLst>
+        <pc:docMk/>
+      </pc:docMkLst>
+      <pc:sldChg chg="addSp delSp modSp mod">
+        <pc:chgData name="Fatima Maria Pillosu" userId="ff035341-0897-461c-8a78-f8f5d53ad921" providerId="ADAL" clId="{B29C0731-F622-48A1-904B-0CCCBD2B6AD2}" dt="2023-09-12T20:05:17.616" v="54" actId="20577"/>
+        <pc:sldMkLst>
+          <pc:docMk/>
+          <pc:sldMk cId="556864461" sldId="256"/>
+        </pc:sldMkLst>
+        <pc:spChg chg="add mod">
+          <ac:chgData name="Fatima Maria Pillosu" userId="ff035341-0897-461c-8a78-f8f5d53ad921" providerId="ADAL" clId="{B29C0731-F622-48A1-904B-0CCCBD2B6AD2}" dt="2023-09-12T20:04:43.617" v="44" actId="207"/>
+          <ac:spMkLst>
+            <pc:docMk/>
+            <pc:sldMk cId="556864461" sldId="256"/>
+            <ac:spMk id="10" creationId="{EE51A973-674E-1F95-1741-EF4894BFE9CC}"/>
+          </ac:spMkLst>
+        </pc:spChg>
+        <pc:spChg chg="add mod">
+          <ac:chgData name="Fatima Maria Pillosu" userId="ff035341-0897-461c-8a78-f8f5d53ad921" providerId="ADAL" clId="{B29C0731-F622-48A1-904B-0CCCBD2B6AD2}" dt="2023-09-12T20:05:12.080" v="50" actId="20577"/>
+          <ac:spMkLst>
+            <pc:docMk/>
+            <pc:sldMk cId="556864461" sldId="256"/>
+            <ac:spMk id="11" creationId="{EDE62393-ED56-1C7F-A9C8-D81046808435}"/>
+          </ac:spMkLst>
+        </pc:spChg>
+        <pc:spChg chg="add mod">
+          <ac:chgData name="Fatima Maria Pillosu" userId="ff035341-0897-461c-8a78-f8f5d53ad921" providerId="ADAL" clId="{B29C0731-F622-48A1-904B-0CCCBD2B6AD2}" dt="2023-09-12T20:05:14.907" v="52" actId="20577"/>
+          <ac:spMkLst>
+            <pc:docMk/>
+            <pc:sldMk cId="556864461" sldId="256"/>
+            <ac:spMk id="12" creationId="{CA05E5BB-D3FC-041E-C4F0-BADC3F5346C3}"/>
+          </ac:spMkLst>
+        </pc:spChg>
+        <pc:spChg chg="add mod">
+          <ac:chgData name="Fatima Maria Pillosu" userId="ff035341-0897-461c-8a78-f8f5d53ad921" providerId="ADAL" clId="{B29C0731-F622-48A1-904B-0CCCBD2B6AD2}" dt="2023-09-12T20:05:17.616" v="54" actId="20577"/>
+          <ac:spMkLst>
+            <pc:docMk/>
+            <pc:sldMk cId="556864461" sldId="256"/>
+            <ac:spMk id="13" creationId="{43094907-2559-6A42-80AE-2A29ADE14677}"/>
+          </ac:spMkLst>
+        </pc:spChg>
+        <pc:picChg chg="add mod modCrop">
+          <ac:chgData name="Fatima Maria Pillosu" userId="ff035341-0897-461c-8a78-f8f5d53ad921" providerId="ADAL" clId="{B29C0731-F622-48A1-904B-0CCCBD2B6AD2}" dt="2023-09-12T20:01:35.294" v="33" actId="552"/>
+          <ac:picMkLst>
+            <pc:docMk/>
+            <pc:sldMk cId="556864461" sldId="256"/>
+            <ac:picMk id="3" creationId="{13227372-E196-4A6F-B2C5-FCC5C8F6F4CA}"/>
+          </ac:picMkLst>
+        </pc:picChg>
+        <pc:picChg chg="add mod modCrop">
+          <ac:chgData name="Fatima Maria Pillosu" userId="ff035341-0897-461c-8a78-f8f5d53ad921" providerId="ADAL" clId="{B29C0731-F622-48A1-904B-0CCCBD2B6AD2}" dt="2023-09-12T20:01:31.150" v="32" actId="553"/>
+          <ac:picMkLst>
+            <pc:docMk/>
+            <pc:sldMk cId="556864461" sldId="256"/>
+            <ac:picMk id="5" creationId="{886EDEE2-69BC-4B8F-B37B-E1E00E3F5FF0}"/>
+          </ac:picMkLst>
+        </pc:picChg>
+        <pc:picChg chg="add mod modCrop">
+          <ac:chgData name="Fatima Maria Pillosu" userId="ff035341-0897-461c-8a78-f8f5d53ad921" providerId="ADAL" clId="{B29C0731-F622-48A1-904B-0CCCBD2B6AD2}" dt="2023-09-12T20:01:35.294" v="33" actId="552"/>
+          <ac:picMkLst>
+            <pc:docMk/>
+            <pc:sldMk cId="556864461" sldId="256"/>
+            <ac:picMk id="7" creationId="{73C46036-A7B6-DB9E-D7EA-670B50B9A684}"/>
+          </ac:picMkLst>
+        </pc:picChg>
+        <pc:picChg chg="add mod modCrop">
+          <ac:chgData name="Fatima Maria Pillosu" userId="ff035341-0897-461c-8a78-f8f5d53ad921" providerId="ADAL" clId="{B29C0731-F622-48A1-904B-0CCCBD2B6AD2}" dt="2023-09-12T20:01:31.150" v="32" actId="553"/>
+          <ac:picMkLst>
+            <pc:docMk/>
+            <pc:sldMk cId="556864461" sldId="256"/>
+            <ac:picMk id="9" creationId="{0DEA3CBE-9CB1-167B-CA1E-0AD4F820BE5E}"/>
+          </ac:picMkLst>
+        </pc:picChg>
+        <pc:picChg chg="del">
+          <ac:chgData name="Fatima Maria Pillosu" userId="ff035341-0897-461c-8a78-f8f5d53ad921" providerId="ADAL" clId="{B29C0731-F622-48A1-904B-0CCCBD2B6AD2}" dt="2023-09-12T19:58:14.916" v="0" actId="478"/>
+          <ac:picMkLst>
+            <pc:docMk/>
+            <pc:sldMk cId="556864461" sldId="256"/>
+            <ac:picMk id="20" creationId="{A5179468-AB8A-D003-137B-509E7A66F333}"/>
+          </ac:picMkLst>
+        </pc:picChg>
+        <pc:picChg chg="del">
+          <ac:chgData name="Fatima Maria Pillosu" userId="ff035341-0897-461c-8a78-f8f5d53ad921" providerId="ADAL" clId="{B29C0731-F622-48A1-904B-0CCCBD2B6AD2}" dt="2023-09-12T19:58:14.916" v="0" actId="478"/>
+          <ac:picMkLst>
+            <pc:docMk/>
+            <pc:sldMk cId="556864461" sldId="256"/>
+            <ac:picMk id="21" creationId="{1A0B1C04-EB03-EB10-2098-C2D6A1740CDF}"/>
+          </ac:picMkLst>
+        </pc:picChg>
+        <pc:picChg chg="del">
+          <ac:chgData name="Fatima Maria Pillosu" userId="ff035341-0897-461c-8a78-f8f5d53ad921" providerId="ADAL" clId="{B29C0731-F622-48A1-904B-0CCCBD2B6AD2}" dt="2023-09-12T19:58:14.916" v="0" actId="478"/>
+          <ac:picMkLst>
+            <pc:docMk/>
+            <pc:sldMk cId="556864461" sldId="256"/>
+            <ac:picMk id="22" creationId="{8ADD3E2E-D863-ECE0-B618-1DC304C717E7}"/>
+          </ac:picMkLst>
+        </pc:picChg>
+        <pc:picChg chg="del">
+          <ac:chgData name="Fatima Maria Pillosu" userId="ff035341-0897-461c-8a78-f8f5d53ad921" providerId="ADAL" clId="{B29C0731-F622-48A1-904B-0CCCBD2B6AD2}" dt="2023-09-12T19:58:14.916" v="0" actId="478"/>
+          <ac:picMkLst>
+            <pc:docMk/>
+            <pc:sldMk cId="556864461" sldId="256"/>
+            <ac:picMk id="23" creationId="{4DA6A9D5-1B41-531D-0A44-2CBE1F9CC4C3}"/>
+          </ac:picMkLst>
+        </pc:picChg>
+      </pc:sldChg>
+    </pc:docChg>
+  </pc:docChgLst>
+  <pc:docChgLst>
+    <pc:chgData name="Fatima Maria Pillosu" userId="ff035341-0897-461c-8a78-f8f5d53ad921" providerId="ADAL" clId="{AAC365B4-748D-41C9-B325-47015E14791D}"/>
+    <pc:docChg chg="undo custSel modSld">
+      <pc:chgData name="Fatima Maria Pillosu" userId="ff035341-0897-461c-8a78-f8f5d53ad921" providerId="ADAL" clId="{AAC365B4-748D-41C9-B325-47015E14791D}" dt="2023-09-13T12:05:30.200" v="177"/>
+      <pc:docMkLst>
+        <pc:docMk/>
+      </pc:docMkLst>
+      <pc:sldChg chg="addSp delSp modSp mod">
+        <pc:chgData name="Fatima Maria Pillosu" userId="ff035341-0897-461c-8a78-f8f5d53ad921" providerId="ADAL" clId="{AAC365B4-748D-41C9-B325-47015E14791D}" dt="2023-09-13T12:05:30.200" v="177"/>
+        <pc:sldMkLst>
+          <pc:docMk/>
+          <pc:sldMk cId="556864461" sldId="256"/>
+        </pc:sldMkLst>
+        <pc:spChg chg="del">
+          <ac:chgData name="Fatima Maria Pillosu" userId="ff035341-0897-461c-8a78-f8f5d53ad921" providerId="ADAL" clId="{AAC365B4-748D-41C9-B325-47015E14791D}" dt="2023-09-13T10:55:43.809" v="1" actId="478"/>
+          <ac:spMkLst>
+            <pc:docMk/>
+            <pc:sldMk cId="556864461" sldId="256"/>
+            <ac:spMk id="10" creationId="{EE51A973-674E-1F95-1741-EF4894BFE9CC}"/>
+          </ac:spMkLst>
+        </pc:spChg>
+        <pc:spChg chg="del">
+          <ac:chgData name="Fatima Maria Pillosu" userId="ff035341-0897-461c-8a78-f8f5d53ad921" providerId="ADAL" clId="{AAC365B4-748D-41C9-B325-47015E14791D}" dt="2023-09-13T10:55:43.809" v="1" actId="478"/>
+          <ac:spMkLst>
+            <pc:docMk/>
+            <pc:sldMk cId="556864461" sldId="256"/>
+            <ac:spMk id="11" creationId="{EDE62393-ED56-1C7F-A9C8-D81046808435}"/>
+          </ac:spMkLst>
+        </pc:spChg>
+        <pc:spChg chg="del">
+          <ac:chgData name="Fatima Maria Pillosu" userId="ff035341-0897-461c-8a78-f8f5d53ad921" providerId="ADAL" clId="{AAC365B4-748D-41C9-B325-47015E14791D}" dt="2023-09-13T10:55:43.809" v="1" actId="478"/>
+          <ac:spMkLst>
+            <pc:docMk/>
+            <pc:sldMk cId="556864461" sldId="256"/>
+            <ac:spMk id="12" creationId="{CA05E5BB-D3FC-041E-C4F0-BADC3F5346C3}"/>
+          </ac:spMkLst>
+        </pc:spChg>
+        <pc:spChg chg="del">
+          <ac:chgData name="Fatima Maria Pillosu" userId="ff035341-0897-461c-8a78-f8f5d53ad921" providerId="ADAL" clId="{AAC365B4-748D-41C9-B325-47015E14791D}" dt="2023-09-13T10:55:43.809" v="1" actId="478"/>
+          <ac:spMkLst>
+            <pc:docMk/>
+            <pc:sldMk cId="556864461" sldId="256"/>
+            <ac:spMk id="13" creationId="{43094907-2559-6A42-80AE-2A29ADE14677}"/>
+          </ac:spMkLst>
+        </pc:spChg>
+        <pc:spChg chg="add del mod">
+          <ac:chgData name="Fatima Maria Pillosu" userId="ff035341-0897-461c-8a78-f8f5d53ad921" providerId="ADAL" clId="{AAC365B4-748D-41C9-B325-47015E14791D}" dt="2023-09-13T12:05:19.635" v="176" actId="21"/>
+          <ac:spMkLst>
+            <pc:docMk/>
+            <pc:sldMk cId="556864461" sldId="256"/>
+            <ac:spMk id="18" creationId="{B219180D-3171-5C24-F82C-E8D5EB5364AC}"/>
+          </ac:spMkLst>
+        </pc:spChg>
+        <pc:spChg chg="add del mod">
+          <ac:chgData name="Fatima Maria Pillosu" userId="ff035341-0897-461c-8a78-f8f5d53ad921" providerId="ADAL" clId="{AAC365B4-748D-41C9-B325-47015E14791D}" dt="2023-09-13T12:05:19.635" v="176" actId="21"/>
+          <ac:spMkLst>
+            <pc:docMk/>
+            <pc:sldMk cId="556864461" sldId="256"/>
+            <ac:spMk id="19" creationId="{8D77CA08-45D9-3132-005C-1B6FD49F5141}"/>
+          </ac:spMkLst>
+        </pc:spChg>
+        <pc:spChg chg="add del mod">
+          <ac:chgData name="Fatima Maria Pillosu" userId="ff035341-0897-461c-8a78-f8f5d53ad921" providerId="ADAL" clId="{AAC365B4-748D-41C9-B325-47015E14791D}" dt="2023-09-13T12:05:19.635" v="176" actId="21"/>
+          <ac:spMkLst>
+            <pc:docMk/>
+            <pc:sldMk cId="556864461" sldId="256"/>
+            <ac:spMk id="20" creationId="{BEBA48AF-CC77-5D0E-A639-93E2F2D6560A}"/>
+          </ac:spMkLst>
+        </pc:spChg>
+        <pc:spChg chg="add del mod">
+          <ac:chgData name="Fatima Maria Pillosu" userId="ff035341-0897-461c-8a78-f8f5d53ad921" providerId="ADAL" clId="{AAC365B4-748D-41C9-B325-47015E14791D}" dt="2023-09-13T12:05:19.635" v="176" actId="21"/>
+          <ac:spMkLst>
+            <pc:docMk/>
+            <pc:sldMk cId="556864461" sldId="256"/>
+            <ac:spMk id="21" creationId="{3102A3E5-3493-5FA5-AAC5-4AB6753BDD74}"/>
+          </ac:spMkLst>
+        </pc:spChg>
+        <pc:spChg chg="add del mod ord">
+          <ac:chgData name="Fatima Maria Pillosu" userId="ff035341-0897-461c-8a78-f8f5d53ad921" providerId="ADAL" clId="{AAC365B4-748D-41C9-B325-47015E14791D}" dt="2023-09-13T12:05:19.635" v="176" actId="21"/>
+          <ac:spMkLst>
+            <pc:docMk/>
+            <pc:sldMk cId="556864461" sldId="256"/>
+            <ac:spMk id="22" creationId="{152E2206-1E0E-44E6-72D8-B53D5A62AA1F}"/>
+          </ac:spMkLst>
+        </pc:spChg>
+        <pc:spChg chg="add del mod">
+          <ac:chgData name="Fatima Maria Pillosu" userId="ff035341-0897-461c-8a78-f8f5d53ad921" providerId="ADAL" clId="{AAC365B4-748D-41C9-B325-47015E14791D}" dt="2023-09-13T12:05:19.635" v="176" actId="21"/>
+          <ac:spMkLst>
+            <pc:docMk/>
+            <pc:sldMk cId="556864461" sldId="256"/>
+            <ac:spMk id="23" creationId="{FA016908-6468-5AA5-CBB1-0F9E74090582}"/>
+          </ac:spMkLst>
+        </pc:spChg>
+        <pc:spChg chg="add del mod">
+          <ac:chgData name="Fatima Maria Pillosu" userId="ff035341-0897-461c-8a78-f8f5d53ad921" providerId="ADAL" clId="{AAC365B4-748D-41C9-B325-47015E14791D}" dt="2023-09-13T12:05:19.635" v="176" actId="21"/>
+          <ac:spMkLst>
+            <pc:docMk/>
+            <pc:sldMk cId="556864461" sldId="256"/>
+            <ac:spMk id="24" creationId="{2571FFF7-BB90-50E2-8CA3-0AEFC8289677}"/>
+          </ac:spMkLst>
+        </pc:spChg>
+        <pc:spChg chg="add del mod">
+          <ac:chgData name="Fatima Maria Pillosu" userId="ff035341-0897-461c-8a78-f8f5d53ad921" providerId="ADAL" clId="{AAC365B4-748D-41C9-B325-47015E14791D}" dt="2023-09-13T12:05:19.635" v="176" actId="21"/>
+          <ac:spMkLst>
+            <pc:docMk/>
+            <pc:sldMk cId="556864461" sldId="256"/>
+            <ac:spMk id="25" creationId="{98B605E8-C3EF-BD53-346F-3A0C7E732E32}"/>
+          </ac:spMkLst>
+        </pc:spChg>
+        <pc:spChg chg="add del mod">
+          <ac:chgData name="Fatima Maria Pillosu" userId="ff035341-0897-461c-8a78-f8f5d53ad921" providerId="ADAL" clId="{AAC365B4-748D-41C9-B325-47015E14791D}" dt="2023-09-13T11:02:35.632" v="163"/>
+          <ac:spMkLst>
+            <pc:docMk/>
+            <pc:sldMk cId="556864461" sldId="256"/>
+            <ac:spMk id="26" creationId="{826766EE-2A44-1578-0BF5-7F0C0D977490}"/>
+          </ac:spMkLst>
+        </pc:spChg>
+        <pc:spChg chg="add del mod">
+          <ac:chgData name="Fatima Maria Pillosu" userId="ff035341-0897-461c-8a78-f8f5d53ad921" providerId="ADAL" clId="{AAC365B4-748D-41C9-B325-47015E14791D}" dt="2023-09-13T11:02:35.632" v="163"/>
+          <ac:spMkLst>
+            <pc:docMk/>
+            <pc:sldMk cId="556864461" sldId="256"/>
+            <ac:spMk id="27" creationId="{091A34F8-BC56-888B-5F65-157E1242938D}"/>
+          </ac:spMkLst>
+        </pc:spChg>
+        <pc:spChg chg="add mod">
+          <ac:chgData name="Fatima Maria Pillosu" userId="ff035341-0897-461c-8a78-f8f5d53ad921" providerId="ADAL" clId="{AAC365B4-748D-41C9-B325-47015E14791D}" dt="2023-09-13T11:02:40.918" v="165" actId="571"/>
+          <ac:spMkLst>
+            <pc:docMk/>
+            <pc:sldMk cId="556864461" sldId="256"/>
+            <ac:spMk id="29" creationId="{A2811451-1787-B7D0-A109-076C21A4104A}"/>
+          </ac:spMkLst>
+        </pc:spChg>
+        <pc:spChg chg="add mod">
+          <ac:chgData name="Fatima Maria Pillosu" userId="ff035341-0897-461c-8a78-f8f5d53ad921" providerId="ADAL" clId="{AAC365B4-748D-41C9-B325-47015E14791D}" dt="2023-09-13T11:02:40.918" v="165" actId="571"/>
+          <ac:spMkLst>
+            <pc:docMk/>
+            <pc:sldMk cId="556864461" sldId="256"/>
+            <ac:spMk id="30" creationId="{8370DB8D-9130-1F98-52EB-AD7560B44132}"/>
+          </ac:spMkLst>
+        </pc:spChg>
+        <pc:spChg chg="add del mod">
+          <ac:chgData name="Fatima Maria Pillosu" userId="ff035341-0897-461c-8a78-f8f5d53ad921" providerId="ADAL" clId="{AAC365B4-748D-41C9-B325-47015E14791D}" dt="2023-09-13T12:04:31.272" v="167"/>
+          <ac:spMkLst>
+            <pc:docMk/>
+            <pc:sldMk cId="556864461" sldId="256"/>
+            <ac:spMk id="31" creationId="{E8EC64CE-CC9D-8CCB-4F63-DFB83A0F8331}"/>
+          </ac:spMkLst>
+        </pc:spChg>
+        <pc:spChg chg="add del mod">
+          <ac:chgData name="Fatima Maria Pillosu" userId="ff035341-0897-461c-8a78-f8f5d53ad921" providerId="ADAL" clId="{AAC365B4-748D-41C9-B325-47015E14791D}" dt="2023-09-13T12:04:31.272" v="167"/>
+          <ac:spMkLst>
+            <pc:docMk/>
+            <pc:sldMk cId="556864461" sldId="256"/>
+            <ac:spMk id="32" creationId="{C536D572-B35F-59C4-940A-ED49894F63BF}"/>
+          </ac:spMkLst>
+        </pc:spChg>
+        <pc:spChg chg="add del mod">
+          <ac:chgData name="Fatima Maria Pillosu" userId="ff035341-0897-461c-8a78-f8f5d53ad921" providerId="ADAL" clId="{AAC365B4-748D-41C9-B325-47015E14791D}" dt="2023-09-13T12:04:31.272" v="167"/>
+          <ac:spMkLst>
+            <pc:docMk/>
+            <pc:sldMk cId="556864461" sldId="256"/>
+            <ac:spMk id="33" creationId="{E57B5399-A3EF-EF41-5EE4-712B87430BE7}"/>
+          </ac:spMkLst>
+        </pc:spChg>
+        <pc:spChg chg="add del mod">
+          <ac:chgData name="Fatima Maria Pillosu" userId="ff035341-0897-461c-8a78-f8f5d53ad921" providerId="ADAL" clId="{AAC365B4-748D-41C9-B325-47015E14791D}" dt="2023-09-13T12:04:31.272" v="167"/>
+          <ac:spMkLst>
+            <pc:docMk/>
+            <pc:sldMk cId="556864461" sldId="256"/>
+            <ac:spMk id="34" creationId="{8047DDE5-A2BD-34A8-7DBC-70E338456F39}"/>
+          </ac:spMkLst>
+        </pc:spChg>
+        <pc:spChg chg="add del mod">
+          <ac:chgData name="Fatima Maria Pillosu" userId="ff035341-0897-461c-8a78-f8f5d53ad921" providerId="ADAL" clId="{AAC365B4-748D-41C9-B325-47015E14791D}" dt="2023-09-13T12:05:19.635" v="176" actId="21"/>
+          <ac:spMkLst>
+            <pc:docMk/>
+            <pc:sldMk cId="556864461" sldId="256"/>
+            <ac:spMk id="35" creationId="{9601169F-ACD3-C9C7-19A9-D368D2AAAA0C}"/>
+          </ac:spMkLst>
+        </pc:spChg>
+        <pc:spChg chg="add del mod">
+          <ac:chgData name="Fatima Maria Pillosu" userId="ff035341-0897-461c-8a78-f8f5d53ad921" providerId="ADAL" clId="{AAC365B4-748D-41C9-B325-47015E14791D}" dt="2023-09-13T12:05:19.635" v="176" actId="21"/>
+          <ac:spMkLst>
+            <pc:docMk/>
+            <pc:sldMk cId="556864461" sldId="256"/>
+            <ac:spMk id="36" creationId="{F54140FA-6415-4DBC-478F-3D1D5731A57E}"/>
+          </ac:spMkLst>
+        </pc:spChg>
+        <pc:spChg chg="add del mod">
+          <ac:chgData name="Fatima Maria Pillosu" userId="ff035341-0897-461c-8a78-f8f5d53ad921" providerId="ADAL" clId="{AAC365B4-748D-41C9-B325-47015E14791D}" dt="2023-09-13T12:05:19.635" v="176" actId="21"/>
+          <ac:spMkLst>
+            <pc:docMk/>
+            <pc:sldMk cId="556864461" sldId="256"/>
+            <ac:spMk id="37" creationId="{BA0F27FF-CC2F-D2F0-1BF7-06D0E7B88EF7}"/>
+          </ac:spMkLst>
+        </pc:spChg>
+        <pc:spChg chg="add del mod">
+          <ac:chgData name="Fatima Maria Pillosu" userId="ff035341-0897-461c-8a78-f8f5d53ad921" providerId="ADAL" clId="{AAC365B4-748D-41C9-B325-47015E14791D}" dt="2023-09-13T12:05:19.635" v="176" actId="21"/>
+          <ac:spMkLst>
+            <pc:docMk/>
+            <pc:sldMk cId="556864461" sldId="256"/>
+            <ac:spMk id="38" creationId="{8B99B369-0DFF-19A2-9C27-78A22D773755}"/>
+          </ac:spMkLst>
+        </pc:spChg>
+        <pc:spChg chg="add del">
+          <ac:chgData name="Fatima Maria Pillosu" userId="ff035341-0897-461c-8a78-f8f5d53ad921" providerId="ADAL" clId="{AAC365B4-748D-41C9-B325-47015E14791D}" dt="2023-09-13T12:05:17.856" v="175" actId="478"/>
+          <ac:spMkLst>
+            <pc:docMk/>
+            <pc:sldMk cId="556864461" sldId="256"/>
+            <ac:spMk id="39" creationId="{56CF0114-584A-3FA6-0673-AF672E0D2B09}"/>
+          </ac:spMkLst>
+        </pc:spChg>
+        <pc:spChg chg="add mod">
+          <ac:chgData name="Fatima Maria Pillosu" userId="ff035341-0897-461c-8a78-f8f5d53ad921" providerId="ADAL" clId="{AAC365B4-748D-41C9-B325-47015E14791D}" dt="2023-09-13T12:05:30.200" v="177"/>
+          <ac:spMkLst>
+            <pc:docMk/>
+            <pc:sldMk cId="556864461" sldId="256"/>
+            <ac:spMk id="44" creationId="{795DFCDA-AF68-9A49-AEAC-F25DEA5E62F2}"/>
+          </ac:spMkLst>
+        </pc:spChg>
+        <pc:spChg chg="add mod">
+          <ac:chgData name="Fatima Maria Pillosu" userId="ff035341-0897-461c-8a78-f8f5d53ad921" providerId="ADAL" clId="{AAC365B4-748D-41C9-B325-47015E14791D}" dt="2023-09-13T12:05:30.200" v="177"/>
+          <ac:spMkLst>
+            <pc:docMk/>
+            <pc:sldMk cId="556864461" sldId="256"/>
+            <ac:spMk id="45" creationId="{190B9F4A-3C37-E4EA-59C4-EF16742BF6AD}"/>
+          </ac:spMkLst>
+        </pc:spChg>
+        <pc:spChg chg="add mod">
+          <ac:chgData name="Fatima Maria Pillosu" userId="ff035341-0897-461c-8a78-f8f5d53ad921" providerId="ADAL" clId="{AAC365B4-748D-41C9-B325-47015E14791D}" dt="2023-09-13T12:05:30.200" v="177"/>
+          <ac:spMkLst>
+            <pc:docMk/>
+            <pc:sldMk cId="556864461" sldId="256"/>
+            <ac:spMk id="46" creationId="{608D19D6-F72F-9A9E-1CED-444F704A9986}"/>
+          </ac:spMkLst>
+        </pc:spChg>
+        <pc:spChg chg="add mod">
+          <ac:chgData name="Fatima Maria Pillosu" userId="ff035341-0897-461c-8a78-f8f5d53ad921" providerId="ADAL" clId="{AAC365B4-748D-41C9-B325-47015E14791D}" dt="2023-09-13T12:05:30.200" v="177"/>
+          <ac:spMkLst>
+            <pc:docMk/>
+            <pc:sldMk cId="556864461" sldId="256"/>
+            <ac:spMk id="47" creationId="{144F845E-A5E5-81F0-0137-652C39051CEB}"/>
+          </ac:spMkLst>
+        </pc:spChg>
+        <pc:spChg chg="add mod">
+          <ac:chgData name="Fatima Maria Pillosu" userId="ff035341-0897-461c-8a78-f8f5d53ad921" providerId="ADAL" clId="{AAC365B4-748D-41C9-B325-47015E14791D}" dt="2023-09-13T12:05:30.200" v="177"/>
+          <ac:spMkLst>
+            <pc:docMk/>
+            <pc:sldMk cId="556864461" sldId="256"/>
+            <ac:spMk id="48" creationId="{F6675B0E-8DDA-7460-7913-63C07ADEAB31}"/>
+          </ac:spMkLst>
+        </pc:spChg>
+        <pc:spChg chg="add mod">
+          <ac:chgData name="Fatima Maria Pillosu" userId="ff035341-0897-461c-8a78-f8f5d53ad921" providerId="ADAL" clId="{AAC365B4-748D-41C9-B325-47015E14791D}" dt="2023-09-13T12:05:30.200" v="177"/>
+          <ac:spMkLst>
+            <pc:docMk/>
+            <pc:sldMk cId="556864461" sldId="256"/>
+            <ac:spMk id="49" creationId="{DED71BEE-A0EF-912D-6B74-57522B6D0171}"/>
+          </ac:spMkLst>
+        </pc:spChg>
+        <pc:spChg chg="add mod">
+          <ac:chgData name="Fatima Maria Pillosu" userId="ff035341-0897-461c-8a78-f8f5d53ad921" providerId="ADAL" clId="{AAC365B4-748D-41C9-B325-47015E14791D}" dt="2023-09-13T12:05:30.200" v="177"/>
+          <ac:spMkLst>
+            <pc:docMk/>
+            <pc:sldMk cId="556864461" sldId="256"/>
+            <ac:spMk id="50" creationId="{BB6721B0-355A-94F2-A7F2-B9AC83EEFE44}"/>
+          </ac:spMkLst>
+        </pc:spChg>
+        <pc:spChg chg="add mod">
+          <ac:chgData name="Fatima Maria Pillosu" userId="ff035341-0897-461c-8a78-f8f5d53ad921" providerId="ADAL" clId="{AAC365B4-748D-41C9-B325-47015E14791D}" dt="2023-09-13T12:05:30.200" v="177"/>
+          <ac:spMkLst>
+            <pc:docMk/>
+            <pc:sldMk cId="556864461" sldId="256"/>
+            <ac:spMk id="51" creationId="{4F3DF875-E12C-6ABF-291C-84086C3BE955}"/>
+          </ac:spMkLst>
+        </pc:spChg>
+        <pc:spChg chg="add mod">
+          <ac:chgData name="Fatima Maria Pillosu" userId="ff035341-0897-461c-8a78-f8f5d53ad921" providerId="ADAL" clId="{AAC365B4-748D-41C9-B325-47015E14791D}" dt="2023-09-13T12:05:30.200" v="177"/>
+          <ac:spMkLst>
+            <pc:docMk/>
+            <pc:sldMk cId="556864461" sldId="256"/>
+            <ac:spMk id="52" creationId="{9C5B88EC-8888-2AAF-EC79-F6AFDE400CC3}"/>
+          </ac:spMkLst>
+        </pc:spChg>
+        <pc:spChg chg="add mod">
+          <ac:chgData name="Fatima Maria Pillosu" userId="ff035341-0897-461c-8a78-f8f5d53ad921" providerId="ADAL" clId="{AAC365B4-748D-41C9-B325-47015E14791D}" dt="2023-09-13T12:05:30.200" v="177"/>
+          <ac:spMkLst>
+            <pc:docMk/>
+            <pc:sldMk cId="556864461" sldId="256"/>
+            <ac:spMk id="53" creationId="{66663DF1-74AD-64FE-B3B0-F6CA94B02C15}"/>
+          </ac:spMkLst>
+        </pc:spChg>
+        <pc:spChg chg="add mod">
+          <ac:chgData name="Fatima Maria Pillosu" userId="ff035341-0897-461c-8a78-f8f5d53ad921" providerId="ADAL" clId="{AAC365B4-748D-41C9-B325-47015E14791D}" dt="2023-09-13T12:05:30.200" v="177"/>
+          <ac:spMkLst>
+            <pc:docMk/>
+            <pc:sldMk cId="556864461" sldId="256"/>
+            <ac:spMk id="54" creationId="{D87AEEFF-4982-B5B4-1139-092EC6665205}"/>
+          </ac:spMkLst>
+        </pc:spChg>
+        <pc:spChg chg="add mod">
+          <ac:chgData name="Fatima Maria Pillosu" userId="ff035341-0897-461c-8a78-f8f5d53ad921" providerId="ADAL" clId="{AAC365B4-748D-41C9-B325-47015E14791D}" dt="2023-09-13T12:05:30.200" v="177"/>
+          <ac:spMkLst>
+            <pc:docMk/>
+            <pc:sldMk cId="556864461" sldId="256"/>
+            <ac:spMk id="55" creationId="{1DD352C5-E9D5-64EC-0964-32CB7E715C39}"/>
+          </ac:spMkLst>
+        </pc:spChg>
+        <pc:picChg chg="del">
+          <ac:chgData name="Fatima Maria Pillosu" userId="ff035341-0897-461c-8a78-f8f5d53ad921" providerId="ADAL" clId="{AAC365B4-748D-41C9-B325-47015E14791D}" dt="2023-09-13T10:55:40.407" v="0" actId="478"/>
+          <ac:picMkLst>
+            <pc:docMk/>
+            <pc:sldMk cId="556864461" sldId="256"/>
+            <ac:picMk id="3" creationId="{13227372-E196-4A6F-B2C5-FCC5C8F6F4CA}"/>
+          </ac:picMkLst>
+        </pc:picChg>
+        <pc:picChg chg="add del mod modCrop">
+          <ac:chgData name="Fatima Maria Pillosu" userId="ff035341-0897-461c-8a78-f8f5d53ad921" providerId="ADAL" clId="{AAC365B4-748D-41C9-B325-47015E14791D}" dt="2023-09-13T12:05:19.635" v="176" actId="21"/>
+          <ac:picMkLst>
+            <pc:docMk/>
+            <pc:sldMk cId="556864461" sldId="256"/>
+            <ac:picMk id="4" creationId="{3CD35DD4-C684-69F3-034A-3B1D16E09487}"/>
+          </ac:picMkLst>
+        </pc:picChg>
+        <pc:picChg chg="del">
+          <ac:chgData name="Fatima Maria Pillosu" userId="ff035341-0897-461c-8a78-f8f5d53ad921" providerId="ADAL" clId="{AAC365B4-748D-41C9-B325-47015E14791D}" dt="2023-09-13T10:55:40.407" v="0" actId="478"/>
+          <ac:picMkLst>
+            <pc:docMk/>
+            <pc:sldMk cId="556864461" sldId="256"/>
+            <ac:picMk id="5" creationId="{886EDEE2-69BC-4B8F-B37B-E1E00E3F5FF0}"/>
+          </ac:picMkLst>
+        </pc:picChg>
+        <pc:picChg chg="del">
+          <ac:chgData name="Fatima Maria Pillosu" userId="ff035341-0897-461c-8a78-f8f5d53ad921" providerId="ADAL" clId="{AAC365B4-748D-41C9-B325-47015E14791D}" dt="2023-09-13T10:55:40.407" v="0" actId="478"/>
+          <ac:picMkLst>
+            <pc:docMk/>
+            <pc:sldMk cId="556864461" sldId="256"/>
+            <ac:picMk id="7" creationId="{73C46036-A7B6-DB9E-D7EA-670B50B9A684}"/>
+          </ac:picMkLst>
+        </pc:picChg>
+        <pc:picChg chg="add del mod modCrop">
+          <ac:chgData name="Fatima Maria Pillosu" userId="ff035341-0897-461c-8a78-f8f5d53ad921" providerId="ADAL" clId="{AAC365B4-748D-41C9-B325-47015E14791D}" dt="2023-09-13T12:05:19.635" v="176" actId="21"/>
+          <ac:picMkLst>
+            <pc:docMk/>
+            <pc:sldMk cId="556864461" sldId="256"/>
+            <ac:picMk id="8" creationId="{A92427FB-69BE-2B20-BAB0-710837772737}"/>
+          </ac:picMkLst>
+        </pc:picChg>
+        <pc:picChg chg="del">
+          <ac:chgData name="Fatima Maria Pillosu" userId="ff035341-0897-461c-8a78-f8f5d53ad921" providerId="ADAL" clId="{AAC365B4-748D-41C9-B325-47015E14791D}" dt="2023-09-13T10:55:40.407" v="0" actId="478"/>
+          <ac:picMkLst>
+            <pc:docMk/>
+            <pc:sldMk cId="556864461" sldId="256"/>
+            <ac:picMk id="9" creationId="{0DEA3CBE-9CB1-167B-CA1E-0AD4F820BE5E}"/>
+          </ac:picMkLst>
+        </pc:picChg>
+        <pc:picChg chg="add del mod modCrop">
+          <ac:chgData name="Fatima Maria Pillosu" userId="ff035341-0897-461c-8a78-f8f5d53ad921" providerId="ADAL" clId="{AAC365B4-748D-41C9-B325-47015E14791D}" dt="2023-09-13T12:05:19.635" v="176" actId="21"/>
+          <ac:picMkLst>
+            <pc:docMk/>
+            <pc:sldMk cId="556864461" sldId="256"/>
+            <ac:picMk id="15" creationId="{E8F53431-52C6-A871-3B64-C6F98C92649E}"/>
+          </ac:picMkLst>
+        </pc:picChg>
+        <pc:picChg chg="add del mod modCrop">
+          <ac:chgData name="Fatima Maria Pillosu" userId="ff035341-0897-461c-8a78-f8f5d53ad921" providerId="ADAL" clId="{AAC365B4-748D-41C9-B325-47015E14791D}" dt="2023-09-13T12:05:19.635" v="176" actId="21"/>
+          <ac:picMkLst>
+            <pc:docMk/>
+            <pc:sldMk cId="556864461" sldId="256"/>
+            <ac:picMk id="17" creationId="{6C0DE560-5CA6-07B9-8C25-4235E798BE9D}"/>
+          </ac:picMkLst>
+        </pc:picChg>
+        <pc:picChg chg="add mod">
+          <ac:chgData name="Fatima Maria Pillosu" userId="ff035341-0897-461c-8a78-f8f5d53ad921" providerId="ADAL" clId="{AAC365B4-748D-41C9-B325-47015E14791D}" dt="2023-09-13T11:02:40.918" v="165" actId="571"/>
+          <ac:picMkLst>
+            <pc:docMk/>
+            <pc:sldMk cId="556864461" sldId="256"/>
+            <ac:picMk id="28" creationId="{DAD02739-86A7-634C-E9A8-74894E1B585B}"/>
+          </ac:picMkLst>
+        </pc:picChg>
+        <pc:picChg chg="add mod">
+          <ac:chgData name="Fatima Maria Pillosu" userId="ff035341-0897-461c-8a78-f8f5d53ad921" providerId="ADAL" clId="{AAC365B4-748D-41C9-B325-47015E14791D}" dt="2023-09-13T12:05:30.200" v="177"/>
+          <ac:picMkLst>
+            <pc:docMk/>
+            <pc:sldMk cId="556864461" sldId="256"/>
+            <ac:picMk id="40" creationId="{6CD9B67E-0377-1016-926D-EBC00FA58B8C}"/>
+          </ac:picMkLst>
+        </pc:picChg>
+        <pc:picChg chg="add mod">
+          <ac:chgData name="Fatima Maria Pillosu" userId="ff035341-0897-461c-8a78-f8f5d53ad921" providerId="ADAL" clId="{AAC365B4-748D-41C9-B325-47015E14791D}" dt="2023-09-13T12:05:30.200" v="177"/>
+          <ac:picMkLst>
+            <pc:docMk/>
+            <pc:sldMk cId="556864461" sldId="256"/>
+            <ac:picMk id="41" creationId="{4E32A1B1-366D-BFE2-FC5F-A44BD37B7304}"/>
+          </ac:picMkLst>
+        </pc:picChg>
+        <pc:picChg chg="add mod">
+          <ac:chgData name="Fatima Maria Pillosu" userId="ff035341-0897-461c-8a78-f8f5d53ad921" providerId="ADAL" clId="{AAC365B4-748D-41C9-B325-47015E14791D}" dt="2023-09-13T12:05:30.200" v="177"/>
+          <ac:picMkLst>
+            <pc:docMk/>
+            <pc:sldMk cId="556864461" sldId="256"/>
+            <ac:picMk id="42" creationId="{A995B805-533B-585D-3ECD-8416B0767FD8}"/>
+          </ac:picMkLst>
+        </pc:picChg>
+        <pc:picChg chg="add mod">
+          <ac:chgData name="Fatima Maria Pillosu" userId="ff035341-0897-461c-8a78-f8f5d53ad921" providerId="ADAL" clId="{AAC365B4-748D-41C9-B325-47015E14791D}" dt="2023-09-13T12:05:30.200" v="177"/>
+          <ac:picMkLst>
+            <pc:docMk/>
+            <pc:sldMk cId="556864461" sldId="256"/>
+            <ac:picMk id="43" creationId="{0A99CC9C-6FCE-FC6B-3D20-333509F1A968}"/>
+          </ac:picMkLst>
+        </pc:picChg>
+      </pc:sldChg>
+    </pc:docChg>
+  </pc:docChgLst>
+</pc:chgInfo>
 </file>
 
 <file path=ppt/slideLayouts/slideLayout1.xml><?xml version="1.0" encoding="utf-8"?>
@@ -136,15 +683,15 @@
         </p:nvSpPr>
         <p:spPr>
           <a:xfrm>
-            <a:off x="486013" y="904386"/>
-            <a:ext cx="5508149" cy="1923897"/>
+            <a:off x="514350" y="1004411"/>
+            <a:ext cx="5829300" cy="2136681"/>
           </a:xfrm>
         </p:spPr>
         <p:txBody>
           <a:bodyPr anchor="b"/>
           <a:lstStyle>
             <a:lvl1pPr algn="ctr">
-              <a:defRPr sz="4252"/>
+              <a:defRPr sz="4500"/>
             </a:lvl1pPr>
           </a:lstStyle>
           <a:p>
@@ -168,8 +715,8 @@
         </p:nvSpPr>
         <p:spPr>
           <a:xfrm>
-            <a:off x="810022" y="2902476"/>
-            <a:ext cx="4860131" cy="1334192"/>
+            <a:off x="857250" y="3223490"/>
+            <a:ext cx="5143500" cy="1481754"/>
           </a:xfrm>
         </p:spPr>
         <p:txBody>
@@ -177,39 +724,39 @@
           <a:lstStyle>
             <a:lvl1pPr marL="0" indent="0" algn="ctr">
               <a:buNone/>
-              <a:defRPr sz="1701"/>
+              <a:defRPr sz="1800"/>
             </a:lvl1pPr>
-            <a:lvl2pPr marL="324018" indent="0" algn="ctr">
-              <a:buNone/>
-              <a:defRPr sz="1417"/>
+            <a:lvl2pPr marL="342900" indent="0" algn="ctr">
+              <a:buNone/>
+              <a:defRPr sz="1500"/>
             </a:lvl2pPr>
-            <a:lvl3pPr marL="648035" indent="0" algn="ctr">
-              <a:buNone/>
-              <a:defRPr sz="1276"/>
+            <a:lvl3pPr marL="685800" indent="0" algn="ctr">
+              <a:buNone/>
+              <a:defRPr sz="1350"/>
             </a:lvl3pPr>
-            <a:lvl4pPr marL="972053" indent="0" algn="ctr">
-              <a:buNone/>
-              <a:defRPr sz="1134"/>
+            <a:lvl4pPr marL="1028700" indent="0" algn="ctr">
+              <a:buNone/>
+              <a:defRPr sz="1200"/>
             </a:lvl4pPr>
-            <a:lvl5pPr marL="1296071" indent="0" algn="ctr">
-              <a:buNone/>
-              <a:defRPr sz="1134"/>
+            <a:lvl5pPr marL="1371600" indent="0" algn="ctr">
+              <a:buNone/>
+              <a:defRPr sz="1200"/>
             </a:lvl5pPr>
-            <a:lvl6pPr marL="1620088" indent="0" algn="ctr">
-              <a:buNone/>
-              <a:defRPr sz="1134"/>
+            <a:lvl6pPr marL="1714500" indent="0" algn="ctr">
+              <a:buNone/>
+              <a:defRPr sz="1200"/>
             </a:lvl6pPr>
-            <a:lvl7pPr marL="1944106" indent="0" algn="ctr">
-              <a:buNone/>
-              <a:defRPr sz="1134"/>
+            <a:lvl7pPr marL="2057400" indent="0" algn="ctr">
+              <a:buNone/>
+              <a:defRPr sz="1200"/>
             </a:lvl7pPr>
-            <a:lvl8pPr marL="2268123" indent="0" algn="ctr">
-              <a:buNone/>
-              <a:defRPr sz="1134"/>
+            <a:lvl8pPr marL="2400300" indent="0" algn="ctr">
+              <a:buNone/>
+              <a:defRPr sz="1200"/>
             </a:lvl8pPr>
-            <a:lvl9pPr marL="2592141" indent="0" algn="ctr">
-              <a:buNone/>
-              <a:defRPr sz="1134"/>
+            <a:lvl9pPr marL="2743200" indent="0" algn="ctr">
+              <a:buNone/>
+              <a:defRPr sz="1200"/>
             </a:lvl9pPr>
           </a:lstStyle>
           <a:p>
@@ -238,7 +785,7 @@
           <a:p>
             <a:fld id="{31A3A050-4D14-44A1-BABA-DB9EEDB8E2FD}" type="datetimeFigureOut">
               <a:rPr lang="en-GB" smtClean="0"/>
-              <a:t>08/09/2023</a:t>
+              <a:t>13/09/2023</a:t>
             </a:fld>
             <a:endParaRPr lang="en-GB"/>
           </a:p>
@@ -289,7 +836,7 @@
     </p:spTree>
     <p:extLst>
       <p:ext uri="{BB962C8B-B14F-4D97-AF65-F5344CB8AC3E}">
-        <p14:creationId xmlns:p14="http://schemas.microsoft.com/office/powerpoint/2010/main" val="1379767020"/>
+        <p14:creationId xmlns:p14="http://schemas.microsoft.com/office/powerpoint/2010/main" val="3828888682"/>
       </p:ext>
     </p:extLst>
   </p:cSld>
@@ -408,7 +955,7 @@
           <a:p>
             <a:fld id="{31A3A050-4D14-44A1-BABA-DB9EEDB8E2FD}" type="datetimeFigureOut">
               <a:rPr lang="en-GB" smtClean="0"/>
-              <a:t>08/09/2023</a:t>
+              <a:t>13/09/2023</a:t>
             </a:fld>
             <a:endParaRPr lang="en-GB"/>
           </a:p>
@@ -459,7 +1006,7 @@
     </p:spTree>
     <p:extLst>
       <p:ext uri="{BB962C8B-B14F-4D97-AF65-F5344CB8AC3E}">
-        <p14:creationId xmlns:p14="http://schemas.microsoft.com/office/powerpoint/2010/main" val="1387466419"/>
+        <p14:creationId xmlns:p14="http://schemas.microsoft.com/office/powerpoint/2010/main" val="3401994221"/>
       </p:ext>
     </p:extLst>
   </p:cSld>
@@ -498,8 +1045,8 @@
         </p:nvSpPr>
         <p:spPr>
           <a:xfrm>
-            <a:off x="4637375" y="294213"/>
-            <a:ext cx="1397288" cy="4683104"/>
+            <a:off x="4907757" y="326753"/>
+            <a:ext cx="1478756" cy="5201057"/>
           </a:xfrm>
         </p:spPr>
         <p:txBody>
@@ -526,8 +1073,8 @@
         </p:nvSpPr>
         <p:spPr>
           <a:xfrm>
-            <a:off x="445512" y="294213"/>
-            <a:ext cx="4110861" cy="4683104"/>
+            <a:off x="471488" y="326753"/>
+            <a:ext cx="4350544" cy="5201057"/>
           </a:xfrm>
         </p:spPr>
         <p:txBody>
@@ -588,7 +1135,7 @@
           <a:p>
             <a:fld id="{31A3A050-4D14-44A1-BABA-DB9EEDB8E2FD}" type="datetimeFigureOut">
               <a:rPr lang="en-GB" smtClean="0"/>
-              <a:t>08/09/2023</a:t>
+              <a:t>13/09/2023</a:t>
             </a:fld>
             <a:endParaRPr lang="en-GB"/>
           </a:p>
@@ -639,7 +1186,7 @@
     </p:spTree>
     <p:extLst>
       <p:ext uri="{BB962C8B-B14F-4D97-AF65-F5344CB8AC3E}">
-        <p14:creationId xmlns:p14="http://schemas.microsoft.com/office/powerpoint/2010/main" val="1314310358"/>
+        <p14:creationId xmlns:p14="http://schemas.microsoft.com/office/powerpoint/2010/main" val="1536799216"/>
       </p:ext>
     </p:extLst>
   </p:cSld>
@@ -758,7 +1305,7 @@
           <a:p>
             <a:fld id="{31A3A050-4D14-44A1-BABA-DB9EEDB8E2FD}" type="datetimeFigureOut">
               <a:rPr lang="en-GB" smtClean="0"/>
-              <a:t>08/09/2023</a:t>
+              <a:t>13/09/2023</a:t>
             </a:fld>
             <a:endParaRPr lang="en-GB"/>
           </a:p>
@@ -809,7 +1356,7 @@
     </p:spTree>
     <p:extLst>
       <p:ext uri="{BB962C8B-B14F-4D97-AF65-F5344CB8AC3E}">
-        <p14:creationId xmlns:p14="http://schemas.microsoft.com/office/powerpoint/2010/main" val="26850399"/>
+        <p14:creationId xmlns:p14="http://schemas.microsoft.com/office/powerpoint/2010/main" val="3334355230"/>
       </p:ext>
     </p:extLst>
   </p:cSld>
@@ -848,15 +1395,15 @@
         </p:nvSpPr>
         <p:spPr>
           <a:xfrm>
-            <a:off x="442137" y="1377686"/>
-            <a:ext cx="5589151" cy="2298699"/>
+            <a:off x="467916" y="1530059"/>
+            <a:ext cx="5915025" cy="2552935"/>
           </a:xfrm>
         </p:spPr>
         <p:txBody>
           <a:bodyPr anchor="b"/>
           <a:lstStyle>
             <a:lvl1pPr>
-              <a:defRPr sz="4252"/>
+              <a:defRPr sz="4500"/>
             </a:lvl1pPr>
           </a:lstStyle>
           <a:p>
@@ -880,8 +1427,8 @@
         </p:nvSpPr>
         <p:spPr>
           <a:xfrm>
-            <a:off x="442137" y="3698132"/>
-            <a:ext cx="5589151" cy="1208831"/>
+            <a:off x="467916" y="4107146"/>
+            <a:ext cx="5915025" cy="1342528"/>
           </a:xfrm>
         </p:spPr>
         <p:txBody>
@@ -889,15 +1436,15 @@
           <a:lstStyle>
             <a:lvl1pPr marL="0" indent="0">
               <a:buNone/>
-              <a:defRPr sz="1701">
+              <a:defRPr sz="1800">
                 <a:solidFill>
                   <a:schemeClr val="tx1"/>
                 </a:solidFill>
               </a:defRPr>
             </a:lvl1pPr>
-            <a:lvl2pPr marL="324018" indent="0">
-              <a:buNone/>
-              <a:defRPr sz="1417">
+            <a:lvl2pPr marL="342900" indent="0">
+              <a:buNone/>
+              <a:defRPr sz="1500">
                 <a:solidFill>
                   <a:schemeClr val="tx1">
                     <a:tint val="75000"/>
@@ -905,9 +1452,9 @@
                 </a:solidFill>
               </a:defRPr>
             </a:lvl2pPr>
-            <a:lvl3pPr marL="648035" indent="0">
-              <a:buNone/>
-              <a:defRPr sz="1276">
+            <a:lvl3pPr marL="685800" indent="0">
+              <a:buNone/>
+              <a:defRPr sz="1350">
                 <a:solidFill>
                   <a:schemeClr val="tx1">
                     <a:tint val="75000"/>
@@ -915,9 +1462,9 @@
                 </a:solidFill>
               </a:defRPr>
             </a:lvl3pPr>
-            <a:lvl4pPr marL="972053" indent="0">
-              <a:buNone/>
-              <a:defRPr sz="1134">
+            <a:lvl4pPr marL="1028700" indent="0">
+              <a:buNone/>
+              <a:defRPr sz="1200">
                 <a:solidFill>
                   <a:schemeClr val="tx1">
                     <a:tint val="75000"/>
@@ -925,9 +1472,9 @@
                 </a:solidFill>
               </a:defRPr>
             </a:lvl4pPr>
-            <a:lvl5pPr marL="1296071" indent="0">
-              <a:buNone/>
-              <a:defRPr sz="1134">
+            <a:lvl5pPr marL="1371600" indent="0">
+              <a:buNone/>
+              <a:defRPr sz="1200">
                 <a:solidFill>
                   <a:schemeClr val="tx1">
                     <a:tint val="75000"/>
@@ -935,9 +1482,9 @@
                 </a:solidFill>
               </a:defRPr>
             </a:lvl5pPr>
-            <a:lvl6pPr marL="1620088" indent="0">
-              <a:buNone/>
-              <a:defRPr sz="1134">
+            <a:lvl6pPr marL="1714500" indent="0">
+              <a:buNone/>
+              <a:defRPr sz="1200">
                 <a:solidFill>
                   <a:schemeClr val="tx1">
                     <a:tint val="75000"/>
@@ -945,9 +1492,9 @@
                 </a:solidFill>
               </a:defRPr>
             </a:lvl6pPr>
-            <a:lvl7pPr marL="1944106" indent="0">
-              <a:buNone/>
-              <a:defRPr sz="1134">
+            <a:lvl7pPr marL="2057400" indent="0">
+              <a:buNone/>
+              <a:defRPr sz="1200">
                 <a:solidFill>
                   <a:schemeClr val="tx1">
                     <a:tint val="75000"/>
@@ -955,9 +1502,9 @@
                 </a:solidFill>
               </a:defRPr>
             </a:lvl7pPr>
-            <a:lvl8pPr marL="2268123" indent="0">
-              <a:buNone/>
-              <a:defRPr sz="1134">
+            <a:lvl8pPr marL="2400300" indent="0">
+              <a:buNone/>
+              <a:defRPr sz="1200">
                 <a:solidFill>
                   <a:schemeClr val="tx1">
                     <a:tint val="75000"/>
@@ -965,9 +1512,9 @@
                 </a:solidFill>
               </a:defRPr>
             </a:lvl8pPr>
-            <a:lvl9pPr marL="2592141" indent="0">
-              <a:buNone/>
-              <a:defRPr sz="1134">
+            <a:lvl9pPr marL="2743200" indent="0">
+              <a:buNone/>
+              <a:defRPr sz="1200">
                 <a:solidFill>
                   <a:schemeClr val="tx1">
                     <a:tint val="75000"/>
@@ -1002,7 +1549,7 @@
           <a:p>
             <a:fld id="{31A3A050-4D14-44A1-BABA-DB9EEDB8E2FD}" type="datetimeFigureOut">
               <a:rPr lang="en-GB" smtClean="0"/>
-              <a:t>08/09/2023</a:t>
+              <a:t>13/09/2023</a:t>
             </a:fld>
             <a:endParaRPr lang="en-GB"/>
           </a:p>
@@ -1053,7 +1600,7 @@
     </p:spTree>
     <p:extLst>
       <p:ext uri="{BB962C8B-B14F-4D97-AF65-F5344CB8AC3E}">
-        <p14:creationId xmlns:p14="http://schemas.microsoft.com/office/powerpoint/2010/main" val="1814856158"/>
+        <p14:creationId xmlns:p14="http://schemas.microsoft.com/office/powerpoint/2010/main" val="4252762125"/>
       </p:ext>
     </p:extLst>
   </p:cSld>
@@ -1115,8 +1662,8 @@
         </p:nvSpPr>
         <p:spPr>
           <a:xfrm>
-            <a:off x="445512" y="1471065"/>
-            <a:ext cx="2754074" cy="3506252"/>
+            <a:off x="471488" y="1633765"/>
+            <a:ext cx="2914650" cy="3894045"/>
           </a:xfrm>
         </p:spPr>
         <p:txBody>
@@ -1172,8 +1719,8 @@
         </p:nvSpPr>
         <p:spPr>
           <a:xfrm>
-            <a:off x="3280589" y="1471065"/>
-            <a:ext cx="2754074" cy="3506252"/>
+            <a:off x="3471863" y="1633765"/>
+            <a:ext cx="2914650" cy="3894045"/>
           </a:xfrm>
         </p:spPr>
         <p:txBody>
@@ -1234,7 +1781,7 @@
           <a:p>
             <a:fld id="{31A3A050-4D14-44A1-BABA-DB9EEDB8E2FD}" type="datetimeFigureOut">
               <a:rPr lang="en-GB" smtClean="0"/>
-              <a:t>08/09/2023</a:t>
+              <a:t>13/09/2023</a:t>
             </a:fld>
             <a:endParaRPr lang="en-GB"/>
           </a:p>
@@ -1285,7 +1832,7 @@
     </p:spTree>
     <p:extLst>
       <p:ext uri="{BB962C8B-B14F-4D97-AF65-F5344CB8AC3E}">
-        <p14:creationId xmlns:p14="http://schemas.microsoft.com/office/powerpoint/2010/main" val="3143000866"/>
+        <p14:creationId xmlns:p14="http://schemas.microsoft.com/office/powerpoint/2010/main" val="3257421994"/>
       </p:ext>
     </p:extLst>
   </p:cSld>
@@ -1324,8 +1871,8 @@
         </p:nvSpPr>
         <p:spPr>
           <a:xfrm>
-            <a:off x="446356" y="294214"/>
-            <a:ext cx="5589151" cy="1068122"/>
+            <a:off x="472381" y="326754"/>
+            <a:ext cx="5915025" cy="1186256"/>
           </a:xfrm>
         </p:spPr>
         <p:txBody>
@@ -1352,8 +1899,8 @@
         </p:nvSpPr>
         <p:spPr>
           <a:xfrm>
-            <a:off x="446357" y="1354659"/>
-            <a:ext cx="2741417" cy="663898"/>
+            <a:off x="472381" y="1504485"/>
+            <a:ext cx="2901255" cy="737325"/>
           </a:xfrm>
         </p:spPr>
         <p:txBody>
@@ -1361,39 +1908,39 @@
           <a:lstStyle>
             <a:lvl1pPr marL="0" indent="0">
               <a:buNone/>
-              <a:defRPr sz="1701" b="1"/>
+              <a:defRPr sz="1800" b="1"/>
             </a:lvl1pPr>
-            <a:lvl2pPr marL="324018" indent="0">
-              <a:buNone/>
-              <a:defRPr sz="1417" b="1"/>
+            <a:lvl2pPr marL="342900" indent="0">
+              <a:buNone/>
+              <a:defRPr sz="1500" b="1"/>
             </a:lvl2pPr>
-            <a:lvl3pPr marL="648035" indent="0">
-              <a:buNone/>
-              <a:defRPr sz="1276" b="1"/>
+            <a:lvl3pPr marL="685800" indent="0">
+              <a:buNone/>
+              <a:defRPr sz="1350" b="1"/>
             </a:lvl3pPr>
-            <a:lvl4pPr marL="972053" indent="0">
-              <a:buNone/>
-              <a:defRPr sz="1134" b="1"/>
+            <a:lvl4pPr marL="1028700" indent="0">
+              <a:buNone/>
+              <a:defRPr sz="1200" b="1"/>
             </a:lvl4pPr>
-            <a:lvl5pPr marL="1296071" indent="0">
-              <a:buNone/>
-              <a:defRPr sz="1134" b="1"/>
+            <a:lvl5pPr marL="1371600" indent="0">
+              <a:buNone/>
+              <a:defRPr sz="1200" b="1"/>
             </a:lvl5pPr>
-            <a:lvl6pPr marL="1620088" indent="0">
-              <a:buNone/>
-              <a:defRPr sz="1134" b="1"/>
+            <a:lvl6pPr marL="1714500" indent="0">
+              <a:buNone/>
+              <a:defRPr sz="1200" b="1"/>
             </a:lvl6pPr>
-            <a:lvl7pPr marL="1944106" indent="0">
-              <a:buNone/>
-              <a:defRPr sz="1134" b="1"/>
+            <a:lvl7pPr marL="2057400" indent="0">
+              <a:buNone/>
+              <a:defRPr sz="1200" b="1"/>
             </a:lvl7pPr>
-            <a:lvl8pPr marL="2268123" indent="0">
-              <a:buNone/>
-              <a:defRPr sz="1134" b="1"/>
+            <a:lvl8pPr marL="2400300" indent="0">
+              <a:buNone/>
+              <a:defRPr sz="1200" b="1"/>
             </a:lvl8pPr>
-            <a:lvl9pPr marL="2592141" indent="0">
-              <a:buNone/>
-              <a:defRPr sz="1134" b="1"/>
+            <a:lvl9pPr marL="2743200" indent="0">
+              <a:buNone/>
+              <a:defRPr sz="1200" b="1"/>
             </a:lvl9pPr>
           </a:lstStyle>
           <a:p>
@@ -1417,8 +1964,8 @@
         </p:nvSpPr>
         <p:spPr>
           <a:xfrm>
-            <a:off x="446357" y="2018557"/>
-            <a:ext cx="2741417" cy="2968994"/>
+            <a:off x="472381" y="2241810"/>
+            <a:ext cx="2901255" cy="3297365"/>
           </a:xfrm>
         </p:spPr>
         <p:txBody>
@@ -1474,8 +2021,8 @@
         </p:nvSpPr>
         <p:spPr>
           <a:xfrm>
-            <a:off x="3280589" y="1354659"/>
-            <a:ext cx="2754918" cy="663898"/>
+            <a:off x="3471863" y="1504485"/>
+            <a:ext cx="2915543" cy="737325"/>
           </a:xfrm>
         </p:spPr>
         <p:txBody>
@@ -1483,39 +2030,39 @@
           <a:lstStyle>
             <a:lvl1pPr marL="0" indent="0">
               <a:buNone/>
-              <a:defRPr sz="1701" b="1"/>
+              <a:defRPr sz="1800" b="1"/>
             </a:lvl1pPr>
-            <a:lvl2pPr marL="324018" indent="0">
-              <a:buNone/>
-              <a:defRPr sz="1417" b="1"/>
+            <a:lvl2pPr marL="342900" indent="0">
+              <a:buNone/>
+              <a:defRPr sz="1500" b="1"/>
             </a:lvl2pPr>
-            <a:lvl3pPr marL="648035" indent="0">
-              <a:buNone/>
-              <a:defRPr sz="1276" b="1"/>
+            <a:lvl3pPr marL="685800" indent="0">
+              <a:buNone/>
+              <a:defRPr sz="1350" b="1"/>
             </a:lvl3pPr>
-            <a:lvl4pPr marL="972053" indent="0">
-              <a:buNone/>
-              <a:defRPr sz="1134" b="1"/>
+            <a:lvl4pPr marL="1028700" indent="0">
+              <a:buNone/>
+              <a:defRPr sz="1200" b="1"/>
             </a:lvl4pPr>
-            <a:lvl5pPr marL="1296071" indent="0">
-              <a:buNone/>
-              <a:defRPr sz="1134" b="1"/>
+            <a:lvl5pPr marL="1371600" indent="0">
+              <a:buNone/>
+              <a:defRPr sz="1200" b="1"/>
             </a:lvl5pPr>
-            <a:lvl6pPr marL="1620088" indent="0">
-              <a:buNone/>
-              <a:defRPr sz="1134" b="1"/>
+            <a:lvl6pPr marL="1714500" indent="0">
+              <a:buNone/>
+              <a:defRPr sz="1200" b="1"/>
             </a:lvl6pPr>
-            <a:lvl7pPr marL="1944106" indent="0">
-              <a:buNone/>
-              <a:defRPr sz="1134" b="1"/>
+            <a:lvl7pPr marL="2057400" indent="0">
+              <a:buNone/>
+              <a:defRPr sz="1200" b="1"/>
             </a:lvl7pPr>
-            <a:lvl8pPr marL="2268123" indent="0">
-              <a:buNone/>
-              <a:defRPr sz="1134" b="1"/>
+            <a:lvl8pPr marL="2400300" indent="0">
+              <a:buNone/>
+              <a:defRPr sz="1200" b="1"/>
             </a:lvl8pPr>
-            <a:lvl9pPr marL="2592141" indent="0">
-              <a:buNone/>
-              <a:defRPr sz="1134" b="1"/>
+            <a:lvl9pPr marL="2743200" indent="0">
+              <a:buNone/>
+              <a:defRPr sz="1200" b="1"/>
             </a:lvl9pPr>
           </a:lstStyle>
           <a:p>
@@ -1539,8 +2086,8 @@
         </p:nvSpPr>
         <p:spPr>
           <a:xfrm>
-            <a:off x="3280589" y="2018557"/>
-            <a:ext cx="2754918" cy="2968994"/>
+            <a:off x="3471863" y="2241810"/>
+            <a:ext cx="2915543" cy="3297365"/>
           </a:xfrm>
         </p:spPr>
         <p:txBody>
@@ -1601,7 +2148,7 @@
           <a:p>
             <a:fld id="{31A3A050-4D14-44A1-BABA-DB9EEDB8E2FD}" type="datetimeFigureOut">
               <a:rPr lang="en-GB" smtClean="0"/>
-              <a:t>08/09/2023</a:t>
+              <a:t>13/09/2023</a:t>
             </a:fld>
             <a:endParaRPr lang="en-GB"/>
           </a:p>
@@ -1652,7 +2199,7 @@
     </p:spTree>
     <p:extLst>
       <p:ext uri="{BB962C8B-B14F-4D97-AF65-F5344CB8AC3E}">
-        <p14:creationId xmlns:p14="http://schemas.microsoft.com/office/powerpoint/2010/main" val="585193020"/>
+        <p14:creationId xmlns:p14="http://schemas.microsoft.com/office/powerpoint/2010/main" val="1654662277"/>
       </p:ext>
     </p:extLst>
   </p:cSld>
@@ -1719,7 +2266,7 @@
           <a:p>
             <a:fld id="{31A3A050-4D14-44A1-BABA-DB9EEDB8E2FD}" type="datetimeFigureOut">
               <a:rPr lang="en-GB" smtClean="0"/>
-              <a:t>08/09/2023</a:t>
+              <a:t>13/09/2023</a:t>
             </a:fld>
             <a:endParaRPr lang="en-GB"/>
           </a:p>
@@ -1770,7 +2317,7 @@
     </p:spTree>
     <p:extLst>
       <p:ext uri="{BB962C8B-B14F-4D97-AF65-F5344CB8AC3E}">
-        <p14:creationId xmlns:p14="http://schemas.microsoft.com/office/powerpoint/2010/main" val="4044839953"/>
+        <p14:creationId xmlns:p14="http://schemas.microsoft.com/office/powerpoint/2010/main" val="1908807668"/>
       </p:ext>
     </p:extLst>
   </p:cSld>
@@ -1814,7 +2361,7 @@
           <a:p>
             <a:fld id="{31A3A050-4D14-44A1-BABA-DB9EEDB8E2FD}" type="datetimeFigureOut">
               <a:rPr lang="en-GB" smtClean="0"/>
-              <a:t>08/09/2023</a:t>
+              <a:t>13/09/2023</a:t>
             </a:fld>
             <a:endParaRPr lang="en-GB"/>
           </a:p>
@@ -1865,7 +2412,7 @@
     </p:spTree>
     <p:extLst>
       <p:ext uri="{BB962C8B-B14F-4D97-AF65-F5344CB8AC3E}">
-        <p14:creationId xmlns:p14="http://schemas.microsoft.com/office/powerpoint/2010/main" val="791025918"/>
+        <p14:creationId xmlns:p14="http://schemas.microsoft.com/office/powerpoint/2010/main" val="174214347"/>
       </p:ext>
     </p:extLst>
   </p:cSld>
@@ -1904,15 +2451,15 @@
         </p:nvSpPr>
         <p:spPr>
           <a:xfrm>
-            <a:off x="446356" y="368406"/>
-            <a:ext cx="2090025" cy="1289421"/>
+            <a:off x="472381" y="409152"/>
+            <a:ext cx="2211884" cy="1432031"/>
           </a:xfrm>
         </p:spPr>
         <p:txBody>
           <a:bodyPr anchor="b"/>
           <a:lstStyle>
             <a:lvl1pPr>
-              <a:defRPr sz="2268"/>
+              <a:defRPr sz="2400"/>
             </a:lvl1pPr>
           </a:lstStyle>
           <a:p>
@@ -1936,39 +2483,39 @@
         </p:nvSpPr>
         <p:spPr>
           <a:xfrm>
-            <a:off x="2754918" y="795656"/>
-            <a:ext cx="3280589" cy="3927104"/>
+            <a:off x="2915543" y="883655"/>
+            <a:ext cx="3471863" cy="4361443"/>
           </a:xfrm>
         </p:spPr>
         <p:txBody>
           <a:bodyPr/>
           <a:lstStyle>
             <a:lvl1pPr>
-              <a:defRPr sz="2268"/>
+              <a:defRPr sz="2400"/>
             </a:lvl1pPr>
             <a:lvl2pPr>
-              <a:defRPr sz="1984"/>
+              <a:defRPr sz="2100"/>
             </a:lvl2pPr>
             <a:lvl3pPr>
-              <a:defRPr sz="1701"/>
+              <a:defRPr sz="1800"/>
             </a:lvl3pPr>
             <a:lvl4pPr>
-              <a:defRPr sz="1417"/>
+              <a:defRPr sz="1500"/>
             </a:lvl4pPr>
             <a:lvl5pPr>
-              <a:defRPr sz="1417"/>
+              <a:defRPr sz="1500"/>
             </a:lvl5pPr>
             <a:lvl6pPr>
-              <a:defRPr sz="1417"/>
+              <a:defRPr sz="1500"/>
             </a:lvl6pPr>
             <a:lvl7pPr>
-              <a:defRPr sz="1417"/>
+              <a:defRPr sz="1500"/>
             </a:lvl7pPr>
             <a:lvl8pPr>
-              <a:defRPr sz="1417"/>
+              <a:defRPr sz="1500"/>
             </a:lvl8pPr>
             <a:lvl9pPr>
-              <a:defRPr sz="1417"/>
+              <a:defRPr sz="1500"/>
             </a:lvl9pPr>
           </a:lstStyle>
           <a:p>
@@ -2021,8 +2568,8 @@
         </p:nvSpPr>
         <p:spPr>
           <a:xfrm>
-            <a:off x="446356" y="1657827"/>
-            <a:ext cx="2090025" cy="3071328"/>
+            <a:off x="472381" y="1841183"/>
+            <a:ext cx="2211884" cy="3411018"/>
           </a:xfrm>
         </p:spPr>
         <p:txBody>
@@ -2030,39 +2577,39 @@
           <a:lstStyle>
             <a:lvl1pPr marL="0" indent="0">
               <a:buNone/>
-              <a:defRPr sz="1134"/>
+              <a:defRPr sz="1200"/>
             </a:lvl1pPr>
-            <a:lvl2pPr marL="324018" indent="0">
-              <a:buNone/>
-              <a:defRPr sz="992"/>
+            <a:lvl2pPr marL="342900" indent="0">
+              <a:buNone/>
+              <a:defRPr sz="1050"/>
             </a:lvl2pPr>
-            <a:lvl3pPr marL="648035" indent="0">
-              <a:buNone/>
-              <a:defRPr sz="850"/>
+            <a:lvl3pPr marL="685800" indent="0">
+              <a:buNone/>
+              <a:defRPr sz="900"/>
             </a:lvl3pPr>
-            <a:lvl4pPr marL="972053" indent="0">
-              <a:buNone/>
-              <a:defRPr sz="709"/>
+            <a:lvl4pPr marL="1028700" indent="0">
+              <a:buNone/>
+              <a:defRPr sz="750"/>
             </a:lvl4pPr>
-            <a:lvl5pPr marL="1296071" indent="0">
-              <a:buNone/>
-              <a:defRPr sz="709"/>
+            <a:lvl5pPr marL="1371600" indent="0">
+              <a:buNone/>
+              <a:defRPr sz="750"/>
             </a:lvl5pPr>
-            <a:lvl6pPr marL="1620088" indent="0">
-              <a:buNone/>
-              <a:defRPr sz="709"/>
+            <a:lvl6pPr marL="1714500" indent="0">
+              <a:buNone/>
+              <a:defRPr sz="750"/>
             </a:lvl6pPr>
-            <a:lvl7pPr marL="1944106" indent="0">
-              <a:buNone/>
-              <a:defRPr sz="709"/>
+            <a:lvl7pPr marL="2057400" indent="0">
+              <a:buNone/>
+              <a:defRPr sz="750"/>
             </a:lvl7pPr>
-            <a:lvl8pPr marL="2268123" indent="0">
-              <a:buNone/>
-              <a:defRPr sz="709"/>
+            <a:lvl8pPr marL="2400300" indent="0">
+              <a:buNone/>
+              <a:defRPr sz="750"/>
             </a:lvl8pPr>
-            <a:lvl9pPr marL="2592141" indent="0">
-              <a:buNone/>
-              <a:defRPr sz="709"/>
+            <a:lvl9pPr marL="2743200" indent="0">
+              <a:buNone/>
+              <a:defRPr sz="750"/>
             </a:lvl9pPr>
           </a:lstStyle>
           <a:p>
@@ -2091,7 +2638,7 @@
           <a:p>
             <a:fld id="{31A3A050-4D14-44A1-BABA-DB9EEDB8E2FD}" type="datetimeFigureOut">
               <a:rPr lang="en-GB" smtClean="0"/>
-              <a:t>08/09/2023</a:t>
+              <a:t>13/09/2023</a:t>
             </a:fld>
             <a:endParaRPr lang="en-GB"/>
           </a:p>
@@ -2142,7 +2689,7 @@
     </p:spTree>
     <p:extLst>
       <p:ext uri="{BB962C8B-B14F-4D97-AF65-F5344CB8AC3E}">
-        <p14:creationId xmlns:p14="http://schemas.microsoft.com/office/powerpoint/2010/main" val="1725046731"/>
+        <p14:creationId xmlns:p14="http://schemas.microsoft.com/office/powerpoint/2010/main" val="2475858849"/>
       </p:ext>
     </p:extLst>
   </p:cSld>
@@ -2181,15 +2728,15 @@
         </p:nvSpPr>
         <p:spPr>
           <a:xfrm>
-            <a:off x="446356" y="368406"/>
-            <a:ext cx="2090025" cy="1289421"/>
+            <a:off x="472381" y="409152"/>
+            <a:ext cx="2211884" cy="1432031"/>
           </a:xfrm>
         </p:spPr>
         <p:txBody>
           <a:bodyPr anchor="b"/>
           <a:lstStyle>
             <a:lvl1pPr>
-              <a:defRPr sz="2268"/>
+              <a:defRPr sz="2400"/>
             </a:lvl1pPr>
           </a:lstStyle>
           <a:p>
@@ -2213,8 +2760,8 @@
         </p:nvSpPr>
         <p:spPr>
           <a:xfrm>
-            <a:off x="2754918" y="795656"/>
-            <a:ext cx="3280589" cy="3927104"/>
+            <a:off x="2915543" y="883655"/>
+            <a:ext cx="3471863" cy="4361443"/>
           </a:xfrm>
         </p:spPr>
         <p:txBody>
@@ -2222,39 +2769,39 @@
           <a:lstStyle>
             <a:lvl1pPr marL="0" indent="0">
               <a:buNone/>
-              <a:defRPr sz="2268"/>
+              <a:defRPr sz="2400"/>
             </a:lvl1pPr>
-            <a:lvl2pPr marL="324018" indent="0">
-              <a:buNone/>
-              <a:defRPr sz="1984"/>
+            <a:lvl2pPr marL="342900" indent="0">
+              <a:buNone/>
+              <a:defRPr sz="2100"/>
             </a:lvl2pPr>
-            <a:lvl3pPr marL="648035" indent="0">
-              <a:buNone/>
-              <a:defRPr sz="1701"/>
+            <a:lvl3pPr marL="685800" indent="0">
+              <a:buNone/>
+              <a:defRPr sz="1800"/>
             </a:lvl3pPr>
-            <a:lvl4pPr marL="972053" indent="0">
-              <a:buNone/>
-              <a:defRPr sz="1417"/>
+            <a:lvl4pPr marL="1028700" indent="0">
+              <a:buNone/>
+              <a:defRPr sz="1500"/>
             </a:lvl4pPr>
-            <a:lvl5pPr marL="1296071" indent="0">
-              <a:buNone/>
-              <a:defRPr sz="1417"/>
+            <a:lvl5pPr marL="1371600" indent="0">
+              <a:buNone/>
+              <a:defRPr sz="1500"/>
             </a:lvl5pPr>
-            <a:lvl6pPr marL="1620088" indent="0">
-              <a:buNone/>
-              <a:defRPr sz="1417"/>
+            <a:lvl6pPr marL="1714500" indent="0">
+              <a:buNone/>
+              <a:defRPr sz="1500"/>
             </a:lvl6pPr>
-            <a:lvl7pPr marL="1944106" indent="0">
-              <a:buNone/>
-              <a:defRPr sz="1417"/>
+            <a:lvl7pPr marL="2057400" indent="0">
+              <a:buNone/>
+              <a:defRPr sz="1500"/>
             </a:lvl7pPr>
-            <a:lvl8pPr marL="2268123" indent="0">
-              <a:buNone/>
-              <a:defRPr sz="1417"/>
+            <a:lvl8pPr marL="2400300" indent="0">
+              <a:buNone/>
+              <a:defRPr sz="1500"/>
             </a:lvl8pPr>
-            <a:lvl9pPr marL="2592141" indent="0">
-              <a:buNone/>
-              <a:defRPr sz="1417"/>
+            <a:lvl9pPr marL="2743200" indent="0">
+              <a:buNone/>
+              <a:defRPr sz="1500"/>
             </a:lvl9pPr>
           </a:lstStyle>
           <a:p>
@@ -2278,8 +2825,8 @@
         </p:nvSpPr>
         <p:spPr>
           <a:xfrm>
-            <a:off x="446356" y="1657827"/>
-            <a:ext cx="2090025" cy="3071328"/>
+            <a:off x="472381" y="1841183"/>
+            <a:ext cx="2211884" cy="3411018"/>
           </a:xfrm>
         </p:spPr>
         <p:txBody>
@@ -2287,39 +2834,39 @@
           <a:lstStyle>
             <a:lvl1pPr marL="0" indent="0">
               <a:buNone/>
-              <a:defRPr sz="1134"/>
+              <a:defRPr sz="1200"/>
             </a:lvl1pPr>
-            <a:lvl2pPr marL="324018" indent="0">
-              <a:buNone/>
-              <a:defRPr sz="992"/>
+            <a:lvl2pPr marL="342900" indent="0">
+              <a:buNone/>
+              <a:defRPr sz="1050"/>
             </a:lvl2pPr>
-            <a:lvl3pPr marL="648035" indent="0">
-              <a:buNone/>
-              <a:defRPr sz="850"/>
+            <a:lvl3pPr marL="685800" indent="0">
+              <a:buNone/>
+              <a:defRPr sz="900"/>
             </a:lvl3pPr>
-            <a:lvl4pPr marL="972053" indent="0">
-              <a:buNone/>
-              <a:defRPr sz="709"/>
+            <a:lvl4pPr marL="1028700" indent="0">
+              <a:buNone/>
+              <a:defRPr sz="750"/>
             </a:lvl4pPr>
-            <a:lvl5pPr marL="1296071" indent="0">
-              <a:buNone/>
-              <a:defRPr sz="709"/>
+            <a:lvl5pPr marL="1371600" indent="0">
+              <a:buNone/>
+              <a:defRPr sz="750"/>
             </a:lvl5pPr>
-            <a:lvl6pPr marL="1620088" indent="0">
-              <a:buNone/>
-              <a:defRPr sz="709"/>
+            <a:lvl6pPr marL="1714500" indent="0">
+              <a:buNone/>
+              <a:defRPr sz="750"/>
             </a:lvl6pPr>
-            <a:lvl7pPr marL="1944106" indent="0">
-              <a:buNone/>
-              <a:defRPr sz="709"/>
+            <a:lvl7pPr marL="2057400" indent="0">
+              <a:buNone/>
+              <a:defRPr sz="750"/>
             </a:lvl7pPr>
-            <a:lvl8pPr marL="2268123" indent="0">
-              <a:buNone/>
-              <a:defRPr sz="709"/>
+            <a:lvl8pPr marL="2400300" indent="0">
+              <a:buNone/>
+              <a:defRPr sz="750"/>
             </a:lvl8pPr>
-            <a:lvl9pPr marL="2592141" indent="0">
-              <a:buNone/>
-              <a:defRPr sz="709"/>
+            <a:lvl9pPr marL="2743200" indent="0">
+              <a:buNone/>
+              <a:defRPr sz="750"/>
             </a:lvl9pPr>
           </a:lstStyle>
           <a:p>
@@ -2348,7 +2895,7 @@
           <a:p>
             <a:fld id="{31A3A050-4D14-44A1-BABA-DB9EEDB8E2FD}" type="datetimeFigureOut">
               <a:rPr lang="en-GB" smtClean="0"/>
-              <a:t>08/09/2023</a:t>
+              <a:t>13/09/2023</a:t>
             </a:fld>
             <a:endParaRPr lang="en-GB"/>
           </a:p>
@@ -2399,7 +2946,7 @@
     </p:spTree>
     <p:extLst>
       <p:ext uri="{BB962C8B-B14F-4D97-AF65-F5344CB8AC3E}">
-        <p14:creationId xmlns:p14="http://schemas.microsoft.com/office/powerpoint/2010/main" val="3225087782"/>
+        <p14:creationId xmlns:p14="http://schemas.microsoft.com/office/powerpoint/2010/main" val="1898323591"/>
       </p:ext>
     </p:extLst>
   </p:cSld>
@@ -2443,8 +2990,8 @@
         </p:nvSpPr>
         <p:spPr>
           <a:xfrm>
-            <a:off x="445512" y="294214"/>
-            <a:ext cx="5589151" cy="1068122"/>
+            <a:off x="471488" y="326754"/>
+            <a:ext cx="5915025" cy="1186256"/>
           </a:xfrm>
           <a:prstGeom prst="rect">
             <a:avLst/>
@@ -2476,8 +3023,8 @@
         </p:nvSpPr>
         <p:spPr>
           <a:xfrm>
-            <a:off x="445512" y="1471065"/>
-            <a:ext cx="5589151" cy="3506252"/>
+            <a:off x="471488" y="1633765"/>
+            <a:ext cx="5915025" cy="3894045"/>
           </a:xfrm>
           <a:prstGeom prst="rect">
             <a:avLst/>
@@ -2538,8 +3085,8 @@
         </p:nvSpPr>
         <p:spPr>
           <a:xfrm>
-            <a:off x="445512" y="5121866"/>
-            <a:ext cx="1458039" cy="294213"/>
+            <a:off x="471488" y="5688346"/>
+            <a:ext cx="1543050" cy="326753"/>
           </a:xfrm>
           <a:prstGeom prst="rect">
             <a:avLst/>
@@ -2549,7 +3096,7 @@
           <a:bodyPr vert="horz" lIns="91440" tIns="45720" rIns="91440" bIns="45720" rtlCol="0" anchor="ctr"/>
           <a:lstStyle>
             <a:lvl1pPr algn="l">
-              <a:defRPr sz="850">
+              <a:defRPr sz="900">
                 <a:solidFill>
                   <a:schemeClr val="tx1">
                     <a:tint val="75000"/>
@@ -2561,7 +3108,7 @@
           <a:p>
             <a:fld id="{31A3A050-4D14-44A1-BABA-DB9EEDB8E2FD}" type="datetimeFigureOut">
               <a:rPr lang="en-GB" smtClean="0"/>
-              <a:t>08/09/2023</a:t>
+              <a:t>13/09/2023</a:t>
             </a:fld>
             <a:endParaRPr lang="en-GB"/>
           </a:p>
@@ -2579,8 +3126,8 @@
         </p:nvSpPr>
         <p:spPr>
           <a:xfrm>
-            <a:off x="2146558" y="5121866"/>
-            <a:ext cx="2187059" cy="294213"/>
+            <a:off x="2271713" y="5688346"/>
+            <a:ext cx="2314575" cy="326753"/>
           </a:xfrm>
           <a:prstGeom prst="rect">
             <a:avLst/>
@@ -2590,7 +3137,7 @@
           <a:bodyPr vert="horz" lIns="91440" tIns="45720" rIns="91440" bIns="45720" rtlCol="0" anchor="ctr"/>
           <a:lstStyle>
             <a:lvl1pPr algn="ctr">
-              <a:defRPr sz="850">
+              <a:defRPr sz="900">
                 <a:solidFill>
                   <a:schemeClr val="tx1">
                     <a:tint val="75000"/>
@@ -2616,8 +3163,8 @@
         </p:nvSpPr>
         <p:spPr>
           <a:xfrm>
-            <a:off x="4576624" y="5121866"/>
-            <a:ext cx="1458039" cy="294213"/>
+            <a:off x="4843463" y="5688346"/>
+            <a:ext cx="1543050" cy="326753"/>
           </a:xfrm>
           <a:prstGeom prst="rect">
             <a:avLst/>
@@ -2627,7 +3174,7 @@
           <a:bodyPr vert="horz" lIns="91440" tIns="45720" rIns="91440" bIns="45720" rtlCol="0" anchor="ctr"/>
           <a:lstStyle>
             <a:lvl1pPr algn="r">
-              <a:defRPr sz="850">
+              <a:defRPr sz="900">
                 <a:solidFill>
                   <a:schemeClr val="tx1">
                     <a:tint val="75000"/>
@@ -2648,27 +3195,27 @@
     </p:spTree>
     <p:extLst>
       <p:ext uri="{BB962C8B-B14F-4D97-AF65-F5344CB8AC3E}">
-        <p14:creationId xmlns:p14="http://schemas.microsoft.com/office/powerpoint/2010/main" val="4139758362"/>
+        <p14:creationId xmlns:p14="http://schemas.microsoft.com/office/powerpoint/2010/main" val="2351890116"/>
       </p:ext>
     </p:extLst>
   </p:cSld>
   <p:clrMap bg1="lt1" tx1="dk1" bg2="lt2" tx2="dk2" accent1="accent1" accent2="accent2" accent3="accent3" accent4="accent4" accent5="accent5" accent6="accent6" hlink="hlink" folHlink="folHlink"/>
   <p:sldLayoutIdLst>
-    <p:sldLayoutId id="2147483685" r:id="rId1"/>
-    <p:sldLayoutId id="2147483686" r:id="rId2"/>
-    <p:sldLayoutId id="2147483687" r:id="rId3"/>
-    <p:sldLayoutId id="2147483688" r:id="rId4"/>
-    <p:sldLayoutId id="2147483689" r:id="rId5"/>
-    <p:sldLayoutId id="2147483690" r:id="rId6"/>
-    <p:sldLayoutId id="2147483691" r:id="rId7"/>
-    <p:sldLayoutId id="2147483692" r:id="rId8"/>
-    <p:sldLayoutId id="2147483693" r:id="rId9"/>
-    <p:sldLayoutId id="2147483694" r:id="rId10"/>
-    <p:sldLayoutId id="2147483695" r:id="rId11"/>
+    <p:sldLayoutId id="2147483709" r:id="rId1"/>
+    <p:sldLayoutId id="2147483710" r:id="rId2"/>
+    <p:sldLayoutId id="2147483711" r:id="rId3"/>
+    <p:sldLayoutId id="2147483712" r:id="rId4"/>
+    <p:sldLayoutId id="2147483713" r:id="rId5"/>
+    <p:sldLayoutId id="2147483714" r:id="rId6"/>
+    <p:sldLayoutId id="2147483715" r:id="rId7"/>
+    <p:sldLayoutId id="2147483716" r:id="rId8"/>
+    <p:sldLayoutId id="2147483717" r:id="rId9"/>
+    <p:sldLayoutId id="2147483718" r:id="rId10"/>
+    <p:sldLayoutId id="2147483719" r:id="rId11"/>
   </p:sldLayoutIdLst>
   <p:txStyles>
     <p:titleStyle>
-      <a:lvl1pPr algn="l" defTabSz="648035" rtl="0" eaLnBrk="1" latinLnBrk="0" hangingPunct="1">
+      <a:lvl1pPr algn="l" defTabSz="685800" rtl="0" eaLnBrk="1" latinLnBrk="0" hangingPunct="1">
         <a:lnSpc>
           <a:spcPct val="90000"/>
         </a:lnSpc>
@@ -2676,7 +3223,7 @@
           <a:spcPct val="0"/>
         </a:spcBef>
         <a:buNone/>
-        <a:defRPr sz="3118" kern="1200">
+        <a:defRPr sz="3300" kern="1200">
           <a:solidFill>
             <a:schemeClr val="tx1"/>
           </a:solidFill>
@@ -2687,16 +3234,16 @@
       </a:lvl1pPr>
     </p:titleStyle>
     <p:bodyStyle>
-      <a:lvl1pPr marL="162009" indent="-162009" algn="l" defTabSz="648035" rtl="0" eaLnBrk="1" latinLnBrk="0" hangingPunct="1">
+      <a:lvl1pPr marL="171450" indent="-171450" algn="l" defTabSz="685800" rtl="0" eaLnBrk="1" latinLnBrk="0" hangingPunct="1">
         <a:lnSpc>
           <a:spcPct val="90000"/>
         </a:lnSpc>
         <a:spcBef>
-          <a:spcPts val="709"/>
+          <a:spcPts val="750"/>
         </a:spcBef>
         <a:buFont typeface="Arial" panose="020B0604020202020204" pitchFamily="34" charset="0"/>
         <a:buChar char="•"/>
-        <a:defRPr sz="1984" kern="1200">
+        <a:defRPr sz="2100" kern="1200">
           <a:solidFill>
             <a:schemeClr val="tx1"/>
           </a:solidFill>
@@ -2705,16 +3252,16 @@
           <a:cs typeface="+mn-cs"/>
         </a:defRPr>
       </a:lvl1pPr>
-      <a:lvl2pPr marL="486026" indent="-162009" algn="l" defTabSz="648035" rtl="0" eaLnBrk="1" latinLnBrk="0" hangingPunct="1">
+      <a:lvl2pPr marL="514350" indent="-171450" algn="l" defTabSz="685800" rtl="0" eaLnBrk="1" latinLnBrk="0" hangingPunct="1">
         <a:lnSpc>
           <a:spcPct val="90000"/>
         </a:lnSpc>
         <a:spcBef>
-          <a:spcPts val="354"/>
+          <a:spcPts val="375"/>
         </a:spcBef>
         <a:buFont typeface="Arial" panose="020B0604020202020204" pitchFamily="34" charset="0"/>
         <a:buChar char="•"/>
-        <a:defRPr sz="1701" kern="1200">
+        <a:defRPr sz="1800" kern="1200">
           <a:solidFill>
             <a:schemeClr val="tx1"/>
           </a:solidFill>
@@ -2723,16 +3270,16 @@
           <a:cs typeface="+mn-cs"/>
         </a:defRPr>
       </a:lvl2pPr>
-      <a:lvl3pPr marL="810044" indent="-162009" algn="l" defTabSz="648035" rtl="0" eaLnBrk="1" latinLnBrk="0" hangingPunct="1">
+      <a:lvl3pPr marL="857250" indent="-171450" algn="l" defTabSz="685800" rtl="0" eaLnBrk="1" latinLnBrk="0" hangingPunct="1">
         <a:lnSpc>
           <a:spcPct val="90000"/>
         </a:lnSpc>
         <a:spcBef>
-          <a:spcPts val="354"/>
+          <a:spcPts val="375"/>
         </a:spcBef>
         <a:buFont typeface="Arial" panose="020B0604020202020204" pitchFamily="34" charset="0"/>
         <a:buChar char="•"/>
-        <a:defRPr sz="1417" kern="1200">
+        <a:defRPr sz="1500" kern="1200">
           <a:solidFill>
             <a:schemeClr val="tx1"/>
           </a:solidFill>
@@ -2741,16 +3288,16 @@
           <a:cs typeface="+mn-cs"/>
         </a:defRPr>
       </a:lvl3pPr>
-      <a:lvl4pPr marL="1134062" indent="-162009" algn="l" defTabSz="648035" rtl="0" eaLnBrk="1" latinLnBrk="0" hangingPunct="1">
+      <a:lvl4pPr marL="1200150" indent="-171450" algn="l" defTabSz="685800" rtl="0" eaLnBrk="1" latinLnBrk="0" hangingPunct="1">
         <a:lnSpc>
           <a:spcPct val="90000"/>
         </a:lnSpc>
         <a:spcBef>
-          <a:spcPts val="354"/>
+          <a:spcPts val="375"/>
         </a:spcBef>
         <a:buFont typeface="Arial" panose="020B0604020202020204" pitchFamily="34" charset="0"/>
         <a:buChar char="•"/>
-        <a:defRPr sz="1276" kern="1200">
+        <a:defRPr sz="1350" kern="1200">
           <a:solidFill>
             <a:schemeClr val="tx1"/>
           </a:solidFill>
@@ -2759,16 +3306,16 @@
           <a:cs typeface="+mn-cs"/>
         </a:defRPr>
       </a:lvl4pPr>
-      <a:lvl5pPr marL="1458079" indent="-162009" algn="l" defTabSz="648035" rtl="0" eaLnBrk="1" latinLnBrk="0" hangingPunct="1">
+      <a:lvl5pPr marL="1543050" indent="-171450" algn="l" defTabSz="685800" rtl="0" eaLnBrk="1" latinLnBrk="0" hangingPunct="1">
         <a:lnSpc>
           <a:spcPct val="90000"/>
         </a:lnSpc>
         <a:spcBef>
-          <a:spcPts val="354"/>
+          <a:spcPts val="375"/>
         </a:spcBef>
         <a:buFont typeface="Arial" panose="020B0604020202020204" pitchFamily="34" charset="0"/>
         <a:buChar char="•"/>
-        <a:defRPr sz="1276" kern="1200">
+        <a:defRPr sz="1350" kern="1200">
           <a:solidFill>
             <a:schemeClr val="tx1"/>
           </a:solidFill>
@@ -2777,16 +3324,16 @@
           <a:cs typeface="+mn-cs"/>
         </a:defRPr>
       </a:lvl5pPr>
-      <a:lvl6pPr marL="1782097" indent="-162009" algn="l" defTabSz="648035" rtl="0" eaLnBrk="1" latinLnBrk="0" hangingPunct="1">
+      <a:lvl6pPr marL="1885950" indent="-171450" algn="l" defTabSz="685800" rtl="0" eaLnBrk="1" latinLnBrk="0" hangingPunct="1">
         <a:lnSpc>
           <a:spcPct val="90000"/>
         </a:lnSpc>
         <a:spcBef>
-          <a:spcPts val="354"/>
+          <a:spcPts val="375"/>
         </a:spcBef>
         <a:buFont typeface="Arial" panose="020B0604020202020204" pitchFamily="34" charset="0"/>
         <a:buChar char="•"/>
-        <a:defRPr sz="1276" kern="1200">
+        <a:defRPr sz="1350" kern="1200">
           <a:solidFill>
             <a:schemeClr val="tx1"/>
           </a:solidFill>
@@ -2795,16 +3342,16 @@
           <a:cs typeface="+mn-cs"/>
         </a:defRPr>
       </a:lvl6pPr>
-      <a:lvl7pPr marL="2106115" indent="-162009" algn="l" defTabSz="648035" rtl="0" eaLnBrk="1" latinLnBrk="0" hangingPunct="1">
+      <a:lvl7pPr marL="2228850" indent="-171450" algn="l" defTabSz="685800" rtl="0" eaLnBrk="1" latinLnBrk="0" hangingPunct="1">
         <a:lnSpc>
           <a:spcPct val="90000"/>
         </a:lnSpc>
         <a:spcBef>
-          <a:spcPts val="354"/>
+          <a:spcPts val="375"/>
         </a:spcBef>
         <a:buFont typeface="Arial" panose="020B0604020202020204" pitchFamily="34" charset="0"/>
         <a:buChar char="•"/>
-        <a:defRPr sz="1276" kern="1200">
+        <a:defRPr sz="1350" kern="1200">
           <a:solidFill>
             <a:schemeClr val="tx1"/>
           </a:solidFill>
@@ -2813,16 +3360,16 @@
           <a:cs typeface="+mn-cs"/>
         </a:defRPr>
       </a:lvl7pPr>
-      <a:lvl8pPr marL="2430132" indent="-162009" algn="l" defTabSz="648035" rtl="0" eaLnBrk="1" latinLnBrk="0" hangingPunct="1">
+      <a:lvl8pPr marL="2571750" indent="-171450" algn="l" defTabSz="685800" rtl="0" eaLnBrk="1" latinLnBrk="0" hangingPunct="1">
         <a:lnSpc>
           <a:spcPct val="90000"/>
         </a:lnSpc>
         <a:spcBef>
-          <a:spcPts val="354"/>
+          <a:spcPts val="375"/>
         </a:spcBef>
         <a:buFont typeface="Arial" panose="020B0604020202020204" pitchFamily="34" charset="0"/>
         <a:buChar char="•"/>
-        <a:defRPr sz="1276" kern="1200">
+        <a:defRPr sz="1350" kern="1200">
           <a:solidFill>
             <a:schemeClr val="tx1"/>
           </a:solidFill>
@@ -2831,16 +3378,16 @@
           <a:cs typeface="+mn-cs"/>
         </a:defRPr>
       </a:lvl8pPr>
-      <a:lvl9pPr marL="2754150" indent="-162009" algn="l" defTabSz="648035" rtl="0" eaLnBrk="1" latinLnBrk="0" hangingPunct="1">
+      <a:lvl9pPr marL="2914650" indent="-171450" algn="l" defTabSz="685800" rtl="0" eaLnBrk="1" latinLnBrk="0" hangingPunct="1">
         <a:lnSpc>
           <a:spcPct val="90000"/>
         </a:lnSpc>
         <a:spcBef>
-          <a:spcPts val="354"/>
+          <a:spcPts val="375"/>
         </a:spcBef>
         <a:buFont typeface="Arial" panose="020B0604020202020204" pitchFamily="34" charset="0"/>
         <a:buChar char="•"/>
-        <a:defRPr sz="1276" kern="1200">
+        <a:defRPr sz="1350" kern="1200">
           <a:solidFill>
             <a:schemeClr val="tx1"/>
           </a:solidFill>
@@ -2854,8 +3401,8 @@
       <a:defPPr>
         <a:defRPr lang="en-US"/>
       </a:defPPr>
-      <a:lvl1pPr marL="0" algn="l" defTabSz="648035" rtl="0" eaLnBrk="1" latinLnBrk="0" hangingPunct="1">
-        <a:defRPr sz="1276" kern="1200">
+      <a:lvl1pPr marL="0" algn="l" defTabSz="685800" rtl="0" eaLnBrk="1" latinLnBrk="0" hangingPunct="1">
+        <a:defRPr sz="1350" kern="1200">
           <a:solidFill>
             <a:schemeClr val="tx1"/>
           </a:solidFill>
@@ -2864,8 +3411,8 @@
           <a:cs typeface="+mn-cs"/>
         </a:defRPr>
       </a:lvl1pPr>
-      <a:lvl2pPr marL="324018" algn="l" defTabSz="648035" rtl="0" eaLnBrk="1" latinLnBrk="0" hangingPunct="1">
-        <a:defRPr sz="1276" kern="1200">
+      <a:lvl2pPr marL="342900" algn="l" defTabSz="685800" rtl="0" eaLnBrk="1" latinLnBrk="0" hangingPunct="1">
+        <a:defRPr sz="1350" kern="1200">
           <a:solidFill>
             <a:schemeClr val="tx1"/>
           </a:solidFill>
@@ -2874,8 +3421,8 @@
           <a:cs typeface="+mn-cs"/>
         </a:defRPr>
       </a:lvl2pPr>
-      <a:lvl3pPr marL="648035" algn="l" defTabSz="648035" rtl="0" eaLnBrk="1" latinLnBrk="0" hangingPunct="1">
-        <a:defRPr sz="1276" kern="1200">
+      <a:lvl3pPr marL="685800" algn="l" defTabSz="685800" rtl="0" eaLnBrk="1" latinLnBrk="0" hangingPunct="1">
+        <a:defRPr sz="1350" kern="1200">
           <a:solidFill>
             <a:schemeClr val="tx1"/>
           </a:solidFill>
@@ -2884,8 +3431,8 @@
           <a:cs typeface="+mn-cs"/>
         </a:defRPr>
       </a:lvl3pPr>
-      <a:lvl4pPr marL="972053" algn="l" defTabSz="648035" rtl="0" eaLnBrk="1" latinLnBrk="0" hangingPunct="1">
-        <a:defRPr sz="1276" kern="1200">
+      <a:lvl4pPr marL="1028700" algn="l" defTabSz="685800" rtl="0" eaLnBrk="1" latinLnBrk="0" hangingPunct="1">
+        <a:defRPr sz="1350" kern="1200">
           <a:solidFill>
             <a:schemeClr val="tx1"/>
           </a:solidFill>
@@ -2894,8 +3441,8 @@
           <a:cs typeface="+mn-cs"/>
         </a:defRPr>
       </a:lvl4pPr>
-      <a:lvl5pPr marL="1296071" algn="l" defTabSz="648035" rtl="0" eaLnBrk="1" latinLnBrk="0" hangingPunct="1">
-        <a:defRPr sz="1276" kern="1200">
+      <a:lvl5pPr marL="1371600" algn="l" defTabSz="685800" rtl="0" eaLnBrk="1" latinLnBrk="0" hangingPunct="1">
+        <a:defRPr sz="1350" kern="1200">
           <a:solidFill>
             <a:schemeClr val="tx1"/>
           </a:solidFill>
@@ -2904,8 +3451,8 @@
           <a:cs typeface="+mn-cs"/>
         </a:defRPr>
       </a:lvl5pPr>
-      <a:lvl6pPr marL="1620088" algn="l" defTabSz="648035" rtl="0" eaLnBrk="1" latinLnBrk="0" hangingPunct="1">
-        <a:defRPr sz="1276" kern="1200">
+      <a:lvl6pPr marL="1714500" algn="l" defTabSz="685800" rtl="0" eaLnBrk="1" latinLnBrk="0" hangingPunct="1">
+        <a:defRPr sz="1350" kern="1200">
           <a:solidFill>
             <a:schemeClr val="tx1"/>
           </a:solidFill>
@@ -2914,8 +3461,8 @@
           <a:cs typeface="+mn-cs"/>
         </a:defRPr>
       </a:lvl6pPr>
-      <a:lvl7pPr marL="1944106" algn="l" defTabSz="648035" rtl="0" eaLnBrk="1" latinLnBrk="0" hangingPunct="1">
-        <a:defRPr sz="1276" kern="1200">
+      <a:lvl7pPr marL="2057400" algn="l" defTabSz="685800" rtl="0" eaLnBrk="1" latinLnBrk="0" hangingPunct="1">
+        <a:defRPr sz="1350" kern="1200">
           <a:solidFill>
             <a:schemeClr val="tx1"/>
           </a:solidFill>
@@ -2924,8 +3471,8 @@
           <a:cs typeface="+mn-cs"/>
         </a:defRPr>
       </a:lvl7pPr>
-      <a:lvl8pPr marL="2268123" algn="l" defTabSz="648035" rtl="0" eaLnBrk="1" latinLnBrk="0" hangingPunct="1">
-        <a:defRPr sz="1276" kern="1200">
+      <a:lvl8pPr marL="2400300" algn="l" defTabSz="685800" rtl="0" eaLnBrk="1" latinLnBrk="0" hangingPunct="1">
+        <a:defRPr sz="1350" kern="1200">
           <a:solidFill>
             <a:schemeClr val="tx1"/>
           </a:solidFill>
@@ -2934,8 +3481,8 @@
           <a:cs typeface="+mn-cs"/>
         </a:defRPr>
       </a:lvl8pPr>
-      <a:lvl9pPr marL="2592141" algn="l" defTabSz="648035" rtl="0" eaLnBrk="1" latinLnBrk="0" hangingPunct="1">
-        <a:defRPr sz="1276" kern="1200">
+      <a:lvl9pPr marL="2743200" algn="l" defTabSz="685800" rtl="0" eaLnBrk="1" latinLnBrk="0" hangingPunct="1">
+        <a:defRPr sz="1350" kern="1200">
           <a:solidFill>
             <a:schemeClr val="tx1"/>
           </a:solidFill>
@@ -2968,10 +3515,10 @@
       </p:grpSpPr>
       <p:pic>
         <p:nvPicPr>
-          <p:cNvPr id="20" name="Picture 19">
+          <p:cNvPr id="40" name="Picture 39" descr="A diagram of a brier score&#10;&#10;Description automatically generated">
             <a:extLst>
               <a:ext uri="{FF2B5EF4-FFF2-40B4-BE49-F238E27FC236}">
-                <a16:creationId xmlns:a16="http://schemas.microsoft.com/office/drawing/2014/main" id="{A5179468-AB8A-D003-137B-509E7A66F333}"/>
+                <a16:creationId xmlns:a16="http://schemas.microsoft.com/office/drawing/2014/main" id="{6CD9B67E-0377-1016-926D-EBC00FA58B8C}"/>
               </a:ext>
             </a:extLst>
           </p:cNvPr>
@@ -2981,14 +3528,20 @@
           <p:nvPr/>
         </p:nvPicPr>
         <p:blipFill rotWithShape="1">
-          <a:blip r:embed="rId2"/>
-          <a:srcRect l="41758" t="11971" r="27212" b="25484"/>
+          <a:blip r:embed="rId2">
+            <a:extLst>
+              <a:ext uri="{28A0092B-C50C-407E-A947-70E740481C1C}">
+                <a14:useLocalDpi xmlns:a14="http://schemas.microsoft.com/office/drawing/2010/main" val="0"/>
+              </a:ext>
+            </a:extLst>
+          </a:blip>
+          <a:srcRect l="5926" t="1857" r="9333"/>
           <a:stretch/>
         </p:blipFill>
         <p:spPr>
           <a:xfrm>
-            <a:off x="-19050" y="-4165"/>
-            <a:ext cx="3240000" cy="2733750"/>
+            <a:off x="7840" y="10160"/>
+            <a:ext cx="3384000" cy="2997018"/>
           </a:xfrm>
           <a:prstGeom prst="rect">
             <a:avLst/>
@@ -2997,10 +3550,10 @@
       </p:pic>
       <p:pic>
         <p:nvPicPr>
-          <p:cNvPr id="21" name="Picture 20">
+          <p:cNvPr id="41" name="Picture 40" descr="A graph of a brier score&#10;&#10;Description automatically generated">
             <a:extLst>
               <a:ext uri="{FF2B5EF4-FFF2-40B4-BE49-F238E27FC236}">
-                <a16:creationId xmlns:a16="http://schemas.microsoft.com/office/drawing/2014/main" id="{1A0B1C04-EB03-EB10-2098-C2D6A1740CDF}"/>
+                <a16:creationId xmlns:a16="http://schemas.microsoft.com/office/drawing/2014/main" id="{4E32A1B1-366D-BFE2-FC5F-A44BD37B7304}"/>
               </a:ext>
             </a:extLst>
           </p:cNvPr>
@@ -3010,14 +3563,20 @@
           <p:nvPr/>
         </p:nvPicPr>
         <p:blipFill rotWithShape="1">
-          <a:blip r:embed="rId3"/>
-          <a:srcRect l="41758" t="11971" r="27212" b="25484"/>
+          <a:blip r:embed="rId3">
+            <a:extLst>
+              <a:ext uri="{28A0092B-C50C-407E-A947-70E740481C1C}">
+                <a14:useLocalDpi xmlns:a14="http://schemas.microsoft.com/office/drawing/2010/main" val="0"/>
+              </a:ext>
+            </a:extLst>
+          </a:blip>
+          <a:srcRect l="5926" t="1857" r="9333"/>
           <a:stretch/>
         </p:blipFill>
         <p:spPr>
           <a:xfrm>
-            <a:off x="3244064" y="-4165"/>
-            <a:ext cx="3240000" cy="2733750"/>
+            <a:off x="3470800" y="10160"/>
+            <a:ext cx="3384000" cy="2997018"/>
           </a:xfrm>
           <a:prstGeom prst="rect">
             <a:avLst/>
@@ -3026,10 +3585,10 @@
       </p:pic>
       <p:pic>
         <p:nvPicPr>
-          <p:cNvPr id="22" name="Picture 21">
+          <p:cNvPr id="42" name="Picture 41" descr="A graph of a brier score&#10;&#10;Description automatically generated">
             <a:extLst>
               <a:ext uri="{FF2B5EF4-FFF2-40B4-BE49-F238E27FC236}">
-                <a16:creationId xmlns:a16="http://schemas.microsoft.com/office/drawing/2014/main" id="{8ADD3E2E-D863-ECE0-B618-1DC304C717E7}"/>
+                <a16:creationId xmlns:a16="http://schemas.microsoft.com/office/drawing/2014/main" id="{A995B805-533B-585D-3ECD-8416B0767FD8}"/>
               </a:ext>
             </a:extLst>
           </p:cNvPr>
@@ -3039,14 +3598,20 @@
           <p:nvPr/>
         </p:nvPicPr>
         <p:blipFill rotWithShape="1">
-          <a:blip r:embed="rId4"/>
-          <a:srcRect l="41758" t="11971" r="27212" b="25484"/>
+          <a:blip r:embed="rId4">
+            <a:extLst>
+              <a:ext uri="{28A0092B-C50C-407E-A947-70E740481C1C}">
+                <a14:useLocalDpi xmlns:a14="http://schemas.microsoft.com/office/drawing/2010/main" val="0"/>
+              </a:ext>
+            </a:extLst>
+          </a:blip>
+          <a:srcRect l="5926" t="1857" r="9333"/>
           <a:stretch/>
         </p:blipFill>
         <p:spPr>
           <a:xfrm>
-            <a:off x="-19050" y="2794324"/>
-            <a:ext cx="3240000" cy="2733750"/>
+            <a:off x="7840" y="3139441"/>
+            <a:ext cx="3384000" cy="2997018"/>
           </a:xfrm>
           <a:prstGeom prst="rect">
             <a:avLst/>
@@ -3055,10 +3620,10 @@
       </p:pic>
       <p:pic>
         <p:nvPicPr>
-          <p:cNvPr id="23" name="Picture 22">
+          <p:cNvPr id="43" name="Picture 42" descr="A graph of a brier score&#10;&#10;Description automatically generated">
             <a:extLst>
               <a:ext uri="{FF2B5EF4-FFF2-40B4-BE49-F238E27FC236}">
-                <a16:creationId xmlns:a16="http://schemas.microsoft.com/office/drawing/2014/main" id="{4DA6A9D5-1B41-531D-0A44-2CBE1F9CC4C3}"/>
+                <a16:creationId xmlns:a16="http://schemas.microsoft.com/office/drawing/2014/main" id="{0A99CC9C-6FCE-FC6B-3D20-333509F1A968}"/>
               </a:ext>
             </a:extLst>
           </p:cNvPr>
@@ -3068,20 +3633,1834 @@
           <p:nvPr/>
         </p:nvPicPr>
         <p:blipFill rotWithShape="1">
-          <a:blip r:embed="rId5"/>
-          <a:srcRect l="41757" t="11971" r="27212" b="25484"/>
+          <a:blip r:embed="rId5">
+            <a:extLst>
+              <a:ext uri="{28A0092B-C50C-407E-A947-70E740481C1C}">
+                <a14:useLocalDpi xmlns:a14="http://schemas.microsoft.com/office/drawing/2010/main" val="0"/>
+              </a:ext>
+            </a:extLst>
+          </a:blip>
+          <a:srcRect l="5926" t="1857" r="9333"/>
           <a:stretch/>
         </p:blipFill>
         <p:spPr>
           <a:xfrm>
-            <a:off x="3244064" y="2794324"/>
-            <a:ext cx="3240000" cy="2733750"/>
+            <a:off x="3474000" y="3139441"/>
+            <a:ext cx="3384000" cy="2997018"/>
           </a:xfrm>
           <a:prstGeom prst="rect">
             <a:avLst/>
           </a:prstGeom>
         </p:spPr>
       </p:pic>
+      <p:sp>
+        <p:nvSpPr>
+          <p:cNvPr id="44" name="TextBox 9">
+            <a:extLst>
+              <a:ext uri="{FF2B5EF4-FFF2-40B4-BE49-F238E27FC236}">
+                <a16:creationId xmlns:a16="http://schemas.microsoft.com/office/drawing/2014/main" id="{795DFCDA-AF68-9A49-AEAC-F25DEA5E62F2}"/>
+              </a:ext>
+            </a:extLst>
+          </p:cNvPr>
+          <p:cNvSpPr txBox="1"/>
+          <p:nvPr/>
+        </p:nvSpPr>
+        <p:spPr>
+          <a:xfrm>
+            <a:off x="3059533" y="371227"/>
+            <a:ext cx="252000" cy="276999"/>
+          </a:xfrm>
+          <a:prstGeom prst="rect">
+            <a:avLst/>
+          </a:prstGeom>
+          <a:solidFill>
+            <a:schemeClr val="bg1"/>
+          </a:solidFill>
+          <a:ln>
+            <a:solidFill>
+              <a:schemeClr val="bg1">
+                <a:lumMod val="65000"/>
+              </a:schemeClr>
+            </a:solidFill>
+          </a:ln>
+        </p:spPr>
+        <p:txBody>
+          <a:bodyPr wrap="square" rtlCol="0">
+            <a:spAutoFit/>
+          </a:bodyPr>
+          <a:lstStyle>
+            <a:defPPr>
+              <a:defRPr lang="en-US"/>
+            </a:defPPr>
+            <a:lvl1pPr marL="0" algn="l" defTabSz="457200" rtl="0" eaLnBrk="1" latinLnBrk="0" hangingPunct="1">
+              <a:defRPr sz="1800" kern="1200">
+                <a:solidFill>
+                  <a:schemeClr val="tx1"/>
+                </a:solidFill>
+                <a:latin typeface="+mn-lt"/>
+                <a:ea typeface="+mn-ea"/>
+                <a:cs typeface="+mn-cs"/>
+              </a:defRPr>
+            </a:lvl1pPr>
+            <a:lvl2pPr marL="457200" algn="l" defTabSz="457200" rtl="0" eaLnBrk="1" latinLnBrk="0" hangingPunct="1">
+              <a:defRPr sz="1800" kern="1200">
+                <a:solidFill>
+                  <a:schemeClr val="tx1"/>
+                </a:solidFill>
+                <a:latin typeface="+mn-lt"/>
+                <a:ea typeface="+mn-ea"/>
+                <a:cs typeface="+mn-cs"/>
+              </a:defRPr>
+            </a:lvl2pPr>
+            <a:lvl3pPr marL="914400" algn="l" defTabSz="457200" rtl="0" eaLnBrk="1" latinLnBrk="0" hangingPunct="1">
+              <a:defRPr sz="1800" kern="1200">
+                <a:solidFill>
+                  <a:schemeClr val="tx1"/>
+                </a:solidFill>
+                <a:latin typeface="+mn-lt"/>
+                <a:ea typeface="+mn-ea"/>
+                <a:cs typeface="+mn-cs"/>
+              </a:defRPr>
+            </a:lvl3pPr>
+            <a:lvl4pPr marL="1371600" algn="l" defTabSz="457200" rtl="0" eaLnBrk="1" latinLnBrk="0" hangingPunct="1">
+              <a:defRPr sz="1800" kern="1200">
+                <a:solidFill>
+                  <a:schemeClr val="tx1"/>
+                </a:solidFill>
+                <a:latin typeface="+mn-lt"/>
+                <a:ea typeface="+mn-ea"/>
+                <a:cs typeface="+mn-cs"/>
+              </a:defRPr>
+            </a:lvl4pPr>
+            <a:lvl5pPr marL="1828800" algn="l" defTabSz="457200" rtl="0" eaLnBrk="1" latinLnBrk="0" hangingPunct="1">
+              <a:defRPr sz="1800" kern="1200">
+                <a:solidFill>
+                  <a:schemeClr val="tx1"/>
+                </a:solidFill>
+                <a:latin typeface="+mn-lt"/>
+                <a:ea typeface="+mn-ea"/>
+                <a:cs typeface="+mn-cs"/>
+              </a:defRPr>
+            </a:lvl5pPr>
+            <a:lvl6pPr marL="2286000" algn="l" defTabSz="457200" rtl="0" eaLnBrk="1" latinLnBrk="0" hangingPunct="1">
+              <a:defRPr sz="1800" kern="1200">
+                <a:solidFill>
+                  <a:schemeClr val="tx1"/>
+                </a:solidFill>
+                <a:latin typeface="+mn-lt"/>
+                <a:ea typeface="+mn-ea"/>
+                <a:cs typeface="+mn-cs"/>
+              </a:defRPr>
+            </a:lvl6pPr>
+            <a:lvl7pPr marL="2743200" algn="l" defTabSz="457200" rtl="0" eaLnBrk="1" latinLnBrk="0" hangingPunct="1">
+              <a:defRPr sz="1800" kern="1200">
+                <a:solidFill>
+                  <a:schemeClr val="tx1"/>
+                </a:solidFill>
+                <a:latin typeface="+mn-lt"/>
+                <a:ea typeface="+mn-ea"/>
+                <a:cs typeface="+mn-cs"/>
+              </a:defRPr>
+            </a:lvl7pPr>
+            <a:lvl8pPr marL="3200400" algn="l" defTabSz="457200" rtl="0" eaLnBrk="1" latinLnBrk="0" hangingPunct="1">
+              <a:defRPr sz="1800" kern="1200">
+                <a:solidFill>
+                  <a:schemeClr val="tx1"/>
+                </a:solidFill>
+                <a:latin typeface="+mn-lt"/>
+                <a:ea typeface="+mn-ea"/>
+                <a:cs typeface="+mn-cs"/>
+              </a:defRPr>
+            </a:lvl8pPr>
+            <a:lvl9pPr marL="3657600" algn="l" defTabSz="457200" rtl="0" eaLnBrk="1" latinLnBrk="0" hangingPunct="1">
+              <a:defRPr sz="1800" kern="1200">
+                <a:solidFill>
+                  <a:schemeClr val="tx1"/>
+                </a:solidFill>
+                <a:latin typeface="+mn-lt"/>
+                <a:ea typeface="+mn-ea"/>
+                <a:cs typeface="+mn-cs"/>
+              </a:defRPr>
+            </a:lvl9pPr>
+          </a:lstStyle>
+          <a:p>
+            <a:pPr algn="ctr"/>
+            <a:r>
+              <a:rPr lang="it-IT" sz="1200" dirty="0">
+                <a:solidFill>
+                  <a:schemeClr val="tx1">
+                    <a:lumMod val="65000"/>
+                    <a:lumOff val="35000"/>
+                  </a:schemeClr>
+                </a:solidFill>
+              </a:rPr>
+              <a:t>a</a:t>
+            </a:r>
+            <a:endParaRPr lang="en-GB" sz="1200" dirty="0">
+              <a:solidFill>
+                <a:schemeClr val="tx1">
+                  <a:lumMod val="65000"/>
+                  <a:lumOff val="35000"/>
+                </a:schemeClr>
+              </a:solidFill>
+            </a:endParaRPr>
+          </a:p>
+        </p:txBody>
+      </p:sp>
+      <p:sp>
+        <p:nvSpPr>
+          <p:cNvPr id="45" name="TextBox 9">
+            <a:extLst>
+              <a:ext uri="{FF2B5EF4-FFF2-40B4-BE49-F238E27FC236}">
+                <a16:creationId xmlns:a16="http://schemas.microsoft.com/office/drawing/2014/main" id="{190B9F4A-3C37-E4EA-59C4-EF16742BF6AD}"/>
+              </a:ext>
+            </a:extLst>
+          </p:cNvPr>
+          <p:cNvSpPr txBox="1"/>
+          <p:nvPr/>
+        </p:nvSpPr>
+        <p:spPr>
+          <a:xfrm>
+            <a:off x="6514195" y="371227"/>
+            <a:ext cx="252000" cy="276999"/>
+          </a:xfrm>
+          <a:prstGeom prst="rect">
+            <a:avLst/>
+          </a:prstGeom>
+          <a:solidFill>
+            <a:schemeClr val="bg1"/>
+          </a:solidFill>
+          <a:ln>
+            <a:solidFill>
+              <a:schemeClr val="bg1">
+                <a:lumMod val="65000"/>
+              </a:schemeClr>
+            </a:solidFill>
+          </a:ln>
+        </p:spPr>
+        <p:txBody>
+          <a:bodyPr wrap="square" rtlCol="0">
+            <a:spAutoFit/>
+          </a:bodyPr>
+          <a:lstStyle>
+            <a:defPPr>
+              <a:defRPr lang="en-US"/>
+            </a:defPPr>
+            <a:lvl1pPr marL="0" algn="l" defTabSz="457200" rtl="0" eaLnBrk="1" latinLnBrk="0" hangingPunct="1">
+              <a:defRPr sz="1800" kern="1200">
+                <a:solidFill>
+                  <a:schemeClr val="tx1"/>
+                </a:solidFill>
+                <a:latin typeface="+mn-lt"/>
+                <a:ea typeface="+mn-ea"/>
+                <a:cs typeface="+mn-cs"/>
+              </a:defRPr>
+            </a:lvl1pPr>
+            <a:lvl2pPr marL="457200" algn="l" defTabSz="457200" rtl="0" eaLnBrk="1" latinLnBrk="0" hangingPunct="1">
+              <a:defRPr sz="1800" kern="1200">
+                <a:solidFill>
+                  <a:schemeClr val="tx1"/>
+                </a:solidFill>
+                <a:latin typeface="+mn-lt"/>
+                <a:ea typeface="+mn-ea"/>
+                <a:cs typeface="+mn-cs"/>
+              </a:defRPr>
+            </a:lvl2pPr>
+            <a:lvl3pPr marL="914400" algn="l" defTabSz="457200" rtl="0" eaLnBrk="1" latinLnBrk="0" hangingPunct="1">
+              <a:defRPr sz="1800" kern="1200">
+                <a:solidFill>
+                  <a:schemeClr val="tx1"/>
+                </a:solidFill>
+                <a:latin typeface="+mn-lt"/>
+                <a:ea typeface="+mn-ea"/>
+                <a:cs typeface="+mn-cs"/>
+              </a:defRPr>
+            </a:lvl3pPr>
+            <a:lvl4pPr marL="1371600" algn="l" defTabSz="457200" rtl="0" eaLnBrk="1" latinLnBrk="0" hangingPunct="1">
+              <a:defRPr sz="1800" kern="1200">
+                <a:solidFill>
+                  <a:schemeClr val="tx1"/>
+                </a:solidFill>
+                <a:latin typeface="+mn-lt"/>
+                <a:ea typeface="+mn-ea"/>
+                <a:cs typeface="+mn-cs"/>
+              </a:defRPr>
+            </a:lvl4pPr>
+            <a:lvl5pPr marL="1828800" algn="l" defTabSz="457200" rtl="0" eaLnBrk="1" latinLnBrk="0" hangingPunct="1">
+              <a:defRPr sz="1800" kern="1200">
+                <a:solidFill>
+                  <a:schemeClr val="tx1"/>
+                </a:solidFill>
+                <a:latin typeface="+mn-lt"/>
+                <a:ea typeface="+mn-ea"/>
+                <a:cs typeface="+mn-cs"/>
+              </a:defRPr>
+            </a:lvl5pPr>
+            <a:lvl6pPr marL="2286000" algn="l" defTabSz="457200" rtl="0" eaLnBrk="1" latinLnBrk="0" hangingPunct="1">
+              <a:defRPr sz="1800" kern="1200">
+                <a:solidFill>
+                  <a:schemeClr val="tx1"/>
+                </a:solidFill>
+                <a:latin typeface="+mn-lt"/>
+                <a:ea typeface="+mn-ea"/>
+                <a:cs typeface="+mn-cs"/>
+              </a:defRPr>
+            </a:lvl6pPr>
+            <a:lvl7pPr marL="2743200" algn="l" defTabSz="457200" rtl="0" eaLnBrk="1" latinLnBrk="0" hangingPunct="1">
+              <a:defRPr sz="1800" kern="1200">
+                <a:solidFill>
+                  <a:schemeClr val="tx1"/>
+                </a:solidFill>
+                <a:latin typeface="+mn-lt"/>
+                <a:ea typeface="+mn-ea"/>
+                <a:cs typeface="+mn-cs"/>
+              </a:defRPr>
+            </a:lvl7pPr>
+            <a:lvl8pPr marL="3200400" algn="l" defTabSz="457200" rtl="0" eaLnBrk="1" latinLnBrk="0" hangingPunct="1">
+              <a:defRPr sz="1800" kern="1200">
+                <a:solidFill>
+                  <a:schemeClr val="tx1"/>
+                </a:solidFill>
+                <a:latin typeface="+mn-lt"/>
+                <a:ea typeface="+mn-ea"/>
+                <a:cs typeface="+mn-cs"/>
+              </a:defRPr>
+            </a:lvl8pPr>
+            <a:lvl9pPr marL="3657600" algn="l" defTabSz="457200" rtl="0" eaLnBrk="1" latinLnBrk="0" hangingPunct="1">
+              <a:defRPr sz="1800" kern="1200">
+                <a:solidFill>
+                  <a:schemeClr val="tx1"/>
+                </a:solidFill>
+                <a:latin typeface="+mn-lt"/>
+                <a:ea typeface="+mn-ea"/>
+                <a:cs typeface="+mn-cs"/>
+              </a:defRPr>
+            </a:lvl9pPr>
+          </a:lstStyle>
+          <a:p>
+            <a:pPr algn="ctr"/>
+            <a:r>
+              <a:rPr lang="it-IT" sz="1200" dirty="0">
+                <a:solidFill>
+                  <a:schemeClr val="tx1">
+                    <a:lumMod val="65000"/>
+                    <a:lumOff val="35000"/>
+                  </a:schemeClr>
+                </a:solidFill>
+              </a:rPr>
+              <a:t>b</a:t>
+            </a:r>
+            <a:endParaRPr lang="en-GB" sz="1200" dirty="0">
+              <a:solidFill>
+                <a:schemeClr val="tx1">
+                  <a:lumMod val="65000"/>
+                  <a:lumOff val="35000"/>
+                </a:schemeClr>
+              </a:solidFill>
+            </a:endParaRPr>
+          </a:p>
+        </p:txBody>
+      </p:sp>
+      <p:sp>
+        <p:nvSpPr>
+          <p:cNvPr id="46" name="TextBox 9">
+            <a:extLst>
+              <a:ext uri="{FF2B5EF4-FFF2-40B4-BE49-F238E27FC236}">
+                <a16:creationId xmlns:a16="http://schemas.microsoft.com/office/drawing/2014/main" id="{608D19D6-F72F-9A9E-1CED-444F704A9986}"/>
+              </a:ext>
+            </a:extLst>
+          </p:cNvPr>
+          <p:cNvSpPr txBox="1"/>
+          <p:nvPr/>
+        </p:nvSpPr>
+        <p:spPr>
+          <a:xfrm>
+            <a:off x="3059533" y="3500006"/>
+            <a:ext cx="252000" cy="276999"/>
+          </a:xfrm>
+          <a:prstGeom prst="rect">
+            <a:avLst/>
+          </a:prstGeom>
+          <a:solidFill>
+            <a:schemeClr val="bg1"/>
+          </a:solidFill>
+          <a:ln>
+            <a:solidFill>
+              <a:schemeClr val="bg1">
+                <a:lumMod val="65000"/>
+              </a:schemeClr>
+            </a:solidFill>
+          </a:ln>
+        </p:spPr>
+        <p:txBody>
+          <a:bodyPr wrap="square" rtlCol="0">
+            <a:spAutoFit/>
+          </a:bodyPr>
+          <a:lstStyle>
+            <a:defPPr>
+              <a:defRPr lang="en-US"/>
+            </a:defPPr>
+            <a:lvl1pPr marL="0" algn="l" defTabSz="457200" rtl="0" eaLnBrk="1" latinLnBrk="0" hangingPunct="1">
+              <a:defRPr sz="1800" kern="1200">
+                <a:solidFill>
+                  <a:schemeClr val="tx1"/>
+                </a:solidFill>
+                <a:latin typeface="+mn-lt"/>
+                <a:ea typeface="+mn-ea"/>
+                <a:cs typeface="+mn-cs"/>
+              </a:defRPr>
+            </a:lvl1pPr>
+            <a:lvl2pPr marL="457200" algn="l" defTabSz="457200" rtl="0" eaLnBrk="1" latinLnBrk="0" hangingPunct="1">
+              <a:defRPr sz="1800" kern="1200">
+                <a:solidFill>
+                  <a:schemeClr val="tx1"/>
+                </a:solidFill>
+                <a:latin typeface="+mn-lt"/>
+                <a:ea typeface="+mn-ea"/>
+                <a:cs typeface="+mn-cs"/>
+              </a:defRPr>
+            </a:lvl2pPr>
+            <a:lvl3pPr marL="914400" algn="l" defTabSz="457200" rtl="0" eaLnBrk="1" latinLnBrk="0" hangingPunct="1">
+              <a:defRPr sz="1800" kern="1200">
+                <a:solidFill>
+                  <a:schemeClr val="tx1"/>
+                </a:solidFill>
+                <a:latin typeface="+mn-lt"/>
+                <a:ea typeface="+mn-ea"/>
+                <a:cs typeface="+mn-cs"/>
+              </a:defRPr>
+            </a:lvl3pPr>
+            <a:lvl4pPr marL="1371600" algn="l" defTabSz="457200" rtl="0" eaLnBrk="1" latinLnBrk="0" hangingPunct="1">
+              <a:defRPr sz="1800" kern="1200">
+                <a:solidFill>
+                  <a:schemeClr val="tx1"/>
+                </a:solidFill>
+                <a:latin typeface="+mn-lt"/>
+                <a:ea typeface="+mn-ea"/>
+                <a:cs typeface="+mn-cs"/>
+              </a:defRPr>
+            </a:lvl4pPr>
+            <a:lvl5pPr marL="1828800" algn="l" defTabSz="457200" rtl="0" eaLnBrk="1" latinLnBrk="0" hangingPunct="1">
+              <a:defRPr sz="1800" kern="1200">
+                <a:solidFill>
+                  <a:schemeClr val="tx1"/>
+                </a:solidFill>
+                <a:latin typeface="+mn-lt"/>
+                <a:ea typeface="+mn-ea"/>
+                <a:cs typeface="+mn-cs"/>
+              </a:defRPr>
+            </a:lvl5pPr>
+            <a:lvl6pPr marL="2286000" algn="l" defTabSz="457200" rtl="0" eaLnBrk="1" latinLnBrk="0" hangingPunct="1">
+              <a:defRPr sz="1800" kern="1200">
+                <a:solidFill>
+                  <a:schemeClr val="tx1"/>
+                </a:solidFill>
+                <a:latin typeface="+mn-lt"/>
+                <a:ea typeface="+mn-ea"/>
+                <a:cs typeface="+mn-cs"/>
+              </a:defRPr>
+            </a:lvl6pPr>
+            <a:lvl7pPr marL="2743200" algn="l" defTabSz="457200" rtl="0" eaLnBrk="1" latinLnBrk="0" hangingPunct="1">
+              <a:defRPr sz="1800" kern="1200">
+                <a:solidFill>
+                  <a:schemeClr val="tx1"/>
+                </a:solidFill>
+                <a:latin typeface="+mn-lt"/>
+                <a:ea typeface="+mn-ea"/>
+                <a:cs typeface="+mn-cs"/>
+              </a:defRPr>
+            </a:lvl7pPr>
+            <a:lvl8pPr marL="3200400" algn="l" defTabSz="457200" rtl="0" eaLnBrk="1" latinLnBrk="0" hangingPunct="1">
+              <a:defRPr sz="1800" kern="1200">
+                <a:solidFill>
+                  <a:schemeClr val="tx1"/>
+                </a:solidFill>
+                <a:latin typeface="+mn-lt"/>
+                <a:ea typeface="+mn-ea"/>
+                <a:cs typeface="+mn-cs"/>
+              </a:defRPr>
+            </a:lvl8pPr>
+            <a:lvl9pPr marL="3657600" algn="l" defTabSz="457200" rtl="0" eaLnBrk="1" latinLnBrk="0" hangingPunct="1">
+              <a:defRPr sz="1800" kern="1200">
+                <a:solidFill>
+                  <a:schemeClr val="tx1"/>
+                </a:solidFill>
+                <a:latin typeface="+mn-lt"/>
+                <a:ea typeface="+mn-ea"/>
+                <a:cs typeface="+mn-cs"/>
+              </a:defRPr>
+            </a:lvl9pPr>
+          </a:lstStyle>
+          <a:p>
+            <a:pPr algn="ctr"/>
+            <a:r>
+              <a:rPr lang="en-US" sz="1200" dirty="0">
+                <a:solidFill>
+                  <a:schemeClr val="tx1">
+                    <a:lumMod val="65000"/>
+                    <a:lumOff val="35000"/>
+                  </a:schemeClr>
+                </a:solidFill>
+              </a:rPr>
+              <a:t>c</a:t>
+            </a:r>
+            <a:endParaRPr lang="en-GB" sz="1200" dirty="0">
+              <a:solidFill>
+                <a:schemeClr val="tx1">
+                  <a:lumMod val="65000"/>
+                  <a:lumOff val="35000"/>
+                </a:schemeClr>
+              </a:solidFill>
+            </a:endParaRPr>
+          </a:p>
+        </p:txBody>
+      </p:sp>
+      <p:sp>
+        <p:nvSpPr>
+          <p:cNvPr id="47" name="TextBox 9">
+            <a:extLst>
+              <a:ext uri="{FF2B5EF4-FFF2-40B4-BE49-F238E27FC236}">
+                <a16:creationId xmlns:a16="http://schemas.microsoft.com/office/drawing/2014/main" id="{144F845E-A5E5-81F0-0137-652C39051CEB}"/>
+              </a:ext>
+            </a:extLst>
+          </p:cNvPr>
+          <p:cNvSpPr txBox="1"/>
+          <p:nvPr/>
+        </p:nvSpPr>
+        <p:spPr>
+          <a:xfrm>
+            <a:off x="6514195" y="3500006"/>
+            <a:ext cx="252000" cy="276999"/>
+          </a:xfrm>
+          <a:prstGeom prst="rect">
+            <a:avLst/>
+          </a:prstGeom>
+          <a:solidFill>
+            <a:schemeClr val="bg1"/>
+          </a:solidFill>
+          <a:ln>
+            <a:solidFill>
+              <a:schemeClr val="bg1">
+                <a:lumMod val="65000"/>
+              </a:schemeClr>
+            </a:solidFill>
+          </a:ln>
+        </p:spPr>
+        <p:txBody>
+          <a:bodyPr wrap="square" rtlCol="0">
+            <a:spAutoFit/>
+          </a:bodyPr>
+          <a:lstStyle>
+            <a:defPPr>
+              <a:defRPr lang="en-US"/>
+            </a:defPPr>
+            <a:lvl1pPr marL="0" algn="l" defTabSz="457200" rtl="0" eaLnBrk="1" latinLnBrk="0" hangingPunct="1">
+              <a:defRPr sz="1800" kern="1200">
+                <a:solidFill>
+                  <a:schemeClr val="tx1"/>
+                </a:solidFill>
+                <a:latin typeface="+mn-lt"/>
+                <a:ea typeface="+mn-ea"/>
+                <a:cs typeface="+mn-cs"/>
+              </a:defRPr>
+            </a:lvl1pPr>
+            <a:lvl2pPr marL="457200" algn="l" defTabSz="457200" rtl="0" eaLnBrk="1" latinLnBrk="0" hangingPunct="1">
+              <a:defRPr sz="1800" kern="1200">
+                <a:solidFill>
+                  <a:schemeClr val="tx1"/>
+                </a:solidFill>
+                <a:latin typeface="+mn-lt"/>
+                <a:ea typeface="+mn-ea"/>
+                <a:cs typeface="+mn-cs"/>
+              </a:defRPr>
+            </a:lvl2pPr>
+            <a:lvl3pPr marL="914400" algn="l" defTabSz="457200" rtl="0" eaLnBrk="1" latinLnBrk="0" hangingPunct="1">
+              <a:defRPr sz="1800" kern="1200">
+                <a:solidFill>
+                  <a:schemeClr val="tx1"/>
+                </a:solidFill>
+                <a:latin typeface="+mn-lt"/>
+                <a:ea typeface="+mn-ea"/>
+                <a:cs typeface="+mn-cs"/>
+              </a:defRPr>
+            </a:lvl3pPr>
+            <a:lvl4pPr marL="1371600" algn="l" defTabSz="457200" rtl="0" eaLnBrk="1" latinLnBrk="0" hangingPunct="1">
+              <a:defRPr sz="1800" kern="1200">
+                <a:solidFill>
+                  <a:schemeClr val="tx1"/>
+                </a:solidFill>
+                <a:latin typeface="+mn-lt"/>
+                <a:ea typeface="+mn-ea"/>
+                <a:cs typeface="+mn-cs"/>
+              </a:defRPr>
+            </a:lvl4pPr>
+            <a:lvl5pPr marL="1828800" algn="l" defTabSz="457200" rtl="0" eaLnBrk="1" latinLnBrk="0" hangingPunct="1">
+              <a:defRPr sz="1800" kern="1200">
+                <a:solidFill>
+                  <a:schemeClr val="tx1"/>
+                </a:solidFill>
+                <a:latin typeface="+mn-lt"/>
+                <a:ea typeface="+mn-ea"/>
+                <a:cs typeface="+mn-cs"/>
+              </a:defRPr>
+            </a:lvl5pPr>
+            <a:lvl6pPr marL="2286000" algn="l" defTabSz="457200" rtl="0" eaLnBrk="1" latinLnBrk="0" hangingPunct="1">
+              <a:defRPr sz="1800" kern="1200">
+                <a:solidFill>
+                  <a:schemeClr val="tx1"/>
+                </a:solidFill>
+                <a:latin typeface="+mn-lt"/>
+                <a:ea typeface="+mn-ea"/>
+                <a:cs typeface="+mn-cs"/>
+              </a:defRPr>
+            </a:lvl6pPr>
+            <a:lvl7pPr marL="2743200" algn="l" defTabSz="457200" rtl="0" eaLnBrk="1" latinLnBrk="0" hangingPunct="1">
+              <a:defRPr sz="1800" kern="1200">
+                <a:solidFill>
+                  <a:schemeClr val="tx1"/>
+                </a:solidFill>
+                <a:latin typeface="+mn-lt"/>
+                <a:ea typeface="+mn-ea"/>
+                <a:cs typeface="+mn-cs"/>
+              </a:defRPr>
+            </a:lvl7pPr>
+            <a:lvl8pPr marL="3200400" algn="l" defTabSz="457200" rtl="0" eaLnBrk="1" latinLnBrk="0" hangingPunct="1">
+              <a:defRPr sz="1800" kern="1200">
+                <a:solidFill>
+                  <a:schemeClr val="tx1"/>
+                </a:solidFill>
+                <a:latin typeface="+mn-lt"/>
+                <a:ea typeface="+mn-ea"/>
+                <a:cs typeface="+mn-cs"/>
+              </a:defRPr>
+            </a:lvl8pPr>
+            <a:lvl9pPr marL="3657600" algn="l" defTabSz="457200" rtl="0" eaLnBrk="1" latinLnBrk="0" hangingPunct="1">
+              <a:defRPr sz="1800" kern="1200">
+                <a:solidFill>
+                  <a:schemeClr val="tx1"/>
+                </a:solidFill>
+                <a:latin typeface="+mn-lt"/>
+                <a:ea typeface="+mn-ea"/>
+                <a:cs typeface="+mn-cs"/>
+              </a:defRPr>
+            </a:lvl9pPr>
+          </a:lstStyle>
+          <a:p>
+            <a:pPr algn="ctr"/>
+            <a:r>
+              <a:rPr lang="en-US" sz="1200" dirty="0">
+                <a:solidFill>
+                  <a:schemeClr val="tx1">
+                    <a:lumMod val="65000"/>
+                    <a:lumOff val="35000"/>
+                  </a:schemeClr>
+                </a:solidFill>
+              </a:rPr>
+              <a:t>d</a:t>
+            </a:r>
+            <a:endParaRPr lang="en-GB" sz="1200" dirty="0">
+              <a:solidFill>
+                <a:schemeClr val="tx1">
+                  <a:lumMod val="65000"/>
+                  <a:lumOff val="35000"/>
+                </a:schemeClr>
+              </a:solidFill>
+            </a:endParaRPr>
+          </a:p>
+        </p:txBody>
+      </p:sp>
+      <p:sp>
+        <p:nvSpPr>
+          <p:cNvPr id="48" name="TextBox 9">
+            <a:extLst>
+              <a:ext uri="{FF2B5EF4-FFF2-40B4-BE49-F238E27FC236}">
+                <a16:creationId xmlns:a16="http://schemas.microsoft.com/office/drawing/2014/main" id="{F6675B0E-8DDA-7460-7913-63C07ADEAB31}"/>
+              </a:ext>
+            </a:extLst>
+          </p:cNvPr>
+          <p:cNvSpPr txBox="1"/>
+          <p:nvPr/>
+        </p:nvSpPr>
+        <p:spPr>
+          <a:xfrm>
+            <a:off x="148249" y="142570"/>
+            <a:ext cx="416195" cy="174407"/>
+          </a:xfrm>
+          <a:prstGeom prst="rect">
+            <a:avLst/>
+          </a:prstGeom>
+          <a:solidFill>
+            <a:schemeClr val="bg1"/>
+          </a:solidFill>
+          <a:ln>
+            <a:noFill/>
+          </a:ln>
+        </p:spPr>
+        <p:txBody>
+          <a:bodyPr wrap="square" rtlCol="0">
+            <a:spAutoFit/>
+          </a:bodyPr>
+          <a:lstStyle>
+            <a:defPPr>
+              <a:defRPr lang="en-US"/>
+            </a:defPPr>
+            <a:lvl1pPr marL="0" algn="l" defTabSz="457200" rtl="0" eaLnBrk="1" latinLnBrk="0" hangingPunct="1">
+              <a:defRPr sz="1800" kern="1200">
+                <a:solidFill>
+                  <a:schemeClr val="tx1"/>
+                </a:solidFill>
+                <a:latin typeface="+mn-lt"/>
+                <a:ea typeface="+mn-ea"/>
+                <a:cs typeface="+mn-cs"/>
+              </a:defRPr>
+            </a:lvl1pPr>
+            <a:lvl2pPr marL="457200" algn="l" defTabSz="457200" rtl="0" eaLnBrk="1" latinLnBrk="0" hangingPunct="1">
+              <a:defRPr sz="1800" kern="1200">
+                <a:solidFill>
+                  <a:schemeClr val="tx1"/>
+                </a:solidFill>
+                <a:latin typeface="+mn-lt"/>
+                <a:ea typeface="+mn-ea"/>
+                <a:cs typeface="+mn-cs"/>
+              </a:defRPr>
+            </a:lvl2pPr>
+            <a:lvl3pPr marL="914400" algn="l" defTabSz="457200" rtl="0" eaLnBrk="1" latinLnBrk="0" hangingPunct="1">
+              <a:defRPr sz="1800" kern="1200">
+                <a:solidFill>
+                  <a:schemeClr val="tx1"/>
+                </a:solidFill>
+                <a:latin typeface="+mn-lt"/>
+                <a:ea typeface="+mn-ea"/>
+                <a:cs typeface="+mn-cs"/>
+              </a:defRPr>
+            </a:lvl3pPr>
+            <a:lvl4pPr marL="1371600" algn="l" defTabSz="457200" rtl="0" eaLnBrk="1" latinLnBrk="0" hangingPunct="1">
+              <a:defRPr sz="1800" kern="1200">
+                <a:solidFill>
+                  <a:schemeClr val="tx1"/>
+                </a:solidFill>
+                <a:latin typeface="+mn-lt"/>
+                <a:ea typeface="+mn-ea"/>
+                <a:cs typeface="+mn-cs"/>
+              </a:defRPr>
+            </a:lvl4pPr>
+            <a:lvl5pPr marL="1828800" algn="l" defTabSz="457200" rtl="0" eaLnBrk="1" latinLnBrk="0" hangingPunct="1">
+              <a:defRPr sz="1800" kern="1200">
+                <a:solidFill>
+                  <a:schemeClr val="tx1"/>
+                </a:solidFill>
+                <a:latin typeface="+mn-lt"/>
+                <a:ea typeface="+mn-ea"/>
+                <a:cs typeface="+mn-cs"/>
+              </a:defRPr>
+            </a:lvl5pPr>
+            <a:lvl6pPr marL="2286000" algn="l" defTabSz="457200" rtl="0" eaLnBrk="1" latinLnBrk="0" hangingPunct="1">
+              <a:defRPr sz="1800" kern="1200">
+                <a:solidFill>
+                  <a:schemeClr val="tx1"/>
+                </a:solidFill>
+                <a:latin typeface="+mn-lt"/>
+                <a:ea typeface="+mn-ea"/>
+                <a:cs typeface="+mn-cs"/>
+              </a:defRPr>
+            </a:lvl6pPr>
+            <a:lvl7pPr marL="2743200" algn="l" defTabSz="457200" rtl="0" eaLnBrk="1" latinLnBrk="0" hangingPunct="1">
+              <a:defRPr sz="1800" kern="1200">
+                <a:solidFill>
+                  <a:schemeClr val="tx1"/>
+                </a:solidFill>
+                <a:latin typeface="+mn-lt"/>
+                <a:ea typeface="+mn-ea"/>
+                <a:cs typeface="+mn-cs"/>
+              </a:defRPr>
+            </a:lvl7pPr>
+            <a:lvl8pPr marL="3200400" algn="l" defTabSz="457200" rtl="0" eaLnBrk="1" latinLnBrk="0" hangingPunct="1">
+              <a:defRPr sz="1800" kern="1200">
+                <a:solidFill>
+                  <a:schemeClr val="tx1"/>
+                </a:solidFill>
+                <a:latin typeface="+mn-lt"/>
+                <a:ea typeface="+mn-ea"/>
+                <a:cs typeface="+mn-cs"/>
+              </a:defRPr>
+            </a:lvl8pPr>
+            <a:lvl9pPr marL="3657600" algn="l" defTabSz="457200" rtl="0" eaLnBrk="1" latinLnBrk="0" hangingPunct="1">
+              <a:defRPr sz="1800" kern="1200">
+                <a:solidFill>
+                  <a:schemeClr val="tx1"/>
+                </a:solidFill>
+                <a:latin typeface="+mn-lt"/>
+                <a:ea typeface="+mn-ea"/>
+                <a:cs typeface="+mn-cs"/>
+              </a:defRPr>
+            </a:lvl9pPr>
+          </a:lstStyle>
+          <a:p>
+            <a:pPr algn="ctr"/>
+            <a:endParaRPr lang="en-GB" sz="800" baseline="30000" dirty="0">
+              <a:solidFill>
+                <a:schemeClr val="tx1">
+                  <a:lumMod val="65000"/>
+                  <a:lumOff val="35000"/>
+                </a:schemeClr>
+              </a:solidFill>
+            </a:endParaRPr>
+          </a:p>
+        </p:txBody>
+      </p:sp>
+      <p:sp>
+        <p:nvSpPr>
+          <p:cNvPr id="49" name="TextBox 9">
+            <a:extLst>
+              <a:ext uri="{FF2B5EF4-FFF2-40B4-BE49-F238E27FC236}">
+                <a16:creationId xmlns:a16="http://schemas.microsoft.com/office/drawing/2014/main" id="{DED71BEE-A0EF-912D-6B74-57522B6D0171}"/>
+              </a:ext>
+            </a:extLst>
+          </p:cNvPr>
+          <p:cNvSpPr txBox="1"/>
+          <p:nvPr/>
+        </p:nvSpPr>
+        <p:spPr>
+          <a:xfrm>
+            <a:off x="94600" y="174967"/>
+            <a:ext cx="416195" cy="200055"/>
+          </a:xfrm>
+          <a:prstGeom prst="rect">
+            <a:avLst/>
+          </a:prstGeom>
+          <a:noFill/>
+          <a:ln>
+            <a:noFill/>
+          </a:ln>
+        </p:spPr>
+        <p:txBody>
+          <a:bodyPr wrap="square" rtlCol="0">
+            <a:spAutoFit/>
+          </a:bodyPr>
+          <a:lstStyle>
+            <a:defPPr>
+              <a:defRPr lang="en-US"/>
+            </a:defPPr>
+            <a:lvl1pPr marL="0" algn="l" defTabSz="457200" rtl="0" eaLnBrk="1" latinLnBrk="0" hangingPunct="1">
+              <a:defRPr sz="1800" kern="1200">
+                <a:solidFill>
+                  <a:schemeClr val="tx1"/>
+                </a:solidFill>
+                <a:latin typeface="+mn-lt"/>
+                <a:ea typeface="+mn-ea"/>
+                <a:cs typeface="+mn-cs"/>
+              </a:defRPr>
+            </a:lvl1pPr>
+            <a:lvl2pPr marL="457200" algn="l" defTabSz="457200" rtl="0" eaLnBrk="1" latinLnBrk="0" hangingPunct="1">
+              <a:defRPr sz="1800" kern="1200">
+                <a:solidFill>
+                  <a:schemeClr val="tx1"/>
+                </a:solidFill>
+                <a:latin typeface="+mn-lt"/>
+                <a:ea typeface="+mn-ea"/>
+                <a:cs typeface="+mn-cs"/>
+              </a:defRPr>
+            </a:lvl2pPr>
+            <a:lvl3pPr marL="914400" algn="l" defTabSz="457200" rtl="0" eaLnBrk="1" latinLnBrk="0" hangingPunct="1">
+              <a:defRPr sz="1800" kern="1200">
+                <a:solidFill>
+                  <a:schemeClr val="tx1"/>
+                </a:solidFill>
+                <a:latin typeface="+mn-lt"/>
+                <a:ea typeface="+mn-ea"/>
+                <a:cs typeface="+mn-cs"/>
+              </a:defRPr>
+            </a:lvl3pPr>
+            <a:lvl4pPr marL="1371600" algn="l" defTabSz="457200" rtl="0" eaLnBrk="1" latinLnBrk="0" hangingPunct="1">
+              <a:defRPr sz="1800" kern="1200">
+                <a:solidFill>
+                  <a:schemeClr val="tx1"/>
+                </a:solidFill>
+                <a:latin typeface="+mn-lt"/>
+                <a:ea typeface="+mn-ea"/>
+                <a:cs typeface="+mn-cs"/>
+              </a:defRPr>
+            </a:lvl4pPr>
+            <a:lvl5pPr marL="1828800" algn="l" defTabSz="457200" rtl="0" eaLnBrk="1" latinLnBrk="0" hangingPunct="1">
+              <a:defRPr sz="1800" kern="1200">
+                <a:solidFill>
+                  <a:schemeClr val="tx1"/>
+                </a:solidFill>
+                <a:latin typeface="+mn-lt"/>
+                <a:ea typeface="+mn-ea"/>
+                <a:cs typeface="+mn-cs"/>
+              </a:defRPr>
+            </a:lvl5pPr>
+            <a:lvl6pPr marL="2286000" algn="l" defTabSz="457200" rtl="0" eaLnBrk="1" latinLnBrk="0" hangingPunct="1">
+              <a:defRPr sz="1800" kern="1200">
+                <a:solidFill>
+                  <a:schemeClr val="tx1"/>
+                </a:solidFill>
+                <a:latin typeface="+mn-lt"/>
+                <a:ea typeface="+mn-ea"/>
+                <a:cs typeface="+mn-cs"/>
+              </a:defRPr>
+            </a:lvl6pPr>
+            <a:lvl7pPr marL="2743200" algn="l" defTabSz="457200" rtl="0" eaLnBrk="1" latinLnBrk="0" hangingPunct="1">
+              <a:defRPr sz="1800" kern="1200">
+                <a:solidFill>
+                  <a:schemeClr val="tx1"/>
+                </a:solidFill>
+                <a:latin typeface="+mn-lt"/>
+                <a:ea typeface="+mn-ea"/>
+                <a:cs typeface="+mn-cs"/>
+              </a:defRPr>
+            </a:lvl7pPr>
+            <a:lvl8pPr marL="3200400" algn="l" defTabSz="457200" rtl="0" eaLnBrk="1" latinLnBrk="0" hangingPunct="1">
+              <a:defRPr sz="1800" kern="1200">
+                <a:solidFill>
+                  <a:schemeClr val="tx1"/>
+                </a:solidFill>
+                <a:latin typeface="+mn-lt"/>
+                <a:ea typeface="+mn-ea"/>
+                <a:cs typeface="+mn-cs"/>
+              </a:defRPr>
+            </a:lvl8pPr>
+            <a:lvl9pPr marL="3657600" algn="l" defTabSz="457200" rtl="0" eaLnBrk="1" latinLnBrk="0" hangingPunct="1">
+              <a:defRPr sz="1800" kern="1200">
+                <a:solidFill>
+                  <a:schemeClr val="tx1"/>
+                </a:solidFill>
+                <a:latin typeface="+mn-lt"/>
+                <a:ea typeface="+mn-ea"/>
+                <a:cs typeface="+mn-cs"/>
+              </a:defRPr>
+            </a:lvl9pPr>
+          </a:lstStyle>
+          <a:p>
+            <a:pPr algn="ctr"/>
+            <a:r>
+              <a:rPr lang="it-IT" sz="700" dirty="0">
+                <a:solidFill>
+                  <a:schemeClr val="tx1">
+                    <a:lumMod val="85000"/>
+                    <a:lumOff val="15000"/>
+                  </a:schemeClr>
+                </a:solidFill>
+              </a:rPr>
+              <a:t>x10</a:t>
+            </a:r>
+            <a:r>
+              <a:rPr lang="it-IT" sz="700" baseline="30000" dirty="0">
+                <a:solidFill>
+                  <a:schemeClr val="tx1">
+                    <a:lumMod val="85000"/>
+                    <a:lumOff val="15000"/>
+                  </a:schemeClr>
+                </a:solidFill>
+              </a:rPr>
+              <a:t>-2</a:t>
+            </a:r>
+            <a:endParaRPr lang="en-GB" sz="700" baseline="30000" dirty="0">
+              <a:solidFill>
+                <a:schemeClr val="tx1">
+                  <a:lumMod val="85000"/>
+                  <a:lumOff val="15000"/>
+                </a:schemeClr>
+              </a:solidFill>
+            </a:endParaRPr>
+          </a:p>
+        </p:txBody>
+      </p:sp>
+      <p:sp>
+        <p:nvSpPr>
+          <p:cNvPr id="50" name="TextBox 9">
+            <a:extLst>
+              <a:ext uri="{FF2B5EF4-FFF2-40B4-BE49-F238E27FC236}">
+                <a16:creationId xmlns:a16="http://schemas.microsoft.com/office/drawing/2014/main" id="{BB6721B0-355A-94F2-A7F2-B9AC83EEFE44}"/>
+              </a:ext>
+            </a:extLst>
+          </p:cNvPr>
+          <p:cNvSpPr txBox="1"/>
+          <p:nvPr/>
+        </p:nvSpPr>
+        <p:spPr>
+          <a:xfrm>
+            <a:off x="3611806" y="142570"/>
+            <a:ext cx="416195" cy="174407"/>
+          </a:xfrm>
+          <a:prstGeom prst="rect">
+            <a:avLst/>
+          </a:prstGeom>
+          <a:solidFill>
+            <a:schemeClr val="bg1"/>
+          </a:solidFill>
+          <a:ln>
+            <a:noFill/>
+          </a:ln>
+        </p:spPr>
+        <p:txBody>
+          <a:bodyPr wrap="square" rtlCol="0">
+            <a:spAutoFit/>
+          </a:bodyPr>
+          <a:lstStyle>
+            <a:defPPr>
+              <a:defRPr lang="en-US"/>
+            </a:defPPr>
+            <a:lvl1pPr marL="0" algn="l" defTabSz="457200" rtl="0" eaLnBrk="1" latinLnBrk="0" hangingPunct="1">
+              <a:defRPr sz="1800" kern="1200">
+                <a:solidFill>
+                  <a:schemeClr val="tx1"/>
+                </a:solidFill>
+                <a:latin typeface="+mn-lt"/>
+                <a:ea typeface="+mn-ea"/>
+                <a:cs typeface="+mn-cs"/>
+              </a:defRPr>
+            </a:lvl1pPr>
+            <a:lvl2pPr marL="457200" algn="l" defTabSz="457200" rtl="0" eaLnBrk="1" latinLnBrk="0" hangingPunct="1">
+              <a:defRPr sz="1800" kern="1200">
+                <a:solidFill>
+                  <a:schemeClr val="tx1"/>
+                </a:solidFill>
+                <a:latin typeface="+mn-lt"/>
+                <a:ea typeface="+mn-ea"/>
+                <a:cs typeface="+mn-cs"/>
+              </a:defRPr>
+            </a:lvl2pPr>
+            <a:lvl3pPr marL="914400" algn="l" defTabSz="457200" rtl="0" eaLnBrk="1" latinLnBrk="0" hangingPunct="1">
+              <a:defRPr sz="1800" kern="1200">
+                <a:solidFill>
+                  <a:schemeClr val="tx1"/>
+                </a:solidFill>
+                <a:latin typeface="+mn-lt"/>
+                <a:ea typeface="+mn-ea"/>
+                <a:cs typeface="+mn-cs"/>
+              </a:defRPr>
+            </a:lvl3pPr>
+            <a:lvl4pPr marL="1371600" algn="l" defTabSz="457200" rtl="0" eaLnBrk="1" latinLnBrk="0" hangingPunct="1">
+              <a:defRPr sz="1800" kern="1200">
+                <a:solidFill>
+                  <a:schemeClr val="tx1"/>
+                </a:solidFill>
+                <a:latin typeface="+mn-lt"/>
+                <a:ea typeface="+mn-ea"/>
+                <a:cs typeface="+mn-cs"/>
+              </a:defRPr>
+            </a:lvl4pPr>
+            <a:lvl5pPr marL="1828800" algn="l" defTabSz="457200" rtl="0" eaLnBrk="1" latinLnBrk="0" hangingPunct="1">
+              <a:defRPr sz="1800" kern="1200">
+                <a:solidFill>
+                  <a:schemeClr val="tx1"/>
+                </a:solidFill>
+                <a:latin typeface="+mn-lt"/>
+                <a:ea typeface="+mn-ea"/>
+                <a:cs typeface="+mn-cs"/>
+              </a:defRPr>
+            </a:lvl5pPr>
+            <a:lvl6pPr marL="2286000" algn="l" defTabSz="457200" rtl="0" eaLnBrk="1" latinLnBrk="0" hangingPunct="1">
+              <a:defRPr sz="1800" kern="1200">
+                <a:solidFill>
+                  <a:schemeClr val="tx1"/>
+                </a:solidFill>
+                <a:latin typeface="+mn-lt"/>
+                <a:ea typeface="+mn-ea"/>
+                <a:cs typeface="+mn-cs"/>
+              </a:defRPr>
+            </a:lvl6pPr>
+            <a:lvl7pPr marL="2743200" algn="l" defTabSz="457200" rtl="0" eaLnBrk="1" latinLnBrk="0" hangingPunct="1">
+              <a:defRPr sz="1800" kern="1200">
+                <a:solidFill>
+                  <a:schemeClr val="tx1"/>
+                </a:solidFill>
+                <a:latin typeface="+mn-lt"/>
+                <a:ea typeface="+mn-ea"/>
+                <a:cs typeface="+mn-cs"/>
+              </a:defRPr>
+            </a:lvl7pPr>
+            <a:lvl8pPr marL="3200400" algn="l" defTabSz="457200" rtl="0" eaLnBrk="1" latinLnBrk="0" hangingPunct="1">
+              <a:defRPr sz="1800" kern="1200">
+                <a:solidFill>
+                  <a:schemeClr val="tx1"/>
+                </a:solidFill>
+                <a:latin typeface="+mn-lt"/>
+                <a:ea typeface="+mn-ea"/>
+                <a:cs typeface="+mn-cs"/>
+              </a:defRPr>
+            </a:lvl8pPr>
+            <a:lvl9pPr marL="3657600" algn="l" defTabSz="457200" rtl="0" eaLnBrk="1" latinLnBrk="0" hangingPunct="1">
+              <a:defRPr sz="1800" kern="1200">
+                <a:solidFill>
+                  <a:schemeClr val="tx1"/>
+                </a:solidFill>
+                <a:latin typeface="+mn-lt"/>
+                <a:ea typeface="+mn-ea"/>
+                <a:cs typeface="+mn-cs"/>
+              </a:defRPr>
+            </a:lvl9pPr>
+          </a:lstStyle>
+          <a:p>
+            <a:pPr algn="ctr"/>
+            <a:endParaRPr lang="en-GB" sz="800" baseline="30000" dirty="0">
+              <a:solidFill>
+                <a:schemeClr val="tx1">
+                  <a:lumMod val="65000"/>
+                  <a:lumOff val="35000"/>
+                </a:schemeClr>
+              </a:solidFill>
+            </a:endParaRPr>
+          </a:p>
+        </p:txBody>
+      </p:sp>
+      <p:sp>
+        <p:nvSpPr>
+          <p:cNvPr id="51" name="TextBox 9">
+            <a:extLst>
+              <a:ext uri="{FF2B5EF4-FFF2-40B4-BE49-F238E27FC236}">
+                <a16:creationId xmlns:a16="http://schemas.microsoft.com/office/drawing/2014/main" id="{4F3DF875-E12C-6ABF-291C-84086C3BE955}"/>
+              </a:ext>
+            </a:extLst>
+          </p:cNvPr>
+          <p:cNvSpPr txBox="1"/>
+          <p:nvPr/>
+        </p:nvSpPr>
+        <p:spPr>
+          <a:xfrm>
+            <a:off x="3558157" y="174967"/>
+            <a:ext cx="416195" cy="200055"/>
+          </a:xfrm>
+          <a:prstGeom prst="rect">
+            <a:avLst/>
+          </a:prstGeom>
+          <a:noFill/>
+          <a:ln>
+            <a:noFill/>
+          </a:ln>
+        </p:spPr>
+        <p:txBody>
+          <a:bodyPr wrap="square" rtlCol="0">
+            <a:spAutoFit/>
+          </a:bodyPr>
+          <a:lstStyle>
+            <a:defPPr>
+              <a:defRPr lang="en-US"/>
+            </a:defPPr>
+            <a:lvl1pPr marL="0" algn="l" defTabSz="457200" rtl="0" eaLnBrk="1" latinLnBrk="0" hangingPunct="1">
+              <a:defRPr sz="1800" kern="1200">
+                <a:solidFill>
+                  <a:schemeClr val="tx1"/>
+                </a:solidFill>
+                <a:latin typeface="+mn-lt"/>
+                <a:ea typeface="+mn-ea"/>
+                <a:cs typeface="+mn-cs"/>
+              </a:defRPr>
+            </a:lvl1pPr>
+            <a:lvl2pPr marL="457200" algn="l" defTabSz="457200" rtl="0" eaLnBrk="1" latinLnBrk="0" hangingPunct="1">
+              <a:defRPr sz="1800" kern="1200">
+                <a:solidFill>
+                  <a:schemeClr val="tx1"/>
+                </a:solidFill>
+                <a:latin typeface="+mn-lt"/>
+                <a:ea typeface="+mn-ea"/>
+                <a:cs typeface="+mn-cs"/>
+              </a:defRPr>
+            </a:lvl2pPr>
+            <a:lvl3pPr marL="914400" algn="l" defTabSz="457200" rtl="0" eaLnBrk="1" latinLnBrk="0" hangingPunct="1">
+              <a:defRPr sz="1800" kern="1200">
+                <a:solidFill>
+                  <a:schemeClr val="tx1"/>
+                </a:solidFill>
+                <a:latin typeface="+mn-lt"/>
+                <a:ea typeface="+mn-ea"/>
+                <a:cs typeface="+mn-cs"/>
+              </a:defRPr>
+            </a:lvl3pPr>
+            <a:lvl4pPr marL="1371600" algn="l" defTabSz="457200" rtl="0" eaLnBrk="1" latinLnBrk="0" hangingPunct="1">
+              <a:defRPr sz="1800" kern="1200">
+                <a:solidFill>
+                  <a:schemeClr val="tx1"/>
+                </a:solidFill>
+                <a:latin typeface="+mn-lt"/>
+                <a:ea typeface="+mn-ea"/>
+                <a:cs typeface="+mn-cs"/>
+              </a:defRPr>
+            </a:lvl4pPr>
+            <a:lvl5pPr marL="1828800" algn="l" defTabSz="457200" rtl="0" eaLnBrk="1" latinLnBrk="0" hangingPunct="1">
+              <a:defRPr sz="1800" kern="1200">
+                <a:solidFill>
+                  <a:schemeClr val="tx1"/>
+                </a:solidFill>
+                <a:latin typeface="+mn-lt"/>
+                <a:ea typeface="+mn-ea"/>
+                <a:cs typeface="+mn-cs"/>
+              </a:defRPr>
+            </a:lvl5pPr>
+            <a:lvl6pPr marL="2286000" algn="l" defTabSz="457200" rtl="0" eaLnBrk="1" latinLnBrk="0" hangingPunct="1">
+              <a:defRPr sz="1800" kern="1200">
+                <a:solidFill>
+                  <a:schemeClr val="tx1"/>
+                </a:solidFill>
+                <a:latin typeface="+mn-lt"/>
+                <a:ea typeface="+mn-ea"/>
+                <a:cs typeface="+mn-cs"/>
+              </a:defRPr>
+            </a:lvl6pPr>
+            <a:lvl7pPr marL="2743200" algn="l" defTabSz="457200" rtl="0" eaLnBrk="1" latinLnBrk="0" hangingPunct="1">
+              <a:defRPr sz="1800" kern="1200">
+                <a:solidFill>
+                  <a:schemeClr val="tx1"/>
+                </a:solidFill>
+                <a:latin typeface="+mn-lt"/>
+                <a:ea typeface="+mn-ea"/>
+                <a:cs typeface="+mn-cs"/>
+              </a:defRPr>
+            </a:lvl7pPr>
+            <a:lvl8pPr marL="3200400" algn="l" defTabSz="457200" rtl="0" eaLnBrk="1" latinLnBrk="0" hangingPunct="1">
+              <a:defRPr sz="1800" kern="1200">
+                <a:solidFill>
+                  <a:schemeClr val="tx1"/>
+                </a:solidFill>
+                <a:latin typeface="+mn-lt"/>
+                <a:ea typeface="+mn-ea"/>
+                <a:cs typeface="+mn-cs"/>
+              </a:defRPr>
+            </a:lvl8pPr>
+            <a:lvl9pPr marL="3657600" algn="l" defTabSz="457200" rtl="0" eaLnBrk="1" latinLnBrk="0" hangingPunct="1">
+              <a:defRPr sz="1800" kern="1200">
+                <a:solidFill>
+                  <a:schemeClr val="tx1"/>
+                </a:solidFill>
+                <a:latin typeface="+mn-lt"/>
+                <a:ea typeface="+mn-ea"/>
+                <a:cs typeface="+mn-cs"/>
+              </a:defRPr>
+            </a:lvl9pPr>
+          </a:lstStyle>
+          <a:p>
+            <a:pPr algn="ctr"/>
+            <a:r>
+              <a:rPr lang="it-IT" sz="700" dirty="0">
+                <a:solidFill>
+                  <a:schemeClr val="tx1">
+                    <a:lumMod val="85000"/>
+                    <a:lumOff val="15000"/>
+                  </a:schemeClr>
+                </a:solidFill>
+              </a:rPr>
+              <a:t>x10</a:t>
+            </a:r>
+            <a:r>
+              <a:rPr lang="it-IT" sz="700" baseline="30000" dirty="0">
+                <a:solidFill>
+                  <a:schemeClr val="tx1">
+                    <a:lumMod val="85000"/>
+                    <a:lumOff val="15000"/>
+                  </a:schemeClr>
+                </a:solidFill>
+              </a:rPr>
+              <a:t>-3</a:t>
+            </a:r>
+            <a:endParaRPr lang="en-GB" sz="700" baseline="30000" dirty="0">
+              <a:solidFill>
+                <a:schemeClr val="tx1">
+                  <a:lumMod val="85000"/>
+                  <a:lumOff val="15000"/>
+                </a:schemeClr>
+              </a:solidFill>
+            </a:endParaRPr>
+          </a:p>
+        </p:txBody>
+      </p:sp>
+      <p:sp>
+        <p:nvSpPr>
+          <p:cNvPr id="52" name="TextBox 9">
+            <a:extLst>
+              <a:ext uri="{FF2B5EF4-FFF2-40B4-BE49-F238E27FC236}">
+                <a16:creationId xmlns:a16="http://schemas.microsoft.com/office/drawing/2014/main" id="{9C5B88EC-8888-2AAF-EC79-F6AFDE400CC3}"/>
+              </a:ext>
+            </a:extLst>
+          </p:cNvPr>
+          <p:cNvSpPr txBox="1"/>
+          <p:nvPr/>
+        </p:nvSpPr>
+        <p:spPr>
+          <a:xfrm>
+            <a:off x="148249" y="3267554"/>
+            <a:ext cx="416195" cy="174407"/>
+          </a:xfrm>
+          <a:prstGeom prst="rect">
+            <a:avLst/>
+          </a:prstGeom>
+          <a:solidFill>
+            <a:schemeClr val="bg1"/>
+          </a:solidFill>
+          <a:ln>
+            <a:noFill/>
+          </a:ln>
+        </p:spPr>
+        <p:txBody>
+          <a:bodyPr wrap="square" rtlCol="0">
+            <a:spAutoFit/>
+          </a:bodyPr>
+          <a:lstStyle>
+            <a:defPPr>
+              <a:defRPr lang="en-US"/>
+            </a:defPPr>
+            <a:lvl1pPr marL="0" algn="l" defTabSz="457200" rtl="0" eaLnBrk="1" latinLnBrk="0" hangingPunct="1">
+              <a:defRPr sz="1800" kern="1200">
+                <a:solidFill>
+                  <a:schemeClr val="tx1"/>
+                </a:solidFill>
+                <a:latin typeface="+mn-lt"/>
+                <a:ea typeface="+mn-ea"/>
+                <a:cs typeface="+mn-cs"/>
+              </a:defRPr>
+            </a:lvl1pPr>
+            <a:lvl2pPr marL="457200" algn="l" defTabSz="457200" rtl="0" eaLnBrk="1" latinLnBrk="0" hangingPunct="1">
+              <a:defRPr sz="1800" kern="1200">
+                <a:solidFill>
+                  <a:schemeClr val="tx1"/>
+                </a:solidFill>
+                <a:latin typeface="+mn-lt"/>
+                <a:ea typeface="+mn-ea"/>
+                <a:cs typeface="+mn-cs"/>
+              </a:defRPr>
+            </a:lvl2pPr>
+            <a:lvl3pPr marL="914400" algn="l" defTabSz="457200" rtl="0" eaLnBrk="1" latinLnBrk="0" hangingPunct="1">
+              <a:defRPr sz="1800" kern="1200">
+                <a:solidFill>
+                  <a:schemeClr val="tx1"/>
+                </a:solidFill>
+                <a:latin typeface="+mn-lt"/>
+                <a:ea typeface="+mn-ea"/>
+                <a:cs typeface="+mn-cs"/>
+              </a:defRPr>
+            </a:lvl3pPr>
+            <a:lvl4pPr marL="1371600" algn="l" defTabSz="457200" rtl="0" eaLnBrk="1" latinLnBrk="0" hangingPunct="1">
+              <a:defRPr sz="1800" kern="1200">
+                <a:solidFill>
+                  <a:schemeClr val="tx1"/>
+                </a:solidFill>
+                <a:latin typeface="+mn-lt"/>
+                <a:ea typeface="+mn-ea"/>
+                <a:cs typeface="+mn-cs"/>
+              </a:defRPr>
+            </a:lvl4pPr>
+            <a:lvl5pPr marL="1828800" algn="l" defTabSz="457200" rtl="0" eaLnBrk="1" latinLnBrk="0" hangingPunct="1">
+              <a:defRPr sz="1800" kern="1200">
+                <a:solidFill>
+                  <a:schemeClr val="tx1"/>
+                </a:solidFill>
+                <a:latin typeface="+mn-lt"/>
+                <a:ea typeface="+mn-ea"/>
+                <a:cs typeface="+mn-cs"/>
+              </a:defRPr>
+            </a:lvl5pPr>
+            <a:lvl6pPr marL="2286000" algn="l" defTabSz="457200" rtl="0" eaLnBrk="1" latinLnBrk="0" hangingPunct="1">
+              <a:defRPr sz="1800" kern="1200">
+                <a:solidFill>
+                  <a:schemeClr val="tx1"/>
+                </a:solidFill>
+                <a:latin typeface="+mn-lt"/>
+                <a:ea typeface="+mn-ea"/>
+                <a:cs typeface="+mn-cs"/>
+              </a:defRPr>
+            </a:lvl6pPr>
+            <a:lvl7pPr marL="2743200" algn="l" defTabSz="457200" rtl="0" eaLnBrk="1" latinLnBrk="0" hangingPunct="1">
+              <a:defRPr sz="1800" kern="1200">
+                <a:solidFill>
+                  <a:schemeClr val="tx1"/>
+                </a:solidFill>
+                <a:latin typeface="+mn-lt"/>
+                <a:ea typeface="+mn-ea"/>
+                <a:cs typeface="+mn-cs"/>
+              </a:defRPr>
+            </a:lvl7pPr>
+            <a:lvl8pPr marL="3200400" algn="l" defTabSz="457200" rtl="0" eaLnBrk="1" latinLnBrk="0" hangingPunct="1">
+              <a:defRPr sz="1800" kern="1200">
+                <a:solidFill>
+                  <a:schemeClr val="tx1"/>
+                </a:solidFill>
+                <a:latin typeface="+mn-lt"/>
+                <a:ea typeface="+mn-ea"/>
+                <a:cs typeface="+mn-cs"/>
+              </a:defRPr>
+            </a:lvl8pPr>
+            <a:lvl9pPr marL="3657600" algn="l" defTabSz="457200" rtl="0" eaLnBrk="1" latinLnBrk="0" hangingPunct="1">
+              <a:defRPr sz="1800" kern="1200">
+                <a:solidFill>
+                  <a:schemeClr val="tx1"/>
+                </a:solidFill>
+                <a:latin typeface="+mn-lt"/>
+                <a:ea typeface="+mn-ea"/>
+                <a:cs typeface="+mn-cs"/>
+              </a:defRPr>
+            </a:lvl9pPr>
+          </a:lstStyle>
+          <a:p>
+            <a:pPr algn="ctr"/>
+            <a:endParaRPr lang="en-GB" sz="800" baseline="30000" dirty="0">
+              <a:solidFill>
+                <a:schemeClr val="tx1">
+                  <a:lumMod val="65000"/>
+                  <a:lumOff val="35000"/>
+                </a:schemeClr>
+              </a:solidFill>
+            </a:endParaRPr>
+          </a:p>
+        </p:txBody>
+      </p:sp>
+      <p:sp>
+        <p:nvSpPr>
+          <p:cNvPr id="53" name="TextBox 9">
+            <a:extLst>
+              <a:ext uri="{FF2B5EF4-FFF2-40B4-BE49-F238E27FC236}">
+                <a16:creationId xmlns:a16="http://schemas.microsoft.com/office/drawing/2014/main" id="{66663DF1-74AD-64FE-B3B0-F6CA94B02C15}"/>
+              </a:ext>
+            </a:extLst>
+          </p:cNvPr>
+          <p:cNvSpPr txBox="1"/>
+          <p:nvPr/>
+        </p:nvSpPr>
+        <p:spPr>
+          <a:xfrm>
+            <a:off x="94600" y="3299951"/>
+            <a:ext cx="416195" cy="200055"/>
+          </a:xfrm>
+          <a:prstGeom prst="rect">
+            <a:avLst/>
+          </a:prstGeom>
+          <a:noFill/>
+          <a:ln>
+            <a:noFill/>
+          </a:ln>
+        </p:spPr>
+        <p:txBody>
+          <a:bodyPr wrap="square" rtlCol="0">
+            <a:spAutoFit/>
+          </a:bodyPr>
+          <a:lstStyle>
+            <a:defPPr>
+              <a:defRPr lang="en-US"/>
+            </a:defPPr>
+            <a:lvl1pPr marL="0" algn="l" defTabSz="457200" rtl="0" eaLnBrk="1" latinLnBrk="0" hangingPunct="1">
+              <a:defRPr sz="1800" kern="1200">
+                <a:solidFill>
+                  <a:schemeClr val="tx1"/>
+                </a:solidFill>
+                <a:latin typeface="+mn-lt"/>
+                <a:ea typeface="+mn-ea"/>
+                <a:cs typeface="+mn-cs"/>
+              </a:defRPr>
+            </a:lvl1pPr>
+            <a:lvl2pPr marL="457200" algn="l" defTabSz="457200" rtl="0" eaLnBrk="1" latinLnBrk="0" hangingPunct="1">
+              <a:defRPr sz="1800" kern="1200">
+                <a:solidFill>
+                  <a:schemeClr val="tx1"/>
+                </a:solidFill>
+                <a:latin typeface="+mn-lt"/>
+                <a:ea typeface="+mn-ea"/>
+                <a:cs typeface="+mn-cs"/>
+              </a:defRPr>
+            </a:lvl2pPr>
+            <a:lvl3pPr marL="914400" algn="l" defTabSz="457200" rtl="0" eaLnBrk="1" latinLnBrk="0" hangingPunct="1">
+              <a:defRPr sz="1800" kern="1200">
+                <a:solidFill>
+                  <a:schemeClr val="tx1"/>
+                </a:solidFill>
+                <a:latin typeface="+mn-lt"/>
+                <a:ea typeface="+mn-ea"/>
+                <a:cs typeface="+mn-cs"/>
+              </a:defRPr>
+            </a:lvl3pPr>
+            <a:lvl4pPr marL="1371600" algn="l" defTabSz="457200" rtl="0" eaLnBrk="1" latinLnBrk="0" hangingPunct="1">
+              <a:defRPr sz="1800" kern="1200">
+                <a:solidFill>
+                  <a:schemeClr val="tx1"/>
+                </a:solidFill>
+                <a:latin typeface="+mn-lt"/>
+                <a:ea typeface="+mn-ea"/>
+                <a:cs typeface="+mn-cs"/>
+              </a:defRPr>
+            </a:lvl4pPr>
+            <a:lvl5pPr marL="1828800" algn="l" defTabSz="457200" rtl="0" eaLnBrk="1" latinLnBrk="0" hangingPunct="1">
+              <a:defRPr sz="1800" kern="1200">
+                <a:solidFill>
+                  <a:schemeClr val="tx1"/>
+                </a:solidFill>
+                <a:latin typeface="+mn-lt"/>
+                <a:ea typeface="+mn-ea"/>
+                <a:cs typeface="+mn-cs"/>
+              </a:defRPr>
+            </a:lvl5pPr>
+            <a:lvl6pPr marL="2286000" algn="l" defTabSz="457200" rtl="0" eaLnBrk="1" latinLnBrk="0" hangingPunct="1">
+              <a:defRPr sz="1800" kern="1200">
+                <a:solidFill>
+                  <a:schemeClr val="tx1"/>
+                </a:solidFill>
+                <a:latin typeface="+mn-lt"/>
+                <a:ea typeface="+mn-ea"/>
+                <a:cs typeface="+mn-cs"/>
+              </a:defRPr>
+            </a:lvl6pPr>
+            <a:lvl7pPr marL="2743200" algn="l" defTabSz="457200" rtl="0" eaLnBrk="1" latinLnBrk="0" hangingPunct="1">
+              <a:defRPr sz="1800" kern="1200">
+                <a:solidFill>
+                  <a:schemeClr val="tx1"/>
+                </a:solidFill>
+                <a:latin typeface="+mn-lt"/>
+                <a:ea typeface="+mn-ea"/>
+                <a:cs typeface="+mn-cs"/>
+              </a:defRPr>
+            </a:lvl7pPr>
+            <a:lvl8pPr marL="3200400" algn="l" defTabSz="457200" rtl="0" eaLnBrk="1" latinLnBrk="0" hangingPunct="1">
+              <a:defRPr sz="1800" kern="1200">
+                <a:solidFill>
+                  <a:schemeClr val="tx1"/>
+                </a:solidFill>
+                <a:latin typeface="+mn-lt"/>
+                <a:ea typeface="+mn-ea"/>
+                <a:cs typeface="+mn-cs"/>
+              </a:defRPr>
+            </a:lvl8pPr>
+            <a:lvl9pPr marL="3657600" algn="l" defTabSz="457200" rtl="0" eaLnBrk="1" latinLnBrk="0" hangingPunct="1">
+              <a:defRPr sz="1800" kern="1200">
+                <a:solidFill>
+                  <a:schemeClr val="tx1"/>
+                </a:solidFill>
+                <a:latin typeface="+mn-lt"/>
+                <a:ea typeface="+mn-ea"/>
+                <a:cs typeface="+mn-cs"/>
+              </a:defRPr>
+            </a:lvl9pPr>
+          </a:lstStyle>
+          <a:p>
+            <a:pPr algn="ctr"/>
+            <a:r>
+              <a:rPr lang="it-IT" sz="700" dirty="0">
+                <a:solidFill>
+                  <a:schemeClr val="tx1">
+                    <a:lumMod val="85000"/>
+                    <a:lumOff val="15000"/>
+                  </a:schemeClr>
+                </a:solidFill>
+              </a:rPr>
+              <a:t>x10</a:t>
+            </a:r>
+            <a:r>
+              <a:rPr lang="it-IT" sz="700" baseline="30000" dirty="0">
+                <a:solidFill>
+                  <a:schemeClr val="tx1">
+                    <a:lumMod val="85000"/>
+                    <a:lumOff val="15000"/>
+                  </a:schemeClr>
+                </a:solidFill>
+              </a:rPr>
+              <a:t>-4</a:t>
+            </a:r>
+            <a:endParaRPr lang="en-GB" sz="700" baseline="30000" dirty="0">
+              <a:solidFill>
+                <a:schemeClr val="tx1">
+                  <a:lumMod val="85000"/>
+                  <a:lumOff val="15000"/>
+                </a:schemeClr>
+              </a:solidFill>
+            </a:endParaRPr>
+          </a:p>
+        </p:txBody>
+      </p:sp>
+      <p:sp>
+        <p:nvSpPr>
+          <p:cNvPr id="54" name="TextBox 9">
+            <a:extLst>
+              <a:ext uri="{FF2B5EF4-FFF2-40B4-BE49-F238E27FC236}">
+                <a16:creationId xmlns:a16="http://schemas.microsoft.com/office/drawing/2014/main" id="{D87AEEFF-4982-B5B4-1139-092EC6665205}"/>
+              </a:ext>
+            </a:extLst>
+          </p:cNvPr>
+          <p:cNvSpPr txBox="1"/>
+          <p:nvPr/>
+        </p:nvSpPr>
+        <p:spPr>
+          <a:xfrm>
+            <a:off x="3611806" y="3267554"/>
+            <a:ext cx="416195" cy="174407"/>
+          </a:xfrm>
+          <a:prstGeom prst="rect">
+            <a:avLst/>
+          </a:prstGeom>
+          <a:solidFill>
+            <a:schemeClr val="bg1"/>
+          </a:solidFill>
+          <a:ln>
+            <a:noFill/>
+          </a:ln>
+        </p:spPr>
+        <p:txBody>
+          <a:bodyPr wrap="square" rtlCol="0">
+            <a:spAutoFit/>
+          </a:bodyPr>
+          <a:lstStyle>
+            <a:defPPr>
+              <a:defRPr lang="en-US"/>
+            </a:defPPr>
+            <a:lvl1pPr marL="0" algn="l" defTabSz="457200" rtl="0" eaLnBrk="1" latinLnBrk="0" hangingPunct="1">
+              <a:defRPr sz="1800" kern="1200">
+                <a:solidFill>
+                  <a:schemeClr val="tx1"/>
+                </a:solidFill>
+                <a:latin typeface="+mn-lt"/>
+                <a:ea typeface="+mn-ea"/>
+                <a:cs typeface="+mn-cs"/>
+              </a:defRPr>
+            </a:lvl1pPr>
+            <a:lvl2pPr marL="457200" algn="l" defTabSz="457200" rtl="0" eaLnBrk="1" latinLnBrk="0" hangingPunct="1">
+              <a:defRPr sz="1800" kern="1200">
+                <a:solidFill>
+                  <a:schemeClr val="tx1"/>
+                </a:solidFill>
+                <a:latin typeface="+mn-lt"/>
+                <a:ea typeface="+mn-ea"/>
+                <a:cs typeface="+mn-cs"/>
+              </a:defRPr>
+            </a:lvl2pPr>
+            <a:lvl3pPr marL="914400" algn="l" defTabSz="457200" rtl="0" eaLnBrk="1" latinLnBrk="0" hangingPunct="1">
+              <a:defRPr sz="1800" kern="1200">
+                <a:solidFill>
+                  <a:schemeClr val="tx1"/>
+                </a:solidFill>
+                <a:latin typeface="+mn-lt"/>
+                <a:ea typeface="+mn-ea"/>
+                <a:cs typeface="+mn-cs"/>
+              </a:defRPr>
+            </a:lvl3pPr>
+            <a:lvl4pPr marL="1371600" algn="l" defTabSz="457200" rtl="0" eaLnBrk="1" latinLnBrk="0" hangingPunct="1">
+              <a:defRPr sz="1800" kern="1200">
+                <a:solidFill>
+                  <a:schemeClr val="tx1"/>
+                </a:solidFill>
+                <a:latin typeface="+mn-lt"/>
+                <a:ea typeface="+mn-ea"/>
+                <a:cs typeface="+mn-cs"/>
+              </a:defRPr>
+            </a:lvl4pPr>
+            <a:lvl5pPr marL="1828800" algn="l" defTabSz="457200" rtl="0" eaLnBrk="1" latinLnBrk="0" hangingPunct="1">
+              <a:defRPr sz="1800" kern="1200">
+                <a:solidFill>
+                  <a:schemeClr val="tx1"/>
+                </a:solidFill>
+                <a:latin typeface="+mn-lt"/>
+                <a:ea typeface="+mn-ea"/>
+                <a:cs typeface="+mn-cs"/>
+              </a:defRPr>
+            </a:lvl5pPr>
+            <a:lvl6pPr marL="2286000" algn="l" defTabSz="457200" rtl="0" eaLnBrk="1" latinLnBrk="0" hangingPunct="1">
+              <a:defRPr sz="1800" kern="1200">
+                <a:solidFill>
+                  <a:schemeClr val="tx1"/>
+                </a:solidFill>
+                <a:latin typeface="+mn-lt"/>
+                <a:ea typeface="+mn-ea"/>
+                <a:cs typeface="+mn-cs"/>
+              </a:defRPr>
+            </a:lvl6pPr>
+            <a:lvl7pPr marL="2743200" algn="l" defTabSz="457200" rtl="0" eaLnBrk="1" latinLnBrk="0" hangingPunct="1">
+              <a:defRPr sz="1800" kern="1200">
+                <a:solidFill>
+                  <a:schemeClr val="tx1"/>
+                </a:solidFill>
+                <a:latin typeface="+mn-lt"/>
+                <a:ea typeface="+mn-ea"/>
+                <a:cs typeface="+mn-cs"/>
+              </a:defRPr>
+            </a:lvl7pPr>
+            <a:lvl8pPr marL="3200400" algn="l" defTabSz="457200" rtl="0" eaLnBrk="1" latinLnBrk="0" hangingPunct="1">
+              <a:defRPr sz="1800" kern="1200">
+                <a:solidFill>
+                  <a:schemeClr val="tx1"/>
+                </a:solidFill>
+                <a:latin typeface="+mn-lt"/>
+                <a:ea typeface="+mn-ea"/>
+                <a:cs typeface="+mn-cs"/>
+              </a:defRPr>
+            </a:lvl8pPr>
+            <a:lvl9pPr marL="3657600" algn="l" defTabSz="457200" rtl="0" eaLnBrk="1" latinLnBrk="0" hangingPunct="1">
+              <a:defRPr sz="1800" kern="1200">
+                <a:solidFill>
+                  <a:schemeClr val="tx1"/>
+                </a:solidFill>
+                <a:latin typeface="+mn-lt"/>
+                <a:ea typeface="+mn-ea"/>
+                <a:cs typeface="+mn-cs"/>
+              </a:defRPr>
+            </a:lvl9pPr>
+          </a:lstStyle>
+          <a:p>
+            <a:pPr algn="ctr"/>
+            <a:endParaRPr lang="en-GB" sz="800" baseline="30000" dirty="0">
+              <a:solidFill>
+                <a:schemeClr val="tx1">
+                  <a:lumMod val="65000"/>
+                  <a:lumOff val="35000"/>
+                </a:schemeClr>
+              </a:solidFill>
+            </a:endParaRPr>
+          </a:p>
+        </p:txBody>
+      </p:sp>
+      <p:sp>
+        <p:nvSpPr>
+          <p:cNvPr id="55" name="TextBox 9">
+            <a:extLst>
+              <a:ext uri="{FF2B5EF4-FFF2-40B4-BE49-F238E27FC236}">
+                <a16:creationId xmlns:a16="http://schemas.microsoft.com/office/drawing/2014/main" id="{1DD352C5-E9D5-64EC-0964-32CB7E715C39}"/>
+              </a:ext>
+            </a:extLst>
+          </p:cNvPr>
+          <p:cNvSpPr txBox="1"/>
+          <p:nvPr/>
+        </p:nvSpPr>
+        <p:spPr>
+          <a:xfrm>
+            <a:off x="3558157" y="3299951"/>
+            <a:ext cx="416195" cy="200055"/>
+          </a:xfrm>
+          <a:prstGeom prst="rect">
+            <a:avLst/>
+          </a:prstGeom>
+          <a:noFill/>
+          <a:ln>
+            <a:noFill/>
+          </a:ln>
+        </p:spPr>
+        <p:txBody>
+          <a:bodyPr wrap="square" rtlCol="0">
+            <a:spAutoFit/>
+          </a:bodyPr>
+          <a:lstStyle>
+            <a:defPPr>
+              <a:defRPr lang="en-US"/>
+            </a:defPPr>
+            <a:lvl1pPr marL="0" algn="l" defTabSz="457200" rtl="0" eaLnBrk="1" latinLnBrk="0" hangingPunct="1">
+              <a:defRPr sz="1800" kern="1200">
+                <a:solidFill>
+                  <a:schemeClr val="tx1"/>
+                </a:solidFill>
+                <a:latin typeface="+mn-lt"/>
+                <a:ea typeface="+mn-ea"/>
+                <a:cs typeface="+mn-cs"/>
+              </a:defRPr>
+            </a:lvl1pPr>
+            <a:lvl2pPr marL="457200" algn="l" defTabSz="457200" rtl="0" eaLnBrk="1" latinLnBrk="0" hangingPunct="1">
+              <a:defRPr sz="1800" kern="1200">
+                <a:solidFill>
+                  <a:schemeClr val="tx1"/>
+                </a:solidFill>
+                <a:latin typeface="+mn-lt"/>
+                <a:ea typeface="+mn-ea"/>
+                <a:cs typeface="+mn-cs"/>
+              </a:defRPr>
+            </a:lvl2pPr>
+            <a:lvl3pPr marL="914400" algn="l" defTabSz="457200" rtl="0" eaLnBrk="1" latinLnBrk="0" hangingPunct="1">
+              <a:defRPr sz="1800" kern="1200">
+                <a:solidFill>
+                  <a:schemeClr val="tx1"/>
+                </a:solidFill>
+                <a:latin typeface="+mn-lt"/>
+                <a:ea typeface="+mn-ea"/>
+                <a:cs typeface="+mn-cs"/>
+              </a:defRPr>
+            </a:lvl3pPr>
+            <a:lvl4pPr marL="1371600" algn="l" defTabSz="457200" rtl="0" eaLnBrk="1" latinLnBrk="0" hangingPunct="1">
+              <a:defRPr sz="1800" kern="1200">
+                <a:solidFill>
+                  <a:schemeClr val="tx1"/>
+                </a:solidFill>
+                <a:latin typeface="+mn-lt"/>
+                <a:ea typeface="+mn-ea"/>
+                <a:cs typeface="+mn-cs"/>
+              </a:defRPr>
+            </a:lvl4pPr>
+            <a:lvl5pPr marL="1828800" algn="l" defTabSz="457200" rtl="0" eaLnBrk="1" latinLnBrk="0" hangingPunct="1">
+              <a:defRPr sz="1800" kern="1200">
+                <a:solidFill>
+                  <a:schemeClr val="tx1"/>
+                </a:solidFill>
+                <a:latin typeface="+mn-lt"/>
+                <a:ea typeface="+mn-ea"/>
+                <a:cs typeface="+mn-cs"/>
+              </a:defRPr>
+            </a:lvl5pPr>
+            <a:lvl6pPr marL="2286000" algn="l" defTabSz="457200" rtl="0" eaLnBrk="1" latinLnBrk="0" hangingPunct="1">
+              <a:defRPr sz="1800" kern="1200">
+                <a:solidFill>
+                  <a:schemeClr val="tx1"/>
+                </a:solidFill>
+                <a:latin typeface="+mn-lt"/>
+                <a:ea typeface="+mn-ea"/>
+                <a:cs typeface="+mn-cs"/>
+              </a:defRPr>
+            </a:lvl6pPr>
+            <a:lvl7pPr marL="2743200" algn="l" defTabSz="457200" rtl="0" eaLnBrk="1" latinLnBrk="0" hangingPunct="1">
+              <a:defRPr sz="1800" kern="1200">
+                <a:solidFill>
+                  <a:schemeClr val="tx1"/>
+                </a:solidFill>
+                <a:latin typeface="+mn-lt"/>
+                <a:ea typeface="+mn-ea"/>
+                <a:cs typeface="+mn-cs"/>
+              </a:defRPr>
+            </a:lvl7pPr>
+            <a:lvl8pPr marL="3200400" algn="l" defTabSz="457200" rtl="0" eaLnBrk="1" latinLnBrk="0" hangingPunct="1">
+              <a:defRPr sz="1800" kern="1200">
+                <a:solidFill>
+                  <a:schemeClr val="tx1"/>
+                </a:solidFill>
+                <a:latin typeface="+mn-lt"/>
+                <a:ea typeface="+mn-ea"/>
+                <a:cs typeface="+mn-cs"/>
+              </a:defRPr>
+            </a:lvl8pPr>
+            <a:lvl9pPr marL="3657600" algn="l" defTabSz="457200" rtl="0" eaLnBrk="1" latinLnBrk="0" hangingPunct="1">
+              <a:defRPr sz="1800" kern="1200">
+                <a:solidFill>
+                  <a:schemeClr val="tx1"/>
+                </a:solidFill>
+                <a:latin typeface="+mn-lt"/>
+                <a:ea typeface="+mn-ea"/>
+                <a:cs typeface="+mn-cs"/>
+              </a:defRPr>
+            </a:lvl9pPr>
+          </a:lstStyle>
+          <a:p>
+            <a:pPr algn="ctr"/>
+            <a:r>
+              <a:rPr lang="it-IT" sz="700" dirty="0">
+                <a:solidFill>
+                  <a:schemeClr val="tx1">
+                    <a:lumMod val="85000"/>
+                    <a:lumOff val="15000"/>
+                  </a:schemeClr>
+                </a:solidFill>
+              </a:rPr>
+              <a:t>x10</a:t>
+            </a:r>
+            <a:r>
+              <a:rPr lang="it-IT" sz="700" baseline="30000" dirty="0">
+                <a:solidFill>
+                  <a:schemeClr val="tx1">
+                    <a:lumMod val="85000"/>
+                    <a:lumOff val="15000"/>
+                  </a:schemeClr>
+                </a:solidFill>
+              </a:rPr>
+              <a:t>-5</a:t>
+            </a:r>
+            <a:endParaRPr lang="en-GB" sz="700" baseline="30000" dirty="0">
+              <a:solidFill>
+                <a:schemeClr val="tx1">
+                  <a:lumMod val="85000"/>
+                  <a:lumOff val="15000"/>
+                </a:schemeClr>
+              </a:solidFill>
+            </a:endParaRPr>
+          </a:p>
+        </p:txBody>
+      </p:sp>
     </p:spTree>
     <p:extLst>
       <p:ext uri="{BB962C8B-B14F-4D97-AF65-F5344CB8AC3E}">

--- a/Manuscript/Figures/04_Results_BSrel.pptx
+++ b/Manuscript/Figures/04_Results_BSrel.pptx
@@ -2,12 +2,12 @@
 <file path=ppt/presentation.xml><?xml version="1.0" encoding="utf-8"?>
 <p:presentation xmlns:a="http://schemas.openxmlformats.org/drawingml/2006/main" xmlns:r="http://schemas.openxmlformats.org/officeDocument/2006/relationships" xmlns:p="http://schemas.openxmlformats.org/presentationml/2006/main" saveSubsetFonts="1">
   <p:sldMasterIdLst>
-    <p:sldMasterId id="2147483708" r:id="rId1"/>
+    <p:sldMasterId id="2147483732" r:id="rId1"/>
   </p:sldMasterIdLst>
   <p:sldIdLst>
     <p:sldId id="256" r:id="rId2"/>
   </p:sldIdLst>
-  <p:sldSz cx="6858000" cy="6137275"/>
+  <p:sldSz cx="6516688" cy="5543550"/>
   <p:notesSz cx="6858000" cy="9144000"/>
   <p:defaultTextStyle>
     <a:defPPr>
@@ -115,8 +115,7 @@
 <file path=ppt/revisionInfo.xml><?xml version="1.0" encoding="utf-8"?>
 <p1510:revInfo xmlns:a="http://schemas.openxmlformats.org/drawingml/2006/main" xmlns:r="http://schemas.openxmlformats.org/officeDocument/2006/relationships" xmlns:p1510="http://schemas.microsoft.com/office/powerpoint/2015/10/main">
   <p1510:revLst>
-    <p1510:client id="{AAC365B4-748D-41C9-B325-47015E14791D}" v="15" dt="2023-09-13T12:05:30.200"/>
-    <p1510:client id="{B29C0731-F622-48A1-904B-0CCCBD2B6AD2}" v="4" dt="2023-09-12T20:04:56.481"/>
+    <p1510:client id="{F8B1E2AA-168B-4E26-8F6A-2796FABFF998}" v="5" dt="2023-12-13T10:49:49.756"/>
   </p1510:revLst>
 </p1510:revInfo>
 </file>
@@ -648,6 +647,446 @@
             <ac:picMk id="43" creationId="{0A99CC9C-6FCE-FC6B-3D20-333509F1A968}"/>
           </ac:picMkLst>
         </pc:picChg>
+      </pc:sldChg>
+    </pc:docChg>
+  </pc:docChgLst>
+  <pc:docChgLst>
+    <pc:chgData name="Fatima Pillosu" userId="a6295d4dc9e22643" providerId="LiveId" clId="{F8B1E2AA-168B-4E26-8F6A-2796FABFF998}"/>
+    <pc:docChg chg="undo custSel modSld">
+      <pc:chgData name="Fatima Pillosu" userId="a6295d4dc9e22643" providerId="LiveId" clId="{F8B1E2AA-168B-4E26-8F6A-2796FABFF998}" dt="2023-12-13T10:49:49.756" v="426"/>
+      <pc:docMkLst>
+        <pc:docMk/>
+      </pc:docMkLst>
+      <pc:sldChg chg="addSp delSp modSp mod">
+        <pc:chgData name="Fatima Pillosu" userId="a6295d4dc9e22643" providerId="LiveId" clId="{F8B1E2AA-168B-4E26-8F6A-2796FABFF998}" dt="2023-12-13T10:49:49.756" v="426"/>
+        <pc:sldMkLst>
+          <pc:docMk/>
+          <pc:sldMk cId="556864461" sldId="256"/>
+        </pc:sldMkLst>
+        <pc:spChg chg="add del mod">
+          <ac:chgData name="Fatima Pillosu" userId="a6295d4dc9e22643" providerId="LiveId" clId="{F8B1E2AA-168B-4E26-8F6A-2796FABFF998}" dt="2023-12-13T10:49:33.725" v="425" actId="21"/>
+          <ac:spMkLst>
+            <pc:docMk/>
+            <pc:sldMk cId="556864461" sldId="256"/>
+            <ac:spMk id="6" creationId="{6AFA0540-AC6E-8C9C-BFF4-EA42F581E9CE}"/>
+          </ac:spMkLst>
+        </pc:spChg>
+        <pc:spChg chg="add del mod">
+          <ac:chgData name="Fatima Pillosu" userId="a6295d4dc9e22643" providerId="LiveId" clId="{F8B1E2AA-168B-4E26-8F6A-2796FABFF998}" dt="2023-12-13T10:49:33.725" v="425" actId="21"/>
+          <ac:spMkLst>
+            <pc:docMk/>
+            <pc:sldMk cId="556864461" sldId="256"/>
+            <ac:spMk id="7" creationId="{C2284395-B2E5-BFD8-4992-1DA449078C82}"/>
+          </ac:spMkLst>
+        </pc:spChg>
+        <pc:spChg chg="add del mod">
+          <ac:chgData name="Fatima Pillosu" userId="a6295d4dc9e22643" providerId="LiveId" clId="{F8B1E2AA-168B-4E26-8F6A-2796FABFF998}" dt="2023-12-13T10:49:33.725" v="425" actId="21"/>
+          <ac:spMkLst>
+            <pc:docMk/>
+            <pc:sldMk cId="556864461" sldId="256"/>
+            <ac:spMk id="8" creationId="{D7A56391-71B2-09CD-C2A6-A275E4EDEBA9}"/>
+          </ac:spMkLst>
+        </pc:spChg>
+        <pc:spChg chg="add del mod">
+          <ac:chgData name="Fatima Pillosu" userId="a6295d4dc9e22643" providerId="LiveId" clId="{F8B1E2AA-168B-4E26-8F6A-2796FABFF998}" dt="2023-12-13T10:49:33.725" v="425" actId="21"/>
+          <ac:spMkLst>
+            <pc:docMk/>
+            <pc:sldMk cId="556864461" sldId="256"/>
+            <ac:spMk id="9" creationId="{1B82700B-873C-2676-237A-DEDC770F325A}"/>
+          </ac:spMkLst>
+        </pc:spChg>
+        <pc:spChg chg="add del mod">
+          <ac:chgData name="Fatima Pillosu" userId="a6295d4dc9e22643" providerId="LiveId" clId="{F8B1E2AA-168B-4E26-8F6A-2796FABFF998}" dt="2023-12-13T10:49:33.725" v="425" actId="21"/>
+          <ac:spMkLst>
+            <pc:docMk/>
+            <pc:sldMk cId="556864461" sldId="256"/>
+            <ac:spMk id="10" creationId="{8E136036-6716-2450-B2C8-FF8EBB825337}"/>
+          </ac:spMkLst>
+        </pc:spChg>
+        <pc:spChg chg="add del mod">
+          <ac:chgData name="Fatima Pillosu" userId="a6295d4dc9e22643" providerId="LiveId" clId="{F8B1E2AA-168B-4E26-8F6A-2796FABFF998}" dt="2023-12-13T10:49:33.725" v="425" actId="21"/>
+          <ac:spMkLst>
+            <pc:docMk/>
+            <pc:sldMk cId="556864461" sldId="256"/>
+            <ac:spMk id="11" creationId="{C4F58635-A031-FC42-634E-B2E41F0852D6}"/>
+          </ac:spMkLst>
+        </pc:spChg>
+        <pc:spChg chg="add del mod">
+          <ac:chgData name="Fatima Pillosu" userId="a6295d4dc9e22643" providerId="LiveId" clId="{F8B1E2AA-168B-4E26-8F6A-2796FABFF998}" dt="2023-12-13T10:49:33.725" v="425" actId="21"/>
+          <ac:spMkLst>
+            <pc:docMk/>
+            <pc:sldMk cId="556864461" sldId="256"/>
+            <ac:spMk id="12" creationId="{83D04FD6-E40D-A874-F897-7C8BDA42A580}"/>
+          </ac:spMkLst>
+        </pc:spChg>
+        <pc:spChg chg="add del mod">
+          <ac:chgData name="Fatima Pillosu" userId="a6295d4dc9e22643" providerId="LiveId" clId="{F8B1E2AA-168B-4E26-8F6A-2796FABFF998}" dt="2023-12-13T10:49:33.725" v="425" actId="21"/>
+          <ac:spMkLst>
+            <pc:docMk/>
+            <pc:sldMk cId="556864461" sldId="256"/>
+            <ac:spMk id="13" creationId="{AB39B15B-E167-89A6-6806-2DC565195F9F}"/>
+          </ac:spMkLst>
+        </pc:spChg>
+        <pc:spChg chg="add del mod">
+          <ac:chgData name="Fatima Pillosu" userId="a6295d4dc9e22643" providerId="LiveId" clId="{F8B1E2AA-168B-4E26-8F6A-2796FABFF998}" dt="2023-12-13T10:49:33.725" v="425" actId="21"/>
+          <ac:spMkLst>
+            <pc:docMk/>
+            <pc:sldMk cId="556864461" sldId="256"/>
+            <ac:spMk id="14" creationId="{BCD6C300-4AE4-6D6F-20E2-E48AC5C69DDF}"/>
+          </ac:spMkLst>
+        </pc:spChg>
+        <pc:spChg chg="add del mod">
+          <ac:chgData name="Fatima Pillosu" userId="a6295d4dc9e22643" providerId="LiveId" clId="{F8B1E2AA-168B-4E26-8F6A-2796FABFF998}" dt="2023-12-13T10:49:33.725" v="425" actId="21"/>
+          <ac:spMkLst>
+            <pc:docMk/>
+            <pc:sldMk cId="556864461" sldId="256"/>
+            <ac:spMk id="15" creationId="{43A06214-6990-DF32-973E-ED1E38D660C9}"/>
+          </ac:spMkLst>
+        </pc:spChg>
+        <pc:spChg chg="add del mod">
+          <ac:chgData name="Fatima Pillosu" userId="a6295d4dc9e22643" providerId="LiveId" clId="{F8B1E2AA-168B-4E26-8F6A-2796FABFF998}" dt="2023-12-13T10:49:33.725" v="425" actId="21"/>
+          <ac:spMkLst>
+            <pc:docMk/>
+            <pc:sldMk cId="556864461" sldId="256"/>
+            <ac:spMk id="16" creationId="{B3D3447D-E4EC-5BE6-44A8-1F35BC5FC235}"/>
+          </ac:spMkLst>
+        </pc:spChg>
+        <pc:spChg chg="add del mod">
+          <ac:chgData name="Fatima Pillosu" userId="a6295d4dc9e22643" providerId="LiveId" clId="{F8B1E2AA-168B-4E26-8F6A-2796FABFF998}" dt="2023-12-13T10:49:33.725" v="425" actId="21"/>
+          <ac:spMkLst>
+            <pc:docMk/>
+            <pc:sldMk cId="556864461" sldId="256"/>
+            <ac:spMk id="17" creationId="{F4721011-EE5A-0351-D0D0-777B45A44C67}"/>
+          </ac:spMkLst>
+        </pc:spChg>
+        <pc:spChg chg="add del mod">
+          <ac:chgData name="Fatima Pillosu" userId="a6295d4dc9e22643" providerId="LiveId" clId="{F8B1E2AA-168B-4E26-8F6A-2796FABFF998}" dt="2023-12-13T10:49:33.725" v="425" actId="21"/>
+          <ac:spMkLst>
+            <pc:docMk/>
+            <pc:sldMk cId="556864461" sldId="256"/>
+            <ac:spMk id="20" creationId="{75ECB016-4D83-70D5-0828-961266090948}"/>
+          </ac:spMkLst>
+        </pc:spChg>
+        <pc:spChg chg="add del">
+          <ac:chgData name="Fatima Pillosu" userId="a6295d4dc9e22643" providerId="LiveId" clId="{F8B1E2AA-168B-4E26-8F6A-2796FABFF998}" dt="2023-12-13T10:49:31.782" v="424" actId="478"/>
+          <ac:spMkLst>
+            <pc:docMk/>
+            <pc:sldMk cId="556864461" sldId="256"/>
+            <ac:spMk id="21" creationId="{FAD65F51-4B21-67FE-460F-DC91083F6AE9}"/>
+          </ac:spMkLst>
+        </pc:spChg>
+        <pc:spChg chg="add mod">
+          <ac:chgData name="Fatima Pillosu" userId="a6295d4dc9e22643" providerId="LiveId" clId="{F8B1E2AA-168B-4E26-8F6A-2796FABFF998}" dt="2023-12-13T10:49:49.756" v="426"/>
+          <ac:spMkLst>
+            <pc:docMk/>
+            <pc:sldMk cId="556864461" sldId="256"/>
+            <ac:spMk id="26" creationId="{5657FA85-7CF3-4A98-4F8A-9A7D58A64703}"/>
+          </ac:spMkLst>
+        </pc:spChg>
+        <pc:spChg chg="add mod">
+          <ac:chgData name="Fatima Pillosu" userId="a6295d4dc9e22643" providerId="LiveId" clId="{F8B1E2AA-168B-4E26-8F6A-2796FABFF998}" dt="2023-12-13T10:49:49.756" v="426"/>
+          <ac:spMkLst>
+            <pc:docMk/>
+            <pc:sldMk cId="556864461" sldId="256"/>
+            <ac:spMk id="27" creationId="{68843508-2F2D-5694-0467-24393D21A593}"/>
+          </ac:spMkLst>
+        </pc:spChg>
+        <pc:spChg chg="add mod">
+          <ac:chgData name="Fatima Pillosu" userId="a6295d4dc9e22643" providerId="LiveId" clId="{F8B1E2AA-168B-4E26-8F6A-2796FABFF998}" dt="2023-12-13T10:49:49.756" v="426"/>
+          <ac:spMkLst>
+            <pc:docMk/>
+            <pc:sldMk cId="556864461" sldId="256"/>
+            <ac:spMk id="28" creationId="{88CC6B4E-014A-C308-2F2B-B73351EF7D69}"/>
+          </ac:spMkLst>
+        </pc:spChg>
+        <pc:spChg chg="add mod">
+          <ac:chgData name="Fatima Pillosu" userId="a6295d4dc9e22643" providerId="LiveId" clId="{F8B1E2AA-168B-4E26-8F6A-2796FABFF998}" dt="2023-12-13T10:49:49.756" v="426"/>
+          <ac:spMkLst>
+            <pc:docMk/>
+            <pc:sldMk cId="556864461" sldId="256"/>
+            <ac:spMk id="29" creationId="{E22D34EA-F5B2-132B-4F63-B435C7C9599F}"/>
+          </ac:spMkLst>
+        </pc:spChg>
+        <pc:spChg chg="add mod">
+          <ac:chgData name="Fatima Pillosu" userId="a6295d4dc9e22643" providerId="LiveId" clId="{F8B1E2AA-168B-4E26-8F6A-2796FABFF998}" dt="2023-12-13T10:49:49.756" v="426"/>
+          <ac:spMkLst>
+            <pc:docMk/>
+            <pc:sldMk cId="556864461" sldId="256"/>
+            <ac:spMk id="30" creationId="{C4B2DC0B-22D4-5F1C-D11C-12746FD58A28}"/>
+          </ac:spMkLst>
+        </pc:spChg>
+        <pc:spChg chg="add mod">
+          <ac:chgData name="Fatima Pillosu" userId="a6295d4dc9e22643" providerId="LiveId" clId="{F8B1E2AA-168B-4E26-8F6A-2796FABFF998}" dt="2023-12-13T10:49:49.756" v="426"/>
+          <ac:spMkLst>
+            <pc:docMk/>
+            <pc:sldMk cId="556864461" sldId="256"/>
+            <ac:spMk id="31" creationId="{6016E1DA-D8AF-13D3-C0B3-C77B5F1C9FC2}"/>
+          </ac:spMkLst>
+        </pc:spChg>
+        <pc:spChg chg="add mod">
+          <ac:chgData name="Fatima Pillosu" userId="a6295d4dc9e22643" providerId="LiveId" clId="{F8B1E2AA-168B-4E26-8F6A-2796FABFF998}" dt="2023-12-13T10:49:49.756" v="426"/>
+          <ac:spMkLst>
+            <pc:docMk/>
+            <pc:sldMk cId="556864461" sldId="256"/>
+            <ac:spMk id="32" creationId="{4060A831-B817-1B33-EA5B-61C033A5BD49}"/>
+          </ac:spMkLst>
+        </pc:spChg>
+        <pc:spChg chg="add mod">
+          <ac:chgData name="Fatima Pillosu" userId="a6295d4dc9e22643" providerId="LiveId" clId="{F8B1E2AA-168B-4E26-8F6A-2796FABFF998}" dt="2023-12-13T10:49:49.756" v="426"/>
+          <ac:spMkLst>
+            <pc:docMk/>
+            <pc:sldMk cId="556864461" sldId="256"/>
+            <ac:spMk id="33" creationId="{39B0834A-13A8-C6B5-1899-10E6999B9D03}"/>
+          </ac:spMkLst>
+        </pc:spChg>
+        <pc:spChg chg="add mod">
+          <ac:chgData name="Fatima Pillosu" userId="a6295d4dc9e22643" providerId="LiveId" clId="{F8B1E2AA-168B-4E26-8F6A-2796FABFF998}" dt="2023-12-13T10:49:49.756" v="426"/>
+          <ac:spMkLst>
+            <pc:docMk/>
+            <pc:sldMk cId="556864461" sldId="256"/>
+            <ac:spMk id="34" creationId="{078F1B42-6368-CB4B-809B-1A4019DE83B7}"/>
+          </ac:spMkLst>
+        </pc:spChg>
+        <pc:spChg chg="add mod">
+          <ac:chgData name="Fatima Pillosu" userId="a6295d4dc9e22643" providerId="LiveId" clId="{F8B1E2AA-168B-4E26-8F6A-2796FABFF998}" dt="2023-12-13T10:49:49.756" v="426"/>
+          <ac:spMkLst>
+            <pc:docMk/>
+            <pc:sldMk cId="556864461" sldId="256"/>
+            <ac:spMk id="35" creationId="{890E366B-7878-31AF-AB7C-53462A534485}"/>
+          </ac:spMkLst>
+        </pc:spChg>
+        <pc:spChg chg="add mod">
+          <ac:chgData name="Fatima Pillosu" userId="a6295d4dc9e22643" providerId="LiveId" clId="{F8B1E2AA-168B-4E26-8F6A-2796FABFF998}" dt="2023-12-13T10:49:49.756" v="426"/>
+          <ac:spMkLst>
+            <pc:docMk/>
+            <pc:sldMk cId="556864461" sldId="256"/>
+            <ac:spMk id="36" creationId="{A682D1E6-2774-0A51-6A94-2E63726E5668}"/>
+          </ac:spMkLst>
+        </pc:spChg>
+        <pc:spChg chg="add mod">
+          <ac:chgData name="Fatima Pillosu" userId="a6295d4dc9e22643" providerId="LiveId" clId="{F8B1E2AA-168B-4E26-8F6A-2796FABFF998}" dt="2023-12-13T10:49:49.756" v="426"/>
+          <ac:spMkLst>
+            <pc:docMk/>
+            <pc:sldMk cId="556864461" sldId="256"/>
+            <ac:spMk id="37" creationId="{B007D573-C5B6-0794-D723-A051C8360A50}"/>
+          </ac:spMkLst>
+        </pc:spChg>
+        <pc:spChg chg="add mod">
+          <ac:chgData name="Fatima Pillosu" userId="a6295d4dc9e22643" providerId="LiveId" clId="{F8B1E2AA-168B-4E26-8F6A-2796FABFF998}" dt="2023-12-13T10:49:49.756" v="426"/>
+          <ac:spMkLst>
+            <pc:docMk/>
+            <pc:sldMk cId="556864461" sldId="256"/>
+            <ac:spMk id="39" creationId="{E2DB534E-824D-BCE5-FE23-1DB3AE731441}"/>
+          </ac:spMkLst>
+        </pc:spChg>
+        <pc:spChg chg="del">
+          <ac:chgData name="Fatima Pillosu" userId="a6295d4dc9e22643" providerId="LiveId" clId="{F8B1E2AA-168B-4E26-8F6A-2796FABFF998}" dt="2023-12-13T10:42:00.932" v="0" actId="21"/>
+          <ac:spMkLst>
+            <pc:docMk/>
+            <pc:sldMk cId="556864461" sldId="256"/>
+            <ac:spMk id="44" creationId="{795DFCDA-AF68-9A49-AEAC-F25DEA5E62F2}"/>
+          </ac:spMkLst>
+        </pc:spChg>
+        <pc:spChg chg="del">
+          <ac:chgData name="Fatima Pillosu" userId="a6295d4dc9e22643" providerId="LiveId" clId="{F8B1E2AA-168B-4E26-8F6A-2796FABFF998}" dt="2023-12-13T10:42:00.932" v="0" actId="21"/>
+          <ac:spMkLst>
+            <pc:docMk/>
+            <pc:sldMk cId="556864461" sldId="256"/>
+            <ac:spMk id="45" creationId="{190B9F4A-3C37-E4EA-59C4-EF16742BF6AD}"/>
+          </ac:spMkLst>
+        </pc:spChg>
+        <pc:spChg chg="del">
+          <ac:chgData name="Fatima Pillosu" userId="a6295d4dc9e22643" providerId="LiveId" clId="{F8B1E2AA-168B-4E26-8F6A-2796FABFF998}" dt="2023-12-13T10:42:00.932" v="0" actId="21"/>
+          <ac:spMkLst>
+            <pc:docMk/>
+            <pc:sldMk cId="556864461" sldId="256"/>
+            <ac:spMk id="46" creationId="{608D19D6-F72F-9A9E-1CED-444F704A9986}"/>
+          </ac:spMkLst>
+        </pc:spChg>
+        <pc:spChg chg="del">
+          <ac:chgData name="Fatima Pillosu" userId="a6295d4dc9e22643" providerId="LiveId" clId="{F8B1E2AA-168B-4E26-8F6A-2796FABFF998}" dt="2023-12-13T10:42:00.932" v="0" actId="21"/>
+          <ac:spMkLst>
+            <pc:docMk/>
+            <pc:sldMk cId="556864461" sldId="256"/>
+            <ac:spMk id="47" creationId="{144F845E-A5E5-81F0-0137-652C39051CEB}"/>
+          </ac:spMkLst>
+        </pc:spChg>
+        <pc:spChg chg="del">
+          <ac:chgData name="Fatima Pillosu" userId="a6295d4dc9e22643" providerId="LiveId" clId="{F8B1E2AA-168B-4E26-8F6A-2796FABFF998}" dt="2023-12-13T10:42:00.932" v="0" actId="21"/>
+          <ac:spMkLst>
+            <pc:docMk/>
+            <pc:sldMk cId="556864461" sldId="256"/>
+            <ac:spMk id="48" creationId="{F6675B0E-8DDA-7460-7913-63C07ADEAB31}"/>
+          </ac:spMkLst>
+        </pc:spChg>
+        <pc:spChg chg="del">
+          <ac:chgData name="Fatima Pillosu" userId="a6295d4dc9e22643" providerId="LiveId" clId="{F8B1E2AA-168B-4E26-8F6A-2796FABFF998}" dt="2023-12-13T10:42:00.932" v="0" actId="21"/>
+          <ac:spMkLst>
+            <pc:docMk/>
+            <pc:sldMk cId="556864461" sldId="256"/>
+            <ac:spMk id="49" creationId="{DED71BEE-A0EF-912D-6B74-57522B6D0171}"/>
+          </ac:spMkLst>
+        </pc:spChg>
+        <pc:spChg chg="del">
+          <ac:chgData name="Fatima Pillosu" userId="a6295d4dc9e22643" providerId="LiveId" clId="{F8B1E2AA-168B-4E26-8F6A-2796FABFF998}" dt="2023-12-13T10:42:00.932" v="0" actId="21"/>
+          <ac:spMkLst>
+            <pc:docMk/>
+            <pc:sldMk cId="556864461" sldId="256"/>
+            <ac:spMk id="50" creationId="{BB6721B0-355A-94F2-A7F2-B9AC83EEFE44}"/>
+          </ac:spMkLst>
+        </pc:spChg>
+        <pc:spChg chg="del">
+          <ac:chgData name="Fatima Pillosu" userId="a6295d4dc9e22643" providerId="LiveId" clId="{F8B1E2AA-168B-4E26-8F6A-2796FABFF998}" dt="2023-12-13T10:42:00.932" v="0" actId="21"/>
+          <ac:spMkLst>
+            <pc:docMk/>
+            <pc:sldMk cId="556864461" sldId="256"/>
+            <ac:spMk id="51" creationId="{4F3DF875-E12C-6ABF-291C-84086C3BE955}"/>
+          </ac:spMkLst>
+        </pc:spChg>
+        <pc:spChg chg="del">
+          <ac:chgData name="Fatima Pillosu" userId="a6295d4dc9e22643" providerId="LiveId" clId="{F8B1E2AA-168B-4E26-8F6A-2796FABFF998}" dt="2023-12-13T10:42:00.932" v="0" actId="21"/>
+          <ac:spMkLst>
+            <pc:docMk/>
+            <pc:sldMk cId="556864461" sldId="256"/>
+            <ac:spMk id="52" creationId="{9C5B88EC-8888-2AAF-EC79-F6AFDE400CC3}"/>
+          </ac:spMkLst>
+        </pc:spChg>
+        <pc:spChg chg="del">
+          <ac:chgData name="Fatima Pillosu" userId="a6295d4dc9e22643" providerId="LiveId" clId="{F8B1E2AA-168B-4E26-8F6A-2796FABFF998}" dt="2023-12-13T10:42:00.932" v="0" actId="21"/>
+          <ac:spMkLst>
+            <pc:docMk/>
+            <pc:sldMk cId="556864461" sldId="256"/>
+            <ac:spMk id="53" creationId="{66663DF1-74AD-64FE-B3B0-F6CA94B02C15}"/>
+          </ac:spMkLst>
+        </pc:spChg>
+        <pc:spChg chg="del">
+          <ac:chgData name="Fatima Pillosu" userId="a6295d4dc9e22643" providerId="LiveId" clId="{F8B1E2AA-168B-4E26-8F6A-2796FABFF998}" dt="2023-12-13T10:42:00.932" v="0" actId="21"/>
+          <ac:spMkLst>
+            <pc:docMk/>
+            <pc:sldMk cId="556864461" sldId="256"/>
+            <ac:spMk id="54" creationId="{D87AEEFF-4982-B5B4-1139-092EC6665205}"/>
+          </ac:spMkLst>
+        </pc:spChg>
+        <pc:spChg chg="del">
+          <ac:chgData name="Fatima Pillosu" userId="a6295d4dc9e22643" providerId="LiveId" clId="{F8B1E2AA-168B-4E26-8F6A-2796FABFF998}" dt="2023-12-13T10:42:00.932" v="0" actId="21"/>
+          <ac:spMkLst>
+            <pc:docMk/>
+            <pc:sldMk cId="556864461" sldId="256"/>
+            <ac:spMk id="55" creationId="{1DD352C5-E9D5-64EC-0964-32CB7E715C39}"/>
+          </ac:spMkLst>
+        </pc:spChg>
+        <pc:picChg chg="add del mod">
+          <ac:chgData name="Fatima Pillosu" userId="a6295d4dc9e22643" providerId="LiveId" clId="{F8B1E2AA-168B-4E26-8F6A-2796FABFF998}" dt="2023-12-13T10:49:33.725" v="425" actId="21"/>
+          <ac:picMkLst>
+            <pc:docMk/>
+            <pc:sldMk cId="556864461" sldId="256"/>
+            <ac:picMk id="2" creationId="{6AA6EAD1-CD4F-A40D-B369-3A5DF376BF7F}"/>
+          </ac:picMkLst>
+        </pc:picChg>
+        <pc:picChg chg="add del mod">
+          <ac:chgData name="Fatima Pillosu" userId="a6295d4dc9e22643" providerId="LiveId" clId="{F8B1E2AA-168B-4E26-8F6A-2796FABFF998}" dt="2023-12-13T10:49:33.725" v="425" actId="21"/>
+          <ac:picMkLst>
+            <pc:docMk/>
+            <pc:sldMk cId="556864461" sldId="256"/>
+            <ac:picMk id="3" creationId="{CD81DB77-A53B-1D0A-14F9-B4F1E8926231}"/>
+          </ac:picMkLst>
+        </pc:picChg>
+        <pc:picChg chg="add del mod">
+          <ac:chgData name="Fatima Pillosu" userId="a6295d4dc9e22643" providerId="LiveId" clId="{F8B1E2AA-168B-4E26-8F6A-2796FABFF998}" dt="2023-12-13T10:49:33.725" v="425" actId="21"/>
+          <ac:picMkLst>
+            <pc:docMk/>
+            <pc:sldMk cId="556864461" sldId="256"/>
+            <ac:picMk id="4" creationId="{C2A4B3FF-3253-B1DD-916E-18B0D27EFF5D}"/>
+          </ac:picMkLst>
+        </pc:picChg>
+        <pc:picChg chg="add del mod">
+          <ac:chgData name="Fatima Pillosu" userId="a6295d4dc9e22643" providerId="LiveId" clId="{F8B1E2AA-168B-4E26-8F6A-2796FABFF998}" dt="2023-12-13T10:49:33.725" v="425" actId="21"/>
+          <ac:picMkLst>
+            <pc:docMk/>
+            <pc:sldMk cId="556864461" sldId="256"/>
+            <ac:picMk id="5" creationId="{CF9A7297-1A64-CB47-8A4C-8884C1A2CA08}"/>
+          </ac:picMkLst>
+        </pc:picChg>
+        <pc:picChg chg="add mod">
+          <ac:chgData name="Fatima Pillosu" userId="a6295d4dc9e22643" providerId="LiveId" clId="{F8B1E2AA-168B-4E26-8F6A-2796FABFF998}" dt="2023-12-13T10:49:49.756" v="426"/>
+          <ac:picMkLst>
+            <pc:docMk/>
+            <pc:sldMk cId="556864461" sldId="256"/>
+            <ac:picMk id="22" creationId="{388F4650-197B-D7F8-E075-E7228F3A6A4E}"/>
+          </ac:picMkLst>
+        </pc:picChg>
+        <pc:picChg chg="add mod">
+          <ac:chgData name="Fatima Pillosu" userId="a6295d4dc9e22643" providerId="LiveId" clId="{F8B1E2AA-168B-4E26-8F6A-2796FABFF998}" dt="2023-12-13T10:49:49.756" v="426"/>
+          <ac:picMkLst>
+            <pc:docMk/>
+            <pc:sldMk cId="556864461" sldId="256"/>
+            <ac:picMk id="23" creationId="{2E750B6D-396D-FDA3-6ACA-4E246A401F37}"/>
+          </ac:picMkLst>
+        </pc:picChg>
+        <pc:picChg chg="add mod">
+          <ac:chgData name="Fatima Pillosu" userId="a6295d4dc9e22643" providerId="LiveId" clId="{F8B1E2AA-168B-4E26-8F6A-2796FABFF998}" dt="2023-12-13T10:49:49.756" v="426"/>
+          <ac:picMkLst>
+            <pc:docMk/>
+            <pc:sldMk cId="556864461" sldId="256"/>
+            <ac:picMk id="24" creationId="{3E51ED6D-395C-A717-F289-F3EB4C41497C}"/>
+          </ac:picMkLst>
+        </pc:picChg>
+        <pc:picChg chg="add mod">
+          <ac:chgData name="Fatima Pillosu" userId="a6295d4dc9e22643" providerId="LiveId" clId="{F8B1E2AA-168B-4E26-8F6A-2796FABFF998}" dt="2023-12-13T10:49:49.756" v="426"/>
+          <ac:picMkLst>
+            <pc:docMk/>
+            <pc:sldMk cId="556864461" sldId="256"/>
+            <ac:picMk id="25" creationId="{1F35158F-D14D-1C43-24B6-6C306EED2FFB}"/>
+          </ac:picMkLst>
+        </pc:picChg>
+        <pc:picChg chg="del">
+          <ac:chgData name="Fatima Pillosu" userId="a6295d4dc9e22643" providerId="LiveId" clId="{F8B1E2AA-168B-4E26-8F6A-2796FABFF998}" dt="2023-12-13T10:42:00.932" v="0" actId="21"/>
+          <ac:picMkLst>
+            <pc:docMk/>
+            <pc:sldMk cId="556864461" sldId="256"/>
+            <ac:picMk id="40" creationId="{6CD9B67E-0377-1016-926D-EBC00FA58B8C}"/>
+          </ac:picMkLst>
+        </pc:picChg>
+        <pc:picChg chg="del">
+          <ac:chgData name="Fatima Pillosu" userId="a6295d4dc9e22643" providerId="LiveId" clId="{F8B1E2AA-168B-4E26-8F6A-2796FABFF998}" dt="2023-12-13T10:42:00.932" v="0" actId="21"/>
+          <ac:picMkLst>
+            <pc:docMk/>
+            <pc:sldMk cId="556864461" sldId="256"/>
+            <ac:picMk id="41" creationId="{4E32A1B1-366D-BFE2-FC5F-A44BD37B7304}"/>
+          </ac:picMkLst>
+        </pc:picChg>
+        <pc:picChg chg="del">
+          <ac:chgData name="Fatima Pillosu" userId="a6295d4dc9e22643" providerId="LiveId" clId="{F8B1E2AA-168B-4E26-8F6A-2796FABFF998}" dt="2023-12-13T10:42:00.932" v="0" actId="21"/>
+          <ac:picMkLst>
+            <pc:docMk/>
+            <pc:sldMk cId="556864461" sldId="256"/>
+            <ac:picMk id="42" creationId="{A995B805-533B-585D-3ECD-8416B0767FD8}"/>
+          </ac:picMkLst>
+        </pc:picChg>
+        <pc:picChg chg="del">
+          <ac:chgData name="Fatima Pillosu" userId="a6295d4dc9e22643" providerId="LiveId" clId="{F8B1E2AA-168B-4E26-8F6A-2796FABFF998}" dt="2023-12-13T10:42:00.932" v="0" actId="21"/>
+          <ac:picMkLst>
+            <pc:docMk/>
+            <pc:sldMk cId="556864461" sldId="256"/>
+            <ac:picMk id="43" creationId="{0A99CC9C-6FCE-FC6B-3D20-333509F1A968}"/>
+          </ac:picMkLst>
+        </pc:picChg>
+        <pc:cxnChg chg="add del mod">
+          <ac:chgData name="Fatima Pillosu" userId="a6295d4dc9e22643" providerId="LiveId" clId="{F8B1E2AA-168B-4E26-8F6A-2796FABFF998}" dt="2023-12-13T10:49:33.725" v="425" actId="21"/>
+          <ac:cxnSpMkLst>
+            <pc:docMk/>
+            <pc:sldMk cId="556864461" sldId="256"/>
+            <ac:cxnSpMk id="19" creationId="{E8155C91-3921-8EA6-28C5-9A4478506590}"/>
+          </ac:cxnSpMkLst>
+        </pc:cxnChg>
+        <pc:cxnChg chg="add mod">
+          <ac:chgData name="Fatima Pillosu" userId="a6295d4dc9e22643" providerId="LiveId" clId="{F8B1E2AA-168B-4E26-8F6A-2796FABFF998}" dt="2023-12-13T10:49:49.756" v="426"/>
+          <ac:cxnSpMkLst>
+            <pc:docMk/>
+            <pc:sldMk cId="556864461" sldId="256"/>
+            <ac:cxnSpMk id="38" creationId="{DE70CF66-E450-2628-8814-AB14356A431F}"/>
+          </ac:cxnSpMkLst>
+        </pc:cxnChg>
       </pc:sldChg>
     </pc:docChg>
   </pc:docChgLst>
@@ -683,15 +1122,15 @@
         </p:nvSpPr>
         <p:spPr>
           <a:xfrm>
-            <a:off x="514350" y="1004411"/>
-            <a:ext cx="5829300" cy="2136681"/>
+            <a:off x="488752" y="907243"/>
+            <a:ext cx="5539185" cy="1929977"/>
           </a:xfrm>
         </p:spPr>
         <p:txBody>
           <a:bodyPr anchor="b"/>
           <a:lstStyle>
             <a:lvl1pPr algn="ctr">
-              <a:defRPr sz="4500"/>
+              <a:defRPr sz="4276"/>
             </a:lvl1pPr>
           </a:lstStyle>
           <a:p>
@@ -715,8 +1154,8 @@
         </p:nvSpPr>
         <p:spPr>
           <a:xfrm>
-            <a:off x="857250" y="3223490"/>
-            <a:ext cx="5143500" cy="1481754"/>
+            <a:off x="814586" y="2911647"/>
+            <a:ext cx="4887516" cy="1338408"/>
           </a:xfrm>
         </p:spPr>
         <p:txBody>
@@ -724,39 +1163,39 @@
           <a:lstStyle>
             <a:lvl1pPr marL="0" indent="0" algn="ctr">
               <a:buNone/>
-              <a:defRPr sz="1800"/>
+              <a:defRPr sz="1710"/>
             </a:lvl1pPr>
-            <a:lvl2pPr marL="342900" indent="0" algn="ctr">
+            <a:lvl2pPr marL="325846" indent="0" algn="ctr">
               <a:buNone/>
-              <a:defRPr sz="1500"/>
+              <a:defRPr sz="1425"/>
             </a:lvl2pPr>
-            <a:lvl3pPr marL="685800" indent="0" algn="ctr">
+            <a:lvl3pPr marL="651693" indent="0" algn="ctr">
               <a:buNone/>
-              <a:defRPr sz="1350"/>
+              <a:defRPr sz="1283"/>
             </a:lvl3pPr>
-            <a:lvl4pPr marL="1028700" indent="0" algn="ctr">
+            <a:lvl4pPr marL="977539" indent="0" algn="ctr">
               <a:buNone/>
-              <a:defRPr sz="1200"/>
+              <a:defRPr sz="1140"/>
             </a:lvl4pPr>
-            <a:lvl5pPr marL="1371600" indent="0" algn="ctr">
+            <a:lvl5pPr marL="1303386" indent="0" algn="ctr">
               <a:buNone/>
-              <a:defRPr sz="1200"/>
+              <a:defRPr sz="1140"/>
             </a:lvl5pPr>
-            <a:lvl6pPr marL="1714500" indent="0" algn="ctr">
+            <a:lvl6pPr marL="1629232" indent="0" algn="ctr">
               <a:buNone/>
-              <a:defRPr sz="1200"/>
+              <a:defRPr sz="1140"/>
             </a:lvl6pPr>
-            <a:lvl7pPr marL="2057400" indent="0" algn="ctr">
+            <a:lvl7pPr marL="1955079" indent="0" algn="ctr">
               <a:buNone/>
-              <a:defRPr sz="1200"/>
+              <a:defRPr sz="1140"/>
             </a:lvl7pPr>
-            <a:lvl8pPr marL="2400300" indent="0" algn="ctr">
+            <a:lvl8pPr marL="2280925" indent="0" algn="ctr">
               <a:buNone/>
-              <a:defRPr sz="1200"/>
+              <a:defRPr sz="1140"/>
             </a:lvl8pPr>
-            <a:lvl9pPr marL="2743200" indent="0" algn="ctr">
+            <a:lvl9pPr marL="2606772" indent="0" algn="ctr">
               <a:buNone/>
-              <a:defRPr sz="1200"/>
+              <a:defRPr sz="1140"/>
             </a:lvl9pPr>
           </a:lstStyle>
           <a:p>
@@ -785,7 +1224,7 @@
           <a:p>
             <a:fld id="{31A3A050-4D14-44A1-BABA-DB9EEDB8E2FD}" type="datetimeFigureOut">
               <a:rPr lang="en-GB" smtClean="0"/>
-              <a:t>13/09/2023</a:t>
+              <a:t>13/12/2023</a:t>
             </a:fld>
             <a:endParaRPr lang="en-GB"/>
           </a:p>
@@ -836,7 +1275,7 @@
     </p:spTree>
     <p:extLst>
       <p:ext uri="{BB962C8B-B14F-4D97-AF65-F5344CB8AC3E}">
-        <p14:creationId xmlns:p14="http://schemas.microsoft.com/office/powerpoint/2010/main" val="3828888682"/>
+        <p14:creationId xmlns:p14="http://schemas.microsoft.com/office/powerpoint/2010/main" val="3089282432"/>
       </p:ext>
     </p:extLst>
   </p:cSld>
@@ -955,7 +1394,7 @@
           <a:p>
             <a:fld id="{31A3A050-4D14-44A1-BABA-DB9EEDB8E2FD}" type="datetimeFigureOut">
               <a:rPr lang="en-GB" smtClean="0"/>
-              <a:t>13/09/2023</a:t>
+              <a:t>13/12/2023</a:t>
             </a:fld>
             <a:endParaRPr lang="en-GB"/>
           </a:p>
@@ -1006,7 +1445,7 @@
     </p:spTree>
     <p:extLst>
       <p:ext uri="{BB962C8B-B14F-4D97-AF65-F5344CB8AC3E}">
-        <p14:creationId xmlns:p14="http://schemas.microsoft.com/office/powerpoint/2010/main" val="3401994221"/>
+        <p14:creationId xmlns:p14="http://schemas.microsoft.com/office/powerpoint/2010/main" val="2117520232"/>
       </p:ext>
     </p:extLst>
   </p:cSld>
@@ -1045,8 +1484,8 @@
         </p:nvSpPr>
         <p:spPr>
           <a:xfrm>
-            <a:off x="4907757" y="326753"/>
-            <a:ext cx="1478756" cy="5201057"/>
+            <a:off x="4663505" y="295143"/>
+            <a:ext cx="1405161" cy="4697902"/>
           </a:xfrm>
         </p:spPr>
         <p:txBody>
@@ -1073,8 +1512,8 @@
         </p:nvSpPr>
         <p:spPr>
           <a:xfrm>
-            <a:off x="471488" y="326753"/>
-            <a:ext cx="4350544" cy="5201057"/>
+            <a:off x="448023" y="295143"/>
+            <a:ext cx="4134024" cy="4697902"/>
           </a:xfrm>
         </p:spPr>
         <p:txBody>
@@ -1135,7 +1574,7 @@
           <a:p>
             <a:fld id="{31A3A050-4D14-44A1-BABA-DB9EEDB8E2FD}" type="datetimeFigureOut">
               <a:rPr lang="en-GB" smtClean="0"/>
-              <a:t>13/09/2023</a:t>
+              <a:t>13/12/2023</a:t>
             </a:fld>
             <a:endParaRPr lang="en-GB"/>
           </a:p>
@@ -1186,7 +1625,7 @@
     </p:spTree>
     <p:extLst>
       <p:ext uri="{BB962C8B-B14F-4D97-AF65-F5344CB8AC3E}">
-        <p14:creationId xmlns:p14="http://schemas.microsoft.com/office/powerpoint/2010/main" val="1536799216"/>
+        <p14:creationId xmlns:p14="http://schemas.microsoft.com/office/powerpoint/2010/main" val="662532066"/>
       </p:ext>
     </p:extLst>
   </p:cSld>
@@ -1305,7 +1744,7 @@
           <a:p>
             <a:fld id="{31A3A050-4D14-44A1-BABA-DB9EEDB8E2FD}" type="datetimeFigureOut">
               <a:rPr lang="en-GB" smtClean="0"/>
-              <a:t>13/09/2023</a:t>
+              <a:t>13/12/2023</a:t>
             </a:fld>
             <a:endParaRPr lang="en-GB"/>
           </a:p>
@@ -1356,7 +1795,7 @@
     </p:spTree>
     <p:extLst>
       <p:ext uri="{BB962C8B-B14F-4D97-AF65-F5344CB8AC3E}">
-        <p14:creationId xmlns:p14="http://schemas.microsoft.com/office/powerpoint/2010/main" val="3334355230"/>
+        <p14:creationId xmlns:p14="http://schemas.microsoft.com/office/powerpoint/2010/main" val="3450721972"/>
       </p:ext>
     </p:extLst>
   </p:cSld>
@@ -1395,15 +1834,15 @@
         </p:nvSpPr>
         <p:spPr>
           <a:xfrm>
-            <a:off x="467916" y="1530059"/>
-            <a:ext cx="5915025" cy="2552935"/>
+            <a:off x="444629" y="1382040"/>
+            <a:ext cx="5620643" cy="2305962"/>
           </a:xfrm>
         </p:spPr>
         <p:txBody>
           <a:bodyPr anchor="b"/>
           <a:lstStyle>
             <a:lvl1pPr>
-              <a:defRPr sz="4500"/>
+              <a:defRPr sz="4276"/>
             </a:lvl1pPr>
           </a:lstStyle>
           <a:p>
@@ -1427,8 +1866,8 @@
         </p:nvSpPr>
         <p:spPr>
           <a:xfrm>
-            <a:off x="467916" y="4107146"/>
-            <a:ext cx="5915025" cy="1342528"/>
+            <a:off x="444629" y="3709817"/>
+            <a:ext cx="5620643" cy="1212651"/>
           </a:xfrm>
         </p:spPr>
         <p:txBody>
@@ -1436,15 +1875,15 @@
           <a:lstStyle>
             <a:lvl1pPr marL="0" indent="0">
               <a:buNone/>
-              <a:defRPr sz="1800">
+              <a:defRPr sz="1710">
                 <a:solidFill>
                   <a:schemeClr val="tx1"/>
                 </a:solidFill>
               </a:defRPr>
             </a:lvl1pPr>
-            <a:lvl2pPr marL="342900" indent="0">
+            <a:lvl2pPr marL="325846" indent="0">
               <a:buNone/>
-              <a:defRPr sz="1500">
+              <a:defRPr sz="1425">
                 <a:solidFill>
                   <a:schemeClr val="tx1">
                     <a:tint val="75000"/>
@@ -1452,9 +1891,9 @@
                 </a:solidFill>
               </a:defRPr>
             </a:lvl2pPr>
-            <a:lvl3pPr marL="685800" indent="0">
+            <a:lvl3pPr marL="651693" indent="0">
               <a:buNone/>
-              <a:defRPr sz="1350">
+              <a:defRPr sz="1283">
                 <a:solidFill>
                   <a:schemeClr val="tx1">
                     <a:tint val="75000"/>
@@ -1462,9 +1901,9 @@
                 </a:solidFill>
               </a:defRPr>
             </a:lvl3pPr>
-            <a:lvl4pPr marL="1028700" indent="0">
+            <a:lvl4pPr marL="977539" indent="0">
               <a:buNone/>
-              <a:defRPr sz="1200">
+              <a:defRPr sz="1140">
                 <a:solidFill>
                   <a:schemeClr val="tx1">
                     <a:tint val="75000"/>
@@ -1472,9 +1911,9 @@
                 </a:solidFill>
               </a:defRPr>
             </a:lvl4pPr>
-            <a:lvl5pPr marL="1371600" indent="0">
+            <a:lvl5pPr marL="1303386" indent="0">
               <a:buNone/>
-              <a:defRPr sz="1200">
+              <a:defRPr sz="1140">
                 <a:solidFill>
                   <a:schemeClr val="tx1">
                     <a:tint val="75000"/>
@@ -1482,9 +1921,9 @@
                 </a:solidFill>
               </a:defRPr>
             </a:lvl5pPr>
-            <a:lvl6pPr marL="1714500" indent="0">
+            <a:lvl6pPr marL="1629232" indent="0">
               <a:buNone/>
-              <a:defRPr sz="1200">
+              <a:defRPr sz="1140">
                 <a:solidFill>
                   <a:schemeClr val="tx1">
                     <a:tint val="75000"/>
@@ -1492,9 +1931,9 @@
                 </a:solidFill>
               </a:defRPr>
             </a:lvl6pPr>
-            <a:lvl7pPr marL="2057400" indent="0">
+            <a:lvl7pPr marL="1955079" indent="0">
               <a:buNone/>
-              <a:defRPr sz="1200">
+              <a:defRPr sz="1140">
                 <a:solidFill>
                   <a:schemeClr val="tx1">
                     <a:tint val="75000"/>
@@ -1502,9 +1941,9 @@
                 </a:solidFill>
               </a:defRPr>
             </a:lvl7pPr>
-            <a:lvl8pPr marL="2400300" indent="0">
+            <a:lvl8pPr marL="2280925" indent="0">
               <a:buNone/>
-              <a:defRPr sz="1200">
+              <a:defRPr sz="1140">
                 <a:solidFill>
                   <a:schemeClr val="tx1">
                     <a:tint val="75000"/>
@@ -1512,9 +1951,9 @@
                 </a:solidFill>
               </a:defRPr>
             </a:lvl8pPr>
-            <a:lvl9pPr marL="2743200" indent="0">
+            <a:lvl9pPr marL="2606772" indent="0">
               <a:buNone/>
-              <a:defRPr sz="1200">
+              <a:defRPr sz="1140">
                 <a:solidFill>
                   <a:schemeClr val="tx1">
                     <a:tint val="75000"/>
@@ -1549,7 +1988,7 @@
           <a:p>
             <a:fld id="{31A3A050-4D14-44A1-BABA-DB9EEDB8E2FD}" type="datetimeFigureOut">
               <a:rPr lang="en-GB" smtClean="0"/>
-              <a:t>13/09/2023</a:t>
+              <a:t>13/12/2023</a:t>
             </a:fld>
             <a:endParaRPr lang="en-GB"/>
           </a:p>
@@ -1600,7 +2039,7 @@
     </p:spTree>
     <p:extLst>
       <p:ext uri="{BB962C8B-B14F-4D97-AF65-F5344CB8AC3E}">
-        <p14:creationId xmlns:p14="http://schemas.microsoft.com/office/powerpoint/2010/main" val="4252762125"/>
+        <p14:creationId xmlns:p14="http://schemas.microsoft.com/office/powerpoint/2010/main" val="636369606"/>
       </p:ext>
     </p:extLst>
   </p:cSld>
@@ -1662,8 +2101,8 @@
         </p:nvSpPr>
         <p:spPr>
           <a:xfrm>
-            <a:off x="471488" y="1633765"/>
-            <a:ext cx="2914650" cy="3894045"/>
+            <a:off x="448023" y="1475713"/>
+            <a:ext cx="2769592" cy="3517332"/>
           </a:xfrm>
         </p:spPr>
         <p:txBody>
@@ -1719,8 +2158,8 @@
         </p:nvSpPr>
         <p:spPr>
           <a:xfrm>
-            <a:off x="3471863" y="1633765"/>
-            <a:ext cx="2914650" cy="3894045"/>
+            <a:off x="3299074" y="1475713"/>
+            <a:ext cx="2769592" cy="3517332"/>
           </a:xfrm>
         </p:spPr>
         <p:txBody>
@@ -1781,7 +2220,7 @@
           <a:p>
             <a:fld id="{31A3A050-4D14-44A1-BABA-DB9EEDB8E2FD}" type="datetimeFigureOut">
               <a:rPr lang="en-GB" smtClean="0"/>
-              <a:t>13/09/2023</a:t>
+              <a:t>13/12/2023</a:t>
             </a:fld>
             <a:endParaRPr lang="en-GB"/>
           </a:p>
@@ -1832,7 +2271,7 @@
     </p:spTree>
     <p:extLst>
       <p:ext uri="{BB962C8B-B14F-4D97-AF65-F5344CB8AC3E}">
-        <p14:creationId xmlns:p14="http://schemas.microsoft.com/office/powerpoint/2010/main" val="3257421994"/>
+        <p14:creationId xmlns:p14="http://schemas.microsoft.com/office/powerpoint/2010/main" val="83622847"/>
       </p:ext>
     </p:extLst>
   </p:cSld>
@@ -1871,8 +2310,8 @@
         </p:nvSpPr>
         <p:spPr>
           <a:xfrm>
-            <a:off x="472381" y="326754"/>
-            <a:ext cx="5915025" cy="1186256"/>
+            <a:off x="448871" y="295144"/>
+            <a:ext cx="5620643" cy="1071497"/>
           </a:xfrm>
         </p:spPr>
         <p:txBody>
@@ -1899,8 +2338,8 @@
         </p:nvSpPr>
         <p:spPr>
           <a:xfrm>
-            <a:off x="472381" y="1504485"/>
-            <a:ext cx="2901255" cy="737325"/>
+            <a:off x="448872" y="1358940"/>
+            <a:ext cx="2756864" cy="665996"/>
           </a:xfrm>
         </p:spPr>
         <p:txBody>
@@ -1908,39 +2347,39 @@
           <a:lstStyle>
             <a:lvl1pPr marL="0" indent="0">
               <a:buNone/>
-              <a:defRPr sz="1800" b="1"/>
+              <a:defRPr sz="1710" b="1"/>
             </a:lvl1pPr>
-            <a:lvl2pPr marL="342900" indent="0">
+            <a:lvl2pPr marL="325846" indent="0">
               <a:buNone/>
-              <a:defRPr sz="1500" b="1"/>
+              <a:defRPr sz="1425" b="1"/>
             </a:lvl2pPr>
-            <a:lvl3pPr marL="685800" indent="0">
+            <a:lvl3pPr marL="651693" indent="0">
               <a:buNone/>
-              <a:defRPr sz="1350" b="1"/>
+              <a:defRPr sz="1283" b="1"/>
             </a:lvl3pPr>
-            <a:lvl4pPr marL="1028700" indent="0">
+            <a:lvl4pPr marL="977539" indent="0">
               <a:buNone/>
-              <a:defRPr sz="1200" b="1"/>
+              <a:defRPr sz="1140" b="1"/>
             </a:lvl4pPr>
-            <a:lvl5pPr marL="1371600" indent="0">
+            <a:lvl5pPr marL="1303386" indent="0">
               <a:buNone/>
-              <a:defRPr sz="1200" b="1"/>
+              <a:defRPr sz="1140" b="1"/>
             </a:lvl5pPr>
-            <a:lvl6pPr marL="1714500" indent="0">
+            <a:lvl6pPr marL="1629232" indent="0">
               <a:buNone/>
-              <a:defRPr sz="1200" b="1"/>
+              <a:defRPr sz="1140" b="1"/>
             </a:lvl6pPr>
-            <a:lvl7pPr marL="2057400" indent="0">
+            <a:lvl7pPr marL="1955079" indent="0">
               <a:buNone/>
-              <a:defRPr sz="1200" b="1"/>
+              <a:defRPr sz="1140" b="1"/>
             </a:lvl7pPr>
-            <a:lvl8pPr marL="2400300" indent="0">
+            <a:lvl8pPr marL="2280925" indent="0">
               <a:buNone/>
-              <a:defRPr sz="1200" b="1"/>
+              <a:defRPr sz="1140" b="1"/>
             </a:lvl8pPr>
-            <a:lvl9pPr marL="2743200" indent="0">
+            <a:lvl9pPr marL="2606772" indent="0">
               <a:buNone/>
-              <a:defRPr sz="1200" b="1"/>
+              <a:defRPr sz="1140" b="1"/>
             </a:lvl9pPr>
           </a:lstStyle>
           <a:p>
@@ -1964,8 +2403,8 @@
         </p:nvSpPr>
         <p:spPr>
           <a:xfrm>
-            <a:off x="472381" y="2241810"/>
-            <a:ext cx="2901255" cy="3297365"/>
+            <a:off x="448872" y="2024936"/>
+            <a:ext cx="2756864" cy="2978375"/>
           </a:xfrm>
         </p:spPr>
         <p:txBody>
@@ -2021,8 +2460,8 @@
         </p:nvSpPr>
         <p:spPr>
           <a:xfrm>
-            <a:off x="3471863" y="1504485"/>
-            <a:ext cx="2915543" cy="737325"/>
+            <a:off x="3299074" y="1358940"/>
+            <a:ext cx="2770441" cy="665996"/>
           </a:xfrm>
         </p:spPr>
         <p:txBody>
@@ -2030,39 +2469,39 @@
           <a:lstStyle>
             <a:lvl1pPr marL="0" indent="0">
               <a:buNone/>
-              <a:defRPr sz="1800" b="1"/>
+              <a:defRPr sz="1710" b="1"/>
             </a:lvl1pPr>
-            <a:lvl2pPr marL="342900" indent="0">
+            <a:lvl2pPr marL="325846" indent="0">
               <a:buNone/>
-              <a:defRPr sz="1500" b="1"/>
+              <a:defRPr sz="1425" b="1"/>
             </a:lvl2pPr>
-            <a:lvl3pPr marL="685800" indent="0">
+            <a:lvl3pPr marL="651693" indent="0">
               <a:buNone/>
-              <a:defRPr sz="1350" b="1"/>
+              <a:defRPr sz="1283" b="1"/>
             </a:lvl3pPr>
-            <a:lvl4pPr marL="1028700" indent="0">
+            <a:lvl4pPr marL="977539" indent="0">
               <a:buNone/>
-              <a:defRPr sz="1200" b="1"/>
+              <a:defRPr sz="1140" b="1"/>
             </a:lvl4pPr>
-            <a:lvl5pPr marL="1371600" indent="0">
+            <a:lvl5pPr marL="1303386" indent="0">
               <a:buNone/>
-              <a:defRPr sz="1200" b="1"/>
+              <a:defRPr sz="1140" b="1"/>
             </a:lvl5pPr>
-            <a:lvl6pPr marL="1714500" indent="0">
+            <a:lvl6pPr marL="1629232" indent="0">
               <a:buNone/>
-              <a:defRPr sz="1200" b="1"/>
+              <a:defRPr sz="1140" b="1"/>
             </a:lvl6pPr>
-            <a:lvl7pPr marL="2057400" indent="0">
+            <a:lvl7pPr marL="1955079" indent="0">
               <a:buNone/>
-              <a:defRPr sz="1200" b="1"/>
+              <a:defRPr sz="1140" b="1"/>
             </a:lvl7pPr>
-            <a:lvl8pPr marL="2400300" indent="0">
+            <a:lvl8pPr marL="2280925" indent="0">
               <a:buNone/>
-              <a:defRPr sz="1200" b="1"/>
+              <a:defRPr sz="1140" b="1"/>
             </a:lvl8pPr>
-            <a:lvl9pPr marL="2743200" indent="0">
+            <a:lvl9pPr marL="2606772" indent="0">
               <a:buNone/>
-              <a:defRPr sz="1200" b="1"/>
+              <a:defRPr sz="1140" b="1"/>
             </a:lvl9pPr>
           </a:lstStyle>
           <a:p>
@@ -2086,8 +2525,8 @@
         </p:nvSpPr>
         <p:spPr>
           <a:xfrm>
-            <a:off x="3471863" y="2241810"/>
-            <a:ext cx="2915543" cy="3297365"/>
+            <a:off x="3299074" y="2024936"/>
+            <a:ext cx="2770441" cy="2978375"/>
           </a:xfrm>
         </p:spPr>
         <p:txBody>
@@ -2148,7 +2587,7 @@
           <a:p>
             <a:fld id="{31A3A050-4D14-44A1-BABA-DB9EEDB8E2FD}" type="datetimeFigureOut">
               <a:rPr lang="en-GB" smtClean="0"/>
-              <a:t>13/09/2023</a:t>
+              <a:t>13/12/2023</a:t>
             </a:fld>
             <a:endParaRPr lang="en-GB"/>
           </a:p>
@@ -2199,7 +2638,7 @@
     </p:spTree>
     <p:extLst>
       <p:ext uri="{BB962C8B-B14F-4D97-AF65-F5344CB8AC3E}">
-        <p14:creationId xmlns:p14="http://schemas.microsoft.com/office/powerpoint/2010/main" val="1654662277"/>
+        <p14:creationId xmlns:p14="http://schemas.microsoft.com/office/powerpoint/2010/main" val="3431482686"/>
       </p:ext>
     </p:extLst>
   </p:cSld>
@@ -2266,7 +2705,7 @@
           <a:p>
             <a:fld id="{31A3A050-4D14-44A1-BABA-DB9EEDB8E2FD}" type="datetimeFigureOut">
               <a:rPr lang="en-GB" smtClean="0"/>
-              <a:t>13/09/2023</a:t>
+              <a:t>13/12/2023</a:t>
             </a:fld>
             <a:endParaRPr lang="en-GB"/>
           </a:p>
@@ -2317,7 +2756,7 @@
     </p:spTree>
     <p:extLst>
       <p:ext uri="{BB962C8B-B14F-4D97-AF65-F5344CB8AC3E}">
-        <p14:creationId xmlns:p14="http://schemas.microsoft.com/office/powerpoint/2010/main" val="1908807668"/>
+        <p14:creationId xmlns:p14="http://schemas.microsoft.com/office/powerpoint/2010/main" val="3506507991"/>
       </p:ext>
     </p:extLst>
   </p:cSld>
@@ -2361,7 +2800,7 @@
           <a:p>
             <a:fld id="{31A3A050-4D14-44A1-BABA-DB9EEDB8E2FD}" type="datetimeFigureOut">
               <a:rPr lang="en-GB" smtClean="0"/>
-              <a:t>13/09/2023</a:t>
+              <a:t>13/12/2023</a:t>
             </a:fld>
             <a:endParaRPr lang="en-GB"/>
           </a:p>
@@ -2412,7 +2851,7 @@
     </p:spTree>
     <p:extLst>
       <p:ext uri="{BB962C8B-B14F-4D97-AF65-F5344CB8AC3E}">
-        <p14:creationId xmlns:p14="http://schemas.microsoft.com/office/powerpoint/2010/main" val="174214347"/>
+        <p14:creationId xmlns:p14="http://schemas.microsoft.com/office/powerpoint/2010/main" val="3156494157"/>
       </p:ext>
     </p:extLst>
   </p:cSld>
@@ -2451,15 +2890,15 @@
         </p:nvSpPr>
         <p:spPr>
           <a:xfrm>
-            <a:off x="472381" y="409152"/>
-            <a:ext cx="2211884" cy="1432031"/>
+            <a:off x="448871" y="369570"/>
+            <a:ext cx="2101801" cy="1293495"/>
           </a:xfrm>
         </p:spPr>
         <p:txBody>
           <a:bodyPr anchor="b"/>
           <a:lstStyle>
             <a:lvl1pPr>
-              <a:defRPr sz="2400"/>
+              <a:defRPr sz="2281"/>
             </a:lvl1pPr>
           </a:lstStyle>
           <a:p>
@@ -2483,39 +2922,39 @@
         </p:nvSpPr>
         <p:spPr>
           <a:xfrm>
-            <a:off x="2915543" y="883655"/>
-            <a:ext cx="3471863" cy="4361443"/>
+            <a:off x="2770441" y="798170"/>
+            <a:ext cx="3299073" cy="3939514"/>
           </a:xfrm>
         </p:spPr>
         <p:txBody>
           <a:bodyPr/>
           <a:lstStyle>
             <a:lvl1pPr>
-              <a:defRPr sz="2400"/>
+              <a:defRPr sz="2281"/>
             </a:lvl1pPr>
             <a:lvl2pPr>
-              <a:defRPr sz="2100"/>
+              <a:defRPr sz="1996"/>
             </a:lvl2pPr>
             <a:lvl3pPr>
-              <a:defRPr sz="1800"/>
+              <a:defRPr sz="1710"/>
             </a:lvl3pPr>
             <a:lvl4pPr>
-              <a:defRPr sz="1500"/>
+              <a:defRPr sz="1425"/>
             </a:lvl4pPr>
             <a:lvl5pPr>
-              <a:defRPr sz="1500"/>
+              <a:defRPr sz="1425"/>
             </a:lvl5pPr>
             <a:lvl6pPr>
-              <a:defRPr sz="1500"/>
+              <a:defRPr sz="1425"/>
             </a:lvl6pPr>
             <a:lvl7pPr>
-              <a:defRPr sz="1500"/>
+              <a:defRPr sz="1425"/>
             </a:lvl7pPr>
             <a:lvl8pPr>
-              <a:defRPr sz="1500"/>
+              <a:defRPr sz="1425"/>
             </a:lvl8pPr>
             <a:lvl9pPr>
-              <a:defRPr sz="1500"/>
+              <a:defRPr sz="1425"/>
             </a:lvl9pPr>
           </a:lstStyle>
           <a:p>
@@ -2568,8 +3007,8 @@
         </p:nvSpPr>
         <p:spPr>
           <a:xfrm>
-            <a:off x="472381" y="1841183"/>
-            <a:ext cx="2211884" cy="3411018"/>
+            <a:off x="448871" y="1663065"/>
+            <a:ext cx="2101801" cy="3081034"/>
           </a:xfrm>
         </p:spPr>
         <p:txBody>
@@ -2577,39 +3016,39 @@
           <a:lstStyle>
             <a:lvl1pPr marL="0" indent="0">
               <a:buNone/>
-              <a:defRPr sz="1200"/>
+              <a:defRPr sz="1140"/>
             </a:lvl1pPr>
-            <a:lvl2pPr marL="342900" indent="0">
+            <a:lvl2pPr marL="325846" indent="0">
               <a:buNone/>
-              <a:defRPr sz="1050"/>
+              <a:defRPr sz="998"/>
             </a:lvl2pPr>
-            <a:lvl3pPr marL="685800" indent="0">
+            <a:lvl3pPr marL="651693" indent="0">
               <a:buNone/>
-              <a:defRPr sz="900"/>
+              <a:defRPr sz="855"/>
             </a:lvl3pPr>
-            <a:lvl4pPr marL="1028700" indent="0">
+            <a:lvl4pPr marL="977539" indent="0">
               <a:buNone/>
-              <a:defRPr sz="750"/>
+              <a:defRPr sz="713"/>
             </a:lvl4pPr>
-            <a:lvl5pPr marL="1371600" indent="0">
+            <a:lvl5pPr marL="1303386" indent="0">
               <a:buNone/>
-              <a:defRPr sz="750"/>
+              <a:defRPr sz="713"/>
             </a:lvl5pPr>
-            <a:lvl6pPr marL="1714500" indent="0">
+            <a:lvl6pPr marL="1629232" indent="0">
               <a:buNone/>
-              <a:defRPr sz="750"/>
+              <a:defRPr sz="713"/>
             </a:lvl6pPr>
-            <a:lvl7pPr marL="2057400" indent="0">
+            <a:lvl7pPr marL="1955079" indent="0">
               <a:buNone/>
-              <a:defRPr sz="750"/>
+              <a:defRPr sz="713"/>
             </a:lvl7pPr>
-            <a:lvl8pPr marL="2400300" indent="0">
+            <a:lvl8pPr marL="2280925" indent="0">
               <a:buNone/>
-              <a:defRPr sz="750"/>
+              <a:defRPr sz="713"/>
             </a:lvl8pPr>
-            <a:lvl9pPr marL="2743200" indent="0">
+            <a:lvl9pPr marL="2606772" indent="0">
               <a:buNone/>
-              <a:defRPr sz="750"/>
+              <a:defRPr sz="713"/>
             </a:lvl9pPr>
           </a:lstStyle>
           <a:p>
@@ -2638,7 +3077,7 @@
           <a:p>
             <a:fld id="{31A3A050-4D14-44A1-BABA-DB9EEDB8E2FD}" type="datetimeFigureOut">
               <a:rPr lang="en-GB" smtClean="0"/>
-              <a:t>13/09/2023</a:t>
+              <a:t>13/12/2023</a:t>
             </a:fld>
             <a:endParaRPr lang="en-GB"/>
           </a:p>
@@ -2689,7 +3128,7 @@
     </p:spTree>
     <p:extLst>
       <p:ext uri="{BB962C8B-B14F-4D97-AF65-F5344CB8AC3E}">
-        <p14:creationId xmlns:p14="http://schemas.microsoft.com/office/powerpoint/2010/main" val="2475858849"/>
+        <p14:creationId xmlns:p14="http://schemas.microsoft.com/office/powerpoint/2010/main" val="2499735425"/>
       </p:ext>
     </p:extLst>
   </p:cSld>
@@ -2728,15 +3167,15 @@
         </p:nvSpPr>
         <p:spPr>
           <a:xfrm>
-            <a:off x="472381" y="409152"/>
-            <a:ext cx="2211884" cy="1432031"/>
+            <a:off x="448871" y="369570"/>
+            <a:ext cx="2101801" cy="1293495"/>
           </a:xfrm>
         </p:spPr>
         <p:txBody>
           <a:bodyPr anchor="b"/>
           <a:lstStyle>
             <a:lvl1pPr>
-              <a:defRPr sz="2400"/>
+              <a:defRPr sz="2281"/>
             </a:lvl1pPr>
           </a:lstStyle>
           <a:p>
@@ -2760,8 +3199,8 @@
         </p:nvSpPr>
         <p:spPr>
           <a:xfrm>
-            <a:off x="2915543" y="883655"/>
-            <a:ext cx="3471863" cy="4361443"/>
+            <a:off x="2770441" y="798170"/>
+            <a:ext cx="3299073" cy="3939514"/>
           </a:xfrm>
         </p:spPr>
         <p:txBody>
@@ -2769,39 +3208,39 @@
           <a:lstStyle>
             <a:lvl1pPr marL="0" indent="0">
               <a:buNone/>
-              <a:defRPr sz="2400"/>
+              <a:defRPr sz="2281"/>
             </a:lvl1pPr>
-            <a:lvl2pPr marL="342900" indent="0">
+            <a:lvl2pPr marL="325846" indent="0">
               <a:buNone/>
-              <a:defRPr sz="2100"/>
+              <a:defRPr sz="1996"/>
             </a:lvl2pPr>
-            <a:lvl3pPr marL="685800" indent="0">
+            <a:lvl3pPr marL="651693" indent="0">
               <a:buNone/>
-              <a:defRPr sz="1800"/>
+              <a:defRPr sz="1710"/>
             </a:lvl3pPr>
-            <a:lvl4pPr marL="1028700" indent="0">
+            <a:lvl4pPr marL="977539" indent="0">
               <a:buNone/>
-              <a:defRPr sz="1500"/>
+              <a:defRPr sz="1425"/>
             </a:lvl4pPr>
-            <a:lvl5pPr marL="1371600" indent="0">
+            <a:lvl5pPr marL="1303386" indent="0">
               <a:buNone/>
-              <a:defRPr sz="1500"/>
+              <a:defRPr sz="1425"/>
             </a:lvl5pPr>
-            <a:lvl6pPr marL="1714500" indent="0">
+            <a:lvl6pPr marL="1629232" indent="0">
               <a:buNone/>
-              <a:defRPr sz="1500"/>
+              <a:defRPr sz="1425"/>
             </a:lvl6pPr>
-            <a:lvl7pPr marL="2057400" indent="0">
+            <a:lvl7pPr marL="1955079" indent="0">
               <a:buNone/>
-              <a:defRPr sz="1500"/>
+              <a:defRPr sz="1425"/>
             </a:lvl7pPr>
-            <a:lvl8pPr marL="2400300" indent="0">
+            <a:lvl8pPr marL="2280925" indent="0">
               <a:buNone/>
-              <a:defRPr sz="1500"/>
+              <a:defRPr sz="1425"/>
             </a:lvl8pPr>
-            <a:lvl9pPr marL="2743200" indent="0">
+            <a:lvl9pPr marL="2606772" indent="0">
               <a:buNone/>
-              <a:defRPr sz="1500"/>
+              <a:defRPr sz="1425"/>
             </a:lvl9pPr>
           </a:lstStyle>
           <a:p>
@@ -2825,8 +3264,8 @@
         </p:nvSpPr>
         <p:spPr>
           <a:xfrm>
-            <a:off x="472381" y="1841183"/>
-            <a:ext cx="2211884" cy="3411018"/>
+            <a:off x="448871" y="1663065"/>
+            <a:ext cx="2101801" cy="3081034"/>
           </a:xfrm>
         </p:spPr>
         <p:txBody>
@@ -2834,39 +3273,39 @@
           <a:lstStyle>
             <a:lvl1pPr marL="0" indent="0">
               <a:buNone/>
-              <a:defRPr sz="1200"/>
+              <a:defRPr sz="1140"/>
             </a:lvl1pPr>
-            <a:lvl2pPr marL="342900" indent="0">
+            <a:lvl2pPr marL="325846" indent="0">
               <a:buNone/>
-              <a:defRPr sz="1050"/>
+              <a:defRPr sz="998"/>
             </a:lvl2pPr>
-            <a:lvl3pPr marL="685800" indent="0">
+            <a:lvl3pPr marL="651693" indent="0">
               <a:buNone/>
-              <a:defRPr sz="900"/>
+              <a:defRPr sz="855"/>
             </a:lvl3pPr>
-            <a:lvl4pPr marL="1028700" indent="0">
+            <a:lvl4pPr marL="977539" indent="0">
               <a:buNone/>
-              <a:defRPr sz="750"/>
+              <a:defRPr sz="713"/>
             </a:lvl4pPr>
-            <a:lvl5pPr marL="1371600" indent="0">
+            <a:lvl5pPr marL="1303386" indent="0">
               <a:buNone/>
-              <a:defRPr sz="750"/>
+              <a:defRPr sz="713"/>
             </a:lvl5pPr>
-            <a:lvl6pPr marL="1714500" indent="0">
+            <a:lvl6pPr marL="1629232" indent="0">
               <a:buNone/>
-              <a:defRPr sz="750"/>
+              <a:defRPr sz="713"/>
             </a:lvl6pPr>
-            <a:lvl7pPr marL="2057400" indent="0">
+            <a:lvl7pPr marL="1955079" indent="0">
               <a:buNone/>
-              <a:defRPr sz="750"/>
+              <a:defRPr sz="713"/>
             </a:lvl7pPr>
-            <a:lvl8pPr marL="2400300" indent="0">
+            <a:lvl8pPr marL="2280925" indent="0">
               <a:buNone/>
-              <a:defRPr sz="750"/>
+              <a:defRPr sz="713"/>
             </a:lvl8pPr>
-            <a:lvl9pPr marL="2743200" indent="0">
+            <a:lvl9pPr marL="2606772" indent="0">
               <a:buNone/>
-              <a:defRPr sz="750"/>
+              <a:defRPr sz="713"/>
             </a:lvl9pPr>
           </a:lstStyle>
           <a:p>
@@ -2895,7 +3334,7 @@
           <a:p>
             <a:fld id="{31A3A050-4D14-44A1-BABA-DB9EEDB8E2FD}" type="datetimeFigureOut">
               <a:rPr lang="en-GB" smtClean="0"/>
-              <a:t>13/09/2023</a:t>
+              <a:t>13/12/2023</a:t>
             </a:fld>
             <a:endParaRPr lang="en-GB"/>
           </a:p>
@@ -2946,7 +3385,7 @@
     </p:spTree>
     <p:extLst>
       <p:ext uri="{BB962C8B-B14F-4D97-AF65-F5344CB8AC3E}">
-        <p14:creationId xmlns:p14="http://schemas.microsoft.com/office/powerpoint/2010/main" val="1898323591"/>
+        <p14:creationId xmlns:p14="http://schemas.microsoft.com/office/powerpoint/2010/main" val="3133555508"/>
       </p:ext>
     </p:extLst>
   </p:cSld>
@@ -2990,8 +3429,8 @@
         </p:nvSpPr>
         <p:spPr>
           <a:xfrm>
-            <a:off x="471488" y="326754"/>
-            <a:ext cx="5915025" cy="1186256"/>
+            <a:off x="448023" y="295144"/>
+            <a:ext cx="5620643" cy="1071497"/>
           </a:xfrm>
           <a:prstGeom prst="rect">
             <a:avLst/>
@@ -3023,8 +3462,8 @@
         </p:nvSpPr>
         <p:spPr>
           <a:xfrm>
-            <a:off x="471488" y="1633765"/>
-            <a:ext cx="5915025" cy="3894045"/>
+            <a:off x="448023" y="1475713"/>
+            <a:ext cx="5620643" cy="3517332"/>
           </a:xfrm>
           <a:prstGeom prst="rect">
             <a:avLst/>
@@ -3085,8 +3524,8 @@
         </p:nvSpPr>
         <p:spPr>
           <a:xfrm>
-            <a:off x="471488" y="5688346"/>
-            <a:ext cx="1543050" cy="326753"/>
+            <a:off x="448022" y="5138051"/>
+            <a:ext cx="1466255" cy="295143"/>
           </a:xfrm>
           <a:prstGeom prst="rect">
             <a:avLst/>
@@ -3096,7 +3535,7 @@
           <a:bodyPr vert="horz" lIns="91440" tIns="45720" rIns="91440" bIns="45720" rtlCol="0" anchor="ctr"/>
           <a:lstStyle>
             <a:lvl1pPr algn="l">
-              <a:defRPr sz="900">
+              <a:defRPr sz="855">
                 <a:solidFill>
                   <a:schemeClr val="tx1">
                     <a:tint val="75000"/>
@@ -3108,7 +3547,7 @@
           <a:p>
             <a:fld id="{31A3A050-4D14-44A1-BABA-DB9EEDB8E2FD}" type="datetimeFigureOut">
               <a:rPr lang="en-GB" smtClean="0"/>
-              <a:t>13/09/2023</a:t>
+              <a:t>13/12/2023</a:t>
             </a:fld>
             <a:endParaRPr lang="en-GB"/>
           </a:p>
@@ -3126,8 +3565,8 @@
         </p:nvSpPr>
         <p:spPr>
           <a:xfrm>
-            <a:off x="2271713" y="5688346"/>
-            <a:ext cx="2314575" cy="326753"/>
+            <a:off x="2158653" y="5138051"/>
+            <a:ext cx="2199382" cy="295143"/>
           </a:xfrm>
           <a:prstGeom prst="rect">
             <a:avLst/>
@@ -3137,7 +3576,7 @@
           <a:bodyPr vert="horz" lIns="91440" tIns="45720" rIns="91440" bIns="45720" rtlCol="0" anchor="ctr"/>
           <a:lstStyle>
             <a:lvl1pPr algn="ctr">
-              <a:defRPr sz="900">
+              <a:defRPr sz="855">
                 <a:solidFill>
                   <a:schemeClr val="tx1">
                     <a:tint val="75000"/>
@@ -3163,8 +3602,8 @@
         </p:nvSpPr>
         <p:spPr>
           <a:xfrm>
-            <a:off x="4843463" y="5688346"/>
-            <a:ext cx="1543050" cy="326753"/>
+            <a:off x="4602411" y="5138051"/>
+            <a:ext cx="1466255" cy="295143"/>
           </a:xfrm>
           <a:prstGeom prst="rect">
             <a:avLst/>
@@ -3174,7 +3613,7 @@
           <a:bodyPr vert="horz" lIns="91440" tIns="45720" rIns="91440" bIns="45720" rtlCol="0" anchor="ctr"/>
           <a:lstStyle>
             <a:lvl1pPr algn="r">
-              <a:defRPr sz="900">
+              <a:defRPr sz="855">
                 <a:solidFill>
                   <a:schemeClr val="tx1">
                     <a:tint val="75000"/>
@@ -3195,27 +3634,27 @@
     </p:spTree>
     <p:extLst>
       <p:ext uri="{BB962C8B-B14F-4D97-AF65-F5344CB8AC3E}">
-        <p14:creationId xmlns:p14="http://schemas.microsoft.com/office/powerpoint/2010/main" val="2351890116"/>
+        <p14:creationId xmlns:p14="http://schemas.microsoft.com/office/powerpoint/2010/main" val="2762307991"/>
       </p:ext>
     </p:extLst>
   </p:cSld>
   <p:clrMap bg1="lt1" tx1="dk1" bg2="lt2" tx2="dk2" accent1="accent1" accent2="accent2" accent3="accent3" accent4="accent4" accent5="accent5" accent6="accent6" hlink="hlink" folHlink="folHlink"/>
   <p:sldLayoutIdLst>
-    <p:sldLayoutId id="2147483709" r:id="rId1"/>
-    <p:sldLayoutId id="2147483710" r:id="rId2"/>
-    <p:sldLayoutId id="2147483711" r:id="rId3"/>
-    <p:sldLayoutId id="2147483712" r:id="rId4"/>
-    <p:sldLayoutId id="2147483713" r:id="rId5"/>
-    <p:sldLayoutId id="2147483714" r:id="rId6"/>
-    <p:sldLayoutId id="2147483715" r:id="rId7"/>
-    <p:sldLayoutId id="2147483716" r:id="rId8"/>
-    <p:sldLayoutId id="2147483717" r:id="rId9"/>
-    <p:sldLayoutId id="2147483718" r:id="rId10"/>
-    <p:sldLayoutId id="2147483719" r:id="rId11"/>
+    <p:sldLayoutId id="2147483733" r:id="rId1"/>
+    <p:sldLayoutId id="2147483734" r:id="rId2"/>
+    <p:sldLayoutId id="2147483735" r:id="rId3"/>
+    <p:sldLayoutId id="2147483736" r:id="rId4"/>
+    <p:sldLayoutId id="2147483737" r:id="rId5"/>
+    <p:sldLayoutId id="2147483738" r:id="rId6"/>
+    <p:sldLayoutId id="2147483739" r:id="rId7"/>
+    <p:sldLayoutId id="2147483740" r:id="rId8"/>
+    <p:sldLayoutId id="2147483741" r:id="rId9"/>
+    <p:sldLayoutId id="2147483742" r:id="rId10"/>
+    <p:sldLayoutId id="2147483743" r:id="rId11"/>
   </p:sldLayoutIdLst>
   <p:txStyles>
     <p:titleStyle>
-      <a:lvl1pPr algn="l" defTabSz="685800" rtl="0" eaLnBrk="1" latinLnBrk="0" hangingPunct="1">
+      <a:lvl1pPr algn="l" defTabSz="651693" rtl="0" eaLnBrk="1" latinLnBrk="0" hangingPunct="1">
         <a:lnSpc>
           <a:spcPct val="90000"/>
         </a:lnSpc>
@@ -3223,7 +3662,7 @@
           <a:spcPct val="0"/>
         </a:spcBef>
         <a:buNone/>
-        <a:defRPr sz="3300" kern="1200">
+        <a:defRPr sz="3136" kern="1200">
           <a:solidFill>
             <a:schemeClr val="tx1"/>
           </a:solidFill>
@@ -3234,16 +3673,16 @@
       </a:lvl1pPr>
     </p:titleStyle>
     <p:bodyStyle>
-      <a:lvl1pPr marL="171450" indent="-171450" algn="l" defTabSz="685800" rtl="0" eaLnBrk="1" latinLnBrk="0" hangingPunct="1">
+      <a:lvl1pPr marL="162923" indent="-162923" algn="l" defTabSz="651693" rtl="0" eaLnBrk="1" latinLnBrk="0" hangingPunct="1">
         <a:lnSpc>
           <a:spcPct val="90000"/>
         </a:lnSpc>
         <a:spcBef>
-          <a:spcPts val="750"/>
+          <a:spcPts val="713"/>
         </a:spcBef>
         <a:buFont typeface="Arial" panose="020B0604020202020204" pitchFamily="34" charset="0"/>
         <a:buChar char="•"/>
-        <a:defRPr sz="2100" kern="1200">
+        <a:defRPr sz="1996" kern="1200">
           <a:solidFill>
             <a:schemeClr val="tx1"/>
           </a:solidFill>
@@ -3252,16 +3691,16 @@
           <a:cs typeface="+mn-cs"/>
         </a:defRPr>
       </a:lvl1pPr>
-      <a:lvl2pPr marL="514350" indent="-171450" algn="l" defTabSz="685800" rtl="0" eaLnBrk="1" latinLnBrk="0" hangingPunct="1">
+      <a:lvl2pPr marL="488770" indent="-162923" algn="l" defTabSz="651693" rtl="0" eaLnBrk="1" latinLnBrk="0" hangingPunct="1">
         <a:lnSpc>
           <a:spcPct val="90000"/>
         </a:lnSpc>
         <a:spcBef>
-          <a:spcPts val="375"/>
+          <a:spcPts val="356"/>
         </a:spcBef>
         <a:buFont typeface="Arial" panose="020B0604020202020204" pitchFamily="34" charset="0"/>
         <a:buChar char="•"/>
-        <a:defRPr sz="1800" kern="1200">
+        <a:defRPr sz="1710" kern="1200">
           <a:solidFill>
             <a:schemeClr val="tx1"/>
           </a:solidFill>
@@ -3270,16 +3709,16 @@
           <a:cs typeface="+mn-cs"/>
         </a:defRPr>
       </a:lvl2pPr>
-      <a:lvl3pPr marL="857250" indent="-171450" algn="l" defTabSz="685800" rtl="0" eaLnBrk="1" latinLnBrk="0" hangingPunct="1">
+      <a:lvl3pPr marL="814616" indent="-162923" algn="l" defTabSz="651693" rtl="0" eaLnBrk="1" latinLnBrk="0" hangingPunct="1">
         <a:lnSpc>
           <a:spcPct val="90000"/>
         </a:lnSpc>
         <a:spcBef>
-          <a:spcPts val="375"/>
+          <a:spcPts val="356"/>
         </a:spcBef>
         <a:buFont typeface="Arial" panose="020B0604020202020204" pitchFamily="34" charset="0"/>
         <a:buChar char="•"/>
-        <a:defRPr sz="1500" kern="1200">
+        <a:defRPr sz="1425" kern="1200">
           <a:solidFill>
             <a:schemeClr val="tx1"/>
           </a:solidFill>
@@ -3288,16 +3727,16 @@
           <a:cs typeface="+mn-cs"/>
         </a:defRPr>
       </a:lvl3pPr>
-      <a:lvl4pPr marL="1200150" indent="-171450" algn="l" defTabSz="685800" rtl="0" eaLnBrk="1" latinLnBrk="0" hangingPunct="1">
+      <a:lvl4pPr marL="1140463" indent="-162923" algn="l" defTabSz="651693" rtl="0" eaLnBrk="1" latinLnBrk="0" hangingPunct="1">
         <a:lnSpc>
           <a:spcPct val="90000"/>
         </a:lnSpc>
         <a:spcBef>
-          <a:spcPts val="375"/>
+          <a:spcPts val="356"/>
         </a:spcBef>
         <a:buFont typeface="Arial" panose="020B0604020202020204" pitchFamily="34" charset="0"/>
         <a:buChar char="•"/>
-        <a:defRPr sz="1350" kern="1200">
+        <a:defRPr sz="1283" kern="1200">
           <a:solidFill>
             <a:schemeClr val="tx1"/>
           </a:solidFill>
@@ -3306,16 +3745,16 @@
           <a:cs typeface="+mn-cs"/>
         </a:defRPr>
       </a:lvl4pPr>
-      <a:lvl5pPr marL="1543050" indent="-171450" algn="l" defTabSz="685800" rtl="0" eaLnBrk="1" latinLnBrk="0" hangingPunct="1">
+      <a:lvl5pPr marL="1466309" indent="-162923" algn="l" defTabSz="651693" rtl="0" eaLnBrk="1" latinLnBrk="0" hangingPunct="1">
         <a:lnSpc>
           <a:spcPct val="90000"/>
         </a:lnSpc>
         <a:spcBef>
-          <a:spcPts val="375"/>
+          <a:spcPts val="356"/>
         </a:spcBef>
         <a:buFont typeface="Arial" panose="020B0604020202020204" pitchFamily="34" charset="0"/>
         <a:buChar char="•"/>
-        <a:defRPr sz="1350" kern="1200">
+        <a:defRPr sz="1283" kern="1200">
           <a:solidFill>
             <a:schemeClr val="tx1"/>
           </a:solidFill>
@@ -3324,16 +3763,16 @@
           <a:cs typeface="+mn-cs"/>
         </a:defRPr>
       </a:lvl5pPr>
-      <a:lvl6pPr marL="1885950" indent="-171450" algn="l" defTabSz="685800" rtl="0" eaLnBrk="1" latinLnBrk="0" hangingPunct="1">
+      <a:lvl6pPr marL="1792155" indent="-162923" algn="l" defTabSz="651693" rtl="0" eaLnBrk="1" latinLnBrk="0" hangingPunct="1">
         <a:lnSpc>
           <a:spcPct val="90000"/>
         </a:lnSpc>
         <a:spcBef>
-          <a:spcPts val="375"/>
+          <a:spcPts val="356"/>
         </a:spcBef>
         <a:buFont typeface="Arial" panose="020B0604020202020204" pitchFamily="34" charset="0"/>
         <a:buChar char="•"/>
-        <a:defRPr sz="1350" kern="1200">
+        <a:defRPr sz="1283" kern="1200">
           <a:solidFill>
             <a:schemeClr val="tx1"/>
           </a:solidFill>
@@ -3342,16 +3781,16 @@
           <a:cs typeface="+mn-cs"/>
         </a:defRPr>
       </a:lvl6pPr>
-      <a:lvl7pPr marL="2228850" indent="-171450" algn="l" defTabSz="685800" rtl="0" eaLnBrk="1" latinLnBrk="0" hangingPunct="1">
+      <a:lvl7pPr marL="2118002" indent="-162923" algn="l" defTabSz="651693" rtl="0" eaLnBrk="1" latinLnBrk="0" hangingPunct="1">
         <a:lnSpc>
           <a:spcPct val="90000"/>
         </a:lnSpc>
         <a:spcBef>
-          <a:spcPts val="375"/>
+          <a:spcPts val="356"/>
         </a:spcBef>
         <a:buFont typeface="Arial" panose="020B0604020202020204" pitchFamily="34" charset="0"/>
         <a:buChar char="•"/>
-        <a:defRPr sz="1350" kern="1200">
+        <a:defRPr sz="1283" kern="1200">
           <a:solidFill>
             <a:schemeClr val="tx1"/>
           </a:solidFill>
@@ -3360,16 +3799,16 @@
           <a:cs typeface="+mn-cs"/>
         </a:defRPr>
       </a:lvl7pPr>
-      <a:lvl8pPr marL="2571750" indent="-171450" algn="l" defTabSz="685800" rtl="0" eaLnBrk="1" latinLnBrk="0" hangingPunct="1">
+      <a:lvl8pPr marL="2443848" indent="-162923" algn="l" defTabSz="651693" rtl="0" eaLnBrk="1" latinLnBrk="0" hangingPunct="1">
         <a:lnSpc>
           <a:spcPct val="90000"/>
         </a:lnSpc>
         <a:spcBef>
-          <a:spcPts val="375"/>
+          <a:spcPts val="356"/>
         </a:spcBef>
         <a:buFont typeface="Arial" panose="020B0604020202020204" pitchFamily="34" charset="0"/>
         <a:buChar char="•"/>
-        <a:defRPr sz="1350" kern="1200">
+        <a:defRPr sz="1283" kern="1200">
           <a:solidFill>
             <a:schemeClr val="tx1"/>
           </a:solidFill>
@@ -3378,16 +3817,16 @@
           <a:cs typeface="+mn-cs"/>
         </a:defRPr>
       </a:lvl8pPr>
-      <a:lvl9pPr marL="2914650" indent="-171450" algn="l" defTabSz="685800" rtl="0" eaLnBrk="1" latinLnBrk="0" hangingPunct="1">
+      <a:lvl9pPr marL="2769695" indent="-162923" algn="l" defTabSz="651693" rtl="0" eaLnBrk="1" latinLnBrk="0" hangingPunct="1">
         <a:lnSpc>
           <a:spcPct val="90000"/>
         </a:lnSpc>
         <a:spcBef>
-          <a:spcPts val="375"/>
+          <a:spcPts val="356"/>
         </a:spcBef>
         <a:buFont typeface="Arial" panose="020B0604020202020204" pitchFamily="34" charset="0"/>
         <a:buChar char="•"/>
-        <a:defRPr sz="1350" kern="1200">
+        <a:defRPr sz="1283" kern="1200">
           <a:solidFill>
             <a:schemeClr val="tx1"/>
           </a:solidFill>
@@ -3401,8 +3840,8 @@
       <a:defPPr>
         <a:defRPr lang="en-US"/>
       </a:defPPr>
-      <a:lvl1pPr marL="0" algn="l" defTabSz="685800" rtl="0" eaLnBrk="1" latinLnBrk="0" hangingPunct="1">
-        <a:defRPr sz="1350" kern="1200">
+      <a:lvl1pPr marL="0" algn="l" defTabSz="651693" rtl="0" eaLnBrk="1" latinLnBrk="0" hangingPunct="1">
+        <a:defRPr sz="1283" kern="1200">
           <a:solidFill>
             <a:schemeClr val="tx1"/>
           </a:solidFill>
@@ -3411,8 +3850,8 @@
           <a:cs typeface="+mn-cs"/>
         </a:defRPr>
       </a:lvl1pPr>
-      <a:lvl2pPr marL="342900" algn="l" defTabSz="685800" rtl="0" eaLnBrk="1" latinLnBrk="0" hangingPunct="1">
-        <a:defRPr sz="1350" kern="1200">
+      <a:lvl2pPr marL="325846" algn="l" defTabSz="651693" rtl="0" eaLnBrk="1" latinLnBrk="0" hangingPunct="1">
+        <a:defRPr sz="1283" kern="1200">
           <a:solidFill>
             <a:schemeClr val="tx1"/>
           </a:solidFill>
@@ -3421,8 +3860,8 @@
           <a:cs typeface="+mn-cs"/>
         </a:defRPr>
       </a:lvl2pPr>
-      <a:lvl3pPr marL="685800" algn="l" defTabSz="685800" rtl="0" eaLnBrk="1" latinLnBrk="0" hangingPunct="1">
-        <a:defRPr sz="1350" kern="1200">
+      <a:lvl3pPr marL="651693" algn="l" defTabSz="651693" rtl="0" eaLnBrk="1" latinLnBrk="0" hangingPunct="1">
+        <a:defRPr sz="1283" kern="1200">
           <a:solidFill>
             <a:schemeClr val="tx1"/>
           </a:solidFill>
@@ -3431,8 +3870,8 @@
           <a:cs typeface="+mn-cs"/>
         </a:defRPr>
       </a:lvl3pPr>
-      <a:lvl4pPr marL="1028700" algn="l" defTabSz="685800" rtl="0" eaLnBrk="1" latinLnBrk="0" hangingPunct="1">
-        <a:defRPr sz="1350" kern="1200">
+      <a:lvl4pPr marL="977539" algn="l" defTabSz="651693" rtl="0" eaLnBrk="1" latinLnBrk="0" hangingPunct="1">
+        <a:defRPr sz="1283" kern="1200">
           <a:solidFill>
             <a:schemeClr val="tx1"/>
           </a:solidFill>
@@ -3441,8 +3880,8 @@
           <a:cs typeface="+mn-cs"/>
         </a:defRPr>
       </a:lvl4pPr>
-      <a:lvl5pPr marL="1371600" algn="l" defTabSz="685800" rtl="0" eaLnBrk="1" latinLnBrk="0" hangingPunct="1">
-        <a:defRPr sz="1350" kern="1200">
+      <a:lvl5pPr marL="1303386" algn="l" defTabSz="651693" rtl="0" eaLnBrk="1" latinLnBrk="0" hangingPunct="1">
+        <a:defRPr sz="1283" kern="1200">
           <a:solidFill>
             <a:schemeClr val="tx1"/>
           </a:solidFill>
@@ -3451,8 +3890,8 @@
           <a:cs typeface="+mn-cs"/>
         </a:defRPr>
       </a:lvl5pPr>
-      <a:lvl6pPr marL="1714500" algn="l" defTabSz="685800" rtl="0" eaLnBrk="1" latinLnBrk="0" hangingPunct="1">
-        <a:defRPr sz="1350" kern="1200">
+      <a:lvl6pPr marL="1629232" algn="l" defTabSz="651693" rtl="0" eaLnBrk="1" latinLnBrk="0" hangingPunct="1">
+        <a:defRPr sz="1283" kern="1200">
           <a:solidFill>
             <a:schemeClr val="tx1"/>
           </a:solidFill>
@@ -3461,8 +3900,8 @@
           <a:cs typeface="+mn-cs"/>
         </a:defRPr>
       </a:lvl6pPr>
-      <a:lvl7pPr marL="2057400" algn="l" defTabSz="685800" rtl="0" eaLnBrk="1" latinLnBrk="0" hangingPunct="1">
-        <a:defRPr sz="1350" kern="1200">
+      <a:lvl7pPr marL="1955079" algn="l" defTabSz="651693" rtl="0" eaLnBrk="1" latinLnBrk="0" hangingPunct="1">
+        <a:defRPr sz="1283" kern="1200">
           <a:solidFill>
             <a:schemeClr val="tx1"/>
           </a:solidFill>
@@ -3471,8 +3910,8 @@
           <a:cs typeface="+mn-cs"/>
         </a:defRPr>
       </a:lvl7pPr>
-      <a:lvl8pPr marL="2400300" algn="l" defTabSz="685800" rtl="0" eaLnBrk="1" latinLnBrk="0" hangingPunct="1">
-        <a:defRPr sz="1350" kern="1200">
+      <a:lvl8pPr marL="2280925" algn="l" defTabSz="651693" rtl="0" eaLnBrk="1" latinLnBrk="0" hangingPunct="1">
+        <a:defRPr sz="1283" kern="1200">
           <a:solidFill>
             <a:schemeClr val="tx1"/>
           </a:solidFill>
@@ -3481,8 +3920,8 @@
           <a:cs typeface="+mn-cs"/>
         </a:defRPr>
       </a:lvl8pPr>
-      <a:lvl9pPr marL="2743200" algn="l" defTabSz="685800" rtl="0" eaLnBrk="1" latinLnBrk="0" hangingPunct="1">
-        <a:defRPr sz="1350" kern="1200">
+      <a:lvl9pPr marL="2606772" algn="l" defTabSz="651693" rtl="0" eaLnBrk="1" latinLnBrk="0" hangingPunct="1">
+        <a:defRPr sz="1283" kern="1200">
           <a:solidFill>
             <a:schemeClr val="tx1"/>
           </a:solidFill>
@@ -3515,10 +3954,10 @@
       </p:grpSpPr>
       <p:pic>
         <p:nvPicPr>
-          <p:cNvPr id="40" name="Picture 39" descr="A diagram of a brier score&#10;&#10;Description automatically generated">
+          <p:cNvPr id="22" name="Picture 21" descr="A diagram of a brier score&#10;&#10;Description automatically generated">
             <a:extLst>
               <a:ext uri="{FF2B5EF4-FFF2-40B4-BE49-F238E27FC236}">
-                <a16:creationId xmlns:a16="http://schemas.microsoft.com/office/drawing/2014/main" id="{6CD9B67E-0377-1016-926D-EBC00FA58B8C}"/>
+                <a16:creationId xmlns:a16="http://schemas.microsoft.com/office/drawing/2014/main" id="{388F4650-197B-D7F8-E075-E7228F3A6A4E}"/>
               </a:ext>
             </a:extLst>
           </p:cNvPr>
@@ -3540,8 +3979,8 @@
         </p:blipFill>
         <p:spPr>
           <a:xfrm>
-            <a:off x="7840" y="10160"/>
-            <a:ext cx="3384000" cy="2997018"/>
+            <a:off x="278972" y="23809"/>
+            <a:ext cx="3060000" cy="2710069"/>
           </a:xfrm>
           <a:prstGeom prst="rect">
             <a:avLst/>
@@ -3550,10 +3989,10 @@
       </p:pic>
       <p:pic>
         <p:nvPicPr>
-          <p:cNvPr id="41" name="Picture 40" descr="A graph of a brier score&#10;&#10;Description automatically generated">
+          <p:cNvPr id="23" name="Picture 22" descr="A graph of a brier score&#10;&#10;Description automatically generated">
             <a:extLst>
               <a:ext uri="{FF2B5EF4-FFF2-40B4-BE49-F238E27FC236}">
-                <a16:creationId xmlns:a16="http://schemas.microsoft.com/office/drawing/2014/main" id="{4E32A1B1-366D-BFE2-FC5F-A44BD37B7304}"/>
+                <a16:creationId xmlns:a16="http://schemas.microsoft.com/office/drawing/2014/main" id="{2E750B6D-396D-FDA3-6ACA-4E246A401F37}"/>
               </a:ext>
             </a:extLst>
           </p:cNvPr>
@@ -3575,8 +4014,8 @@
         </p:blipFill>
         <p:spPr>
           <a:xfrm>
-            <a:off x="3470800" y="10160"/>
-            <a:ext cx="3384000" cy="2997018"/>
+            <a:off x="3420756" y="23809"/>
+            <a:ext cx="3060000" cy="2710069"/>
           </a:xfrm>
           <a:prstGeom prst="rect">
             <a:avLst/>
@@ -3585,10 +4024,10 @@
       </p:pic>
       <p:pic>
         <p:nvPicPr>
-          <p:cNvPr id="42" name="Picture 41" descr="A graph of a brier score&#10;&#10;Description automatically generated">
+          <p:cNvPr id="24" name="Picture 23" descr="A graph of a brier score&#10;&#10;Description automatically generated">
             <a:extLst>
               <a:ext uri="{FF2B5EF4-FFF2-40B4-BE49-F238E27FC236}">
-                <a16:creationId xmlns:a16="http://schemas.microsoft.com/office/drawing/2014/main" id="{A995B805-533B-585D-3ECD-8416B0767FD8}"/>
+                <a16:creationId xmlns:a16="http://schemas.microsoft.com/office/drawing/2014/main" id="{3E51ED6D-395C-A717-F289-F3EB4C41497C}"/>
               </a:ext>
             </a:extLst>
           </p:cNvPr>
@@ -3610,8 +4049,8 @@
         </p:blipFill>
         <p:spPr>
           <a:xfrm>
-            <a:off x="7840" y="3139441"/>
-            <a:ext cx="3384000" cy="2997018"/>
+            <a:off x="278972" y="2827746"/>
+            <a:ext cx="3060000" cy="2710069"/>
           </a:xfrm>
           <a:prstGeom prst="rect">
             <a:avLst/>
@@ -3620,10 +4059,10 @@
       </p:pic>
       <p:pic>
         <p:nvPicPr>
-          <p:cNvPr id="43" name="Picture 42" descr="A graph of a brier score&#10;&#10;Description automatically generated">
+          <p:cNvPr id="25" name="Picture 24" descr="A graph of a brier score&#10;&#10;Description automatically generated">
             <a:extLst>
               <a:ext uri="{FF2B5EF4-FFF2-40B4-BE49-F238E27FC236}">
-                <a16:creationId xmlns:a16="http://schemas.microsoft.com/office/drawing/2014/main" id="{0A99CC9C-6FCE-FC6B-3D20-333509F1A968}"/>
+                <a16:creationId xmlns:a16="http://schemas.microsoft.com/office/drawing/2014/main" id="{1F35158F-D14D-1C43-24B6-6C306EED2FFB}"/>
               </a:ext>
             </a:extLst>
           </p:cNvPr>
@@ -3645,8 +4084,8 @@
         </p:blipFill>
         <p:spPr>
           <a:xfrm>
-            <a:off x="3474000" y="3139441"/>
-            <a:ext cx="3384000" cy="2997018"/>
+            <a:off x="3423956" y="2827746"/>
+            <a:ext cx="3060000" cy="2710069"/>
           </a:xfrm>
           <a:prstGeom prst="rect">
             <a:avLst/>
@@ -3655,10 +4094,10 @@
       </p:pic>
       <p:sp>
         <p:nvSpPr>
-          <p:cNvPr id="44" name="TextBox 9">
+          <p:cNvPr id="26" name="TextBox 9">
             <a:extLst>
               <a:ext uri="{FF2B5EF4-FFF2-40B4-BE49-F238E27FC236}">
-                <a16:creationId xmlns:a16="http://schemas.microsoft.com/office/drawing/2014/main" id="{795DFCDA-AF68-9A49-AEAC-F25DEA5E62F2}"/>
+                <a16:creationId xmlns:a16="http://schemas.microsoft.com/office/drawing/2014/main" id="{5657FA85-7CF3-4A98-4F8A-9A7D58A64703}"/>
               </a:ext>
             </a:extLst>
           </p:cNvPr>
@@ -3667,7 +4106,7 @@
         </p:nvSpPr>
         <p:spPr>
           <a:xfrm>
-            <a:off x="3059533" y="371227"/>
+            <a:off x="3015817" y="349819"/>
             <a:ext cx="252000" cy="276999"/>
           </a:xfrm>
           <a:prstGeom prst="rect">
@@ -3809,10 +4248,10 @@
       </p:sp>
       <p:sp>
         <p:nvSpPr>
-          <p:cNvPr id="45" name="TextBox 9">
+          <p:cNvPr id="27" name="TextBox 9">
             <a:extLst>
               <a:ext uri="{FF2B5EF4-FFF2-40B4-BE49-F238E27FC236}">
-                <a16:creationId xmlns:a16="http://schemas.microsoft.com/office/drawing/2014/main" id="{190B9F4A-3C37-E4EA-59C4-EF16742BF6AD}"/>
+                <a16:creationId xmlns:a16="http://schemas.microsoft.com/office/drawing/2014/main" id="{68843508-2F2D-5694-0467-24393D21A593}"/>
               </a:ext>
             </a:extLst>
           </p:cNvPr>
@@ -3821,7 +4260,7 @@
         </p:nvSpPr>
         <p:spPr>
           <a:xfrm>
-            <a:off x="6514195" y="371227"/>
+            <a:off x="6159351" y="339659"/>
             <a:ext cx="252000" cy="276999"/>
           </a:xfrm>
           <a:prstGeom prst="rect">
@@ -3963,10 +4402,10 @@
       </p:sp>
       <p:sp>
         <p:nvSpPr>
-          <p:cNvPr id="46" name="TextBox 9">
+          <p:cNvPr id="28" name="TextBox 9">
             <a:extLst>
               <a:ext uri="{FF2B5EF4-FFF2-40B4-BE49-F238E27FC236}">
-                <a16:creationId xmlns:a16="http://schemas.microsoft.com/office/drawing/2014/main" id="{608D19D6-F72F-9A9E-1CED-444F704A9986}"/>
+                <a16:creationId xmlns:a16="http://schemas.microsoft.com/office/drawing/2014/main" id="{88CC6B4E-014A-C308-2F2B-B73351EF7D69}"/>
               </a:ext>
             </a:extLst>
           </p:cNvPr>
@@ -3975,7 +4414,7 @@
         </p:nvSpPr>
         <p:spPr>
           <a:xfrm>
-            <a:off x="3059533" y="3500006"/>
+            <a:off x="3015817" y="3153142"/>
             <a:ext cx="252000" cy="276999"/>
           </a:xfrm>
           <a:prstGeom prst="rect">
@@ -4117,10 +4556,10 @@
       </p:sp>
       <p:sp>
         <p:nvSpPr>
-          <p:cNvPr id="47" name="TextBox 9">
+          <p:cNvPr id="29" name="TextBox 9">
             <a:extLst>
               <a:ext uri="{FF2B5EF4-FFF2-40B4-BE49-F238E27FC236}">
-                <a16:creationId xmlns:a16="http://schemas.microsoft.com/office/drawing/2014/main" id="{144F845E-A5E5-81F0-0137-652C39051CEB}"/>
+                <a16:creationId xmlns:a16="http://schemas.microsoft.com/office/drawing/2014/main" id="{E22D34EA-F5B2-132B-4F63-B435C7C9599F}"/>
               </a:ext>
             </a:extLst>
           </p:cNvPr>
@@ -4129,7 +4568,7 @@
         </p:nvSpPr>
         <p:spPr>
           <a:xfrm>
-            <a:off x="6514195" y="3500006"/>
+            <a:off x="6159351" y="3153142"/>
             <a:ext cx="252000" cy="276999"/>
           </a:xfrm>
           <a:prstGeom prst="rect">
@@ -4271,10 +4710,10 @@
       </p:sp>
       <p:sp>
         <p:nvSpPr>
-          <p:cNvPr id="48" name="TextBox 9">
+          <p:cNvPr id="30" name="TextBox 29">
             <a:extLst>
               <a:ext uri="{FF2B5EF4-FFF2-40B4-BE49-F238E27FC236}">
-                <a16:creationId xmlns:a16="http://schemas.microsoft.com/office/drawing/2014/main" id="{F6675B0E-8DDA-7460-7913-63C07ADEAB31}"/>
+                <a16:creationId xmlns:a16="http://schemas.microsoft.com/office/drawing/2014/main" id="{C4B2DC0B-22D4-5F1C-D11C-12746FD58A28}"/>
               </a:ext>
             </a:extLst>
           </p:cNvPr>
@@ -4283,7 +4722,7 @@
         </p:nvSpPr>
         <p:spPr>
           <a:xfrm>
-            <a:off x="148249" y="142570"/>
+            <a:off x="340669" y="131210"/>
             <a:ext cx="416195" cy="174407"/>
           </a:xfrm>
           <a:prstGeom prst="rect">
@@ -4410,10 +4849,10 @@
       </p:sp>
       <p:sp>
         <p:nvSpPr>
-          <p:cNvPr id="49" name="TextBox 9">
+          <p:cNvPr id="31" name="TextBox 9">
             <a:extLst>
               <a:ext uri="{FF2B5EF4-FFF2-40B4-BE49-F238E27FC236}">
-                <a16:creationId xmlns:a16="http://schemas.microsoft.com/office/drawing/2014/main" id="{DED71BEE-A0EF-912D-6B74-57522B6D0171}"/>
+                <a16:creationId xmlns:a16="http://schemas.microsoft.com/office/drawing/2014/main" id="{6016E1DA-D8AF-13D3-C0B3-C77B5F1C9FC2}"/>
               </a:ext>
             </a:extLst>
           </p:cNvPr>
@@ -4422,7 +4861,7 @@
         </p:nvSpPr>
         <p:spPr>
           <a:xfrm>
-            <a:off x="94600" y="174967"/>
+            <a:off x="407991" y="137703"/>
             <a:ext cx="416195" cy="200055"/>
           </a:xfrm>
           <a:prstGeom prst="rect">
@@ -4569,10 +5008,10 @@
       </p:sp>
       <p:sp>
         <p:nvSpPr>
-          <p:cNvPr id="50" name="TextBox 9">
+          <p:cNvPr id="32" name="TextBox 9">
             <a:extLst>
               <a:ext uri="{FF2B5EF4-FFF2-40B4-BE49-F238E27FC236}">
-                <a16:creationId xmlns:a16="http://schemas.microsoft.com/office/drawing/2014/main" id="{BB6721B0-355A-94F2-A7F2-B9AC83EEFE44}"/>
+                <a16:creationId xmlns:a16="http://schemas.microsoft.com/office/drawing/2014/main" id="{4060A831-B817-1B33-EA5B-61C033A5BD49}"/>
               </a:ext>
             </a:extLst>
           </p:cNvPr>
@@ -4581,7 +5020,7 @@
         </p:nvSpPr>
         <p:spPr>
           <a:xfrm>
-            <a:off x="3611806" y="142570"/>
+            <a:off x="3518220" y="126074"/>
             <a:ext cx="416195" cy="174407"/>
           </a:xfrm>
           <a:prstGeom prst="rect">
@@ -4708,10 +5147,10 @@
       </p:sp>
       <p:sp>
         <p:nvSpPr>
-          <p:cNvPr id="51" name="TextBox 9">
+          <p:cNvPr id="33" name="TextBox 9">
             <a:extLst>
               <a:ext uri="{FF2B5EF4-FFF2-40B4-BE49-F238E27FC236}">
-                <a16:creationId xmlns:a16="http://schemas.microsoft.com/office/drawing/2014/main" id="{4F3DF875-E12C-6ABF-291C-84086C3BE955}"/>
+                <a16:creationId xmlns:a16="http://schemas.microsoft.com/office/drawing/2014/main" id="{39B0834A-13A8-C6B5-1899-10E6999B9D03}"/>
               </a:ext>
             </a:extLst>
           </p:cNvPr>
@@ -4720,7 +5159,7 @@
         </p:nvSpPr>
         <p:spPr>
           <a:xfrm>
-            <a:off x="3558157" y="174967"/>
+            <a:off x="3542499" y="137703"/>
             <a:ext cx="416195" cy="200055"/>
           </a:xfrm>
           <a:prstGeom prst="rect">
@@ -4867,10 +5306,10 @@
       </p:sp>
       <p:sp>
         <p:nvSpPr>
-          <p:cNvPr id="52" name="TextBox 9">
+          <p:cNvPr id="34" name="TextBox 9">
             <a:extLst>
               <a:ext uri="{FF2B5EF4-FFF2-40B4-BE49-F238E27FC236}">
-                <a16:creationId xmlns:a16="http://schemas.microsoft.com/office/drawing/2014/main" id="{9C5B88EC-8888-2AAF-EC79-F6AFDE400CC3}"/>
+                <a16:creationId xmlns:a16="http://schemas.microsoft.com/office/drawing/2014/main" id="{078F1B42-6368-CB4B-809B-1A4019DE83B7}"/>
               </a:ext>
             </a:extLst>
           </p:cNvPr>
@@ -4879,7 +5318,7 @@
         </p:nvSpPr>
         <p:spPr>
           <a:xfrm>
-            <a:off x="148249" y="3267554"/>
+            <a:off x="405984" y="2935874"/>
             <a:ext cx="416195" cy="174407"/>
           </a:xfrm>
           <a:prstGeom prst="rect">
@@ -5006,10 +5445,10 @@
       </p:sp>
       <p:sp>
         <p:nvSpPr>
-          <p:cNvPr id="53" name="TextBox 9">
+          <p:cNvPr id="35" name="TextBox 9">
             <a:extLst>
               <a:ext uri="{FF2B5EF4-FFF2-40B4-BE49-F238E27FC236}">
-                <a16:creationId xmlns:a16="http://schemas.microsoft.com/office/drawing/2014/main" id="{66663DF1-74AD-64FE-B3B0-F6CA94B02C15}"/>
+                <a16:creationId xmlns:a16="http://schemas.microsoft.com/office/drawing/2014/main" id="{890E366B-7878-31AF-AB7C-53462A534485}"/>
               </a:ext>
             </a:extLst>
           </p:cNvPr>
@@ -5018,7 +5457,7 @@
         </p:nvSpPr>
         <p:spPr>
           <a:xfrm>
-            <a:off x="94600" y="3299951"/>
+            <a:off x="407992" y="2948063"/>
             <a:ext cx="416195" cy="200055"/>
           </a:xfrm>
           <a:prstGeom prst="rect">
@@ -5165,10 +5604,10 @@
       </p:sp>
       <p:sp>
         <p:nvSpPr>
-          <p:cNvPr id="54" name="TextBox 9">
+          <p:cNvPr id="36" name="TextBox 9">
             <a:extLst>
               <a:ext uri="{FF2B5EF4-FFF2-40B4-BE49-F238E27FC236}">
-                <a16:creationId xmlns:a16="http://schemas.microsoft.com/office/drawing/2014/main" id="{D87AEEFF-4982-B5B4-1139-092EC6665205}"/>
+                <a16:creationId xmlns:a16="http://schemas.microsoft.com/office/drawing/2014/main" id="{A682D1E6-2774-0A51-6A94-2E63726E5668}"/>
               </a:ext>
             </a:extLst>
           </p:cNvPr>
@@ -5177,7 +5616,7 @@
         </p:nvSpPr>
         <p:spPr>
           <a:xfrm>
-            <a:off x="3611806" y="3267554"/>
+            <a:off x="3419522" y="2925714"/>
             <a:ext cx="416195" cy="174407"/>
           </a:xfrm>
           <a:prstGeom prst="rect">
@@ -5304,10 +5743,10 @@
       </p:sp>
       <p:sp>
         <p:nvSpPr>
-          <p:cNvPr id="55" name="TextBox 9">
+          <p:cNvPr id="37" name="TextBox 9">
             <a:extLst>
               <a:ext uri="{FF2B5EF4-FFF2-40B4-BE49-F238E27FC236}">
-                <a16:creationId xmlns:a16="http://schemas.microsoft.com/office/drawing/2014/main" id="{1DD352C5-E9D5-64EC-0964-32CB7E715C39}"/>
+                <a16:creationId xmlns:a16="http://schemas.microsoft.com/office/drawing/2014/main" id="{B007D573-C5B6-0794-D723-A051C8360A50}"/>
               </a:ext>
             </a:extLst>
           </p:cNvPr>
@@ -5316,7 +5755,7 @@
         </p:nvSpPr>
         <p:spPr>
           <a:xfrm>
-            <a:off x="3558157" y="3299951"/>
+            <a:off x="3541718" y="2948063"/>
             <a:ext cx="416195" cy="200055"/>
           </a:xfrm>
           <a:prstGeom prst="rect">
@@ -5456,6 +5895,92 @@
                   <a:lumMod val="85000"/>
                   <a:lumOff val="15000"/>
                 </a:schemeClr>
+              </a:solidFill>
+            </a:endParaRPr>
+          </a:p>
+        </p:txBody>
+      </p:sp>
+      <p:cxnSp>
+        <p:nvCxnSpPr>
+          <p:cNvPr id="38" name="Straight Arrow Connector 37">
+            <a:extLst>
+              <a:ext uri="{FF2B5EF4-FFF2-40B4-BE49-F238E27FC236}">
+                <a16:creationId xmlns:a16="http://schemas.microsoft.com/office/drawing/2014/main" id="{DE70CF66-E450-2628-8814-AB14356A431F}"/>
+              </a:ext>
+            </a:extLst>
+          </p:cNvPr>
+          <p:cNvCxnSpPr/>
+          <p:nvPr/>
+        </p:nvCxnSpPr>
+        <p:spPr>
+          <a:xfrm>
+            <a:off x="197887" y="2098517"/>
+            <a:ext cx="0" cy="1440000"/>
+          </a:xfrm>
+          <a:prstGeom prst="straightConnector1">
+            <a:avLst/>
+          </a:prstGeom>
+          <a:ln w="12700">
+            <a:solidFill>
+              <a:srgbClr val="FF0000"/>
+            </a:solidFill>
+            <a:tailEnd type="triangle"/>
+          </a:ln>
+        </p:spPr>
+        <p:style>
+          <a:lnRef idx="1">
+            <a:schemeClr val="accent1"/>
+          </a:lnRef>
+          <a:fillRef idx="0">
+            <a:schemeClr val="accent1"/>
+          </a:fillRef>
+          <a:effectRef idx="0">
+            <a:schemeClr val="accent1"/>
+          </a:effectRef>
+          <a:fontRef idx="minor">
+            <a:schemeClr val="tx1"/>
+          </a:fontRef>
+        </p:style>
+      </p:cxnSp>
+      <p:sp>
+        <p:nvSpPr>
+          <p:cNvPr id="39" name="TextBox 38">
+            <a:extLst>
+              <a:ext uri="{FF2B5EF4-FFF2-40B4-BE49-F238E27FC236}">
+                <a16:creationId xmlns:a16="http://schemas.microsoft.com/office/drawing/2014/main" id="{E2DB534E-824D-BCE5-FE23-1DB3AE731441}"/>
+              </a:ext>
+            </a:extLst>
+          </p:cNvPr>
+          <p:cNvSpPr txBox="1"/>
+          <p:nvPr/>
+        </p:nvSpPr>
+        <p:spPr>
+          <a:xfrm>
+            <a:off x="-69117" y="1509392"/>
+            <a:ext cx="307777" cy="1907101"/>
+          </a:xfrm>
+          <a:prstGeom prst="rect">
+            <a:avLst/>
+          </a:prstGeom>
+          <a:noFill/>
+        </p:spPr>
+        <p:txBody>
+          <a:bodyPr vert="vert270" wrap="square" rtlCol="0">
+            <a:spAutoFit/>
+          </a:bodyPr>
+          <a:lstStyle/>
+          <a:p>
+            <a:r>
+              <a:rPr lang="en-US" sz="800" b="1" dirty="0">
+                <a:solidFill>
+                  <a:srgbClr val="FF0000"/>
+                </a:solidFill>
+              </a:rPr>
+              <a:t>Orientation of better scores</a:t>
+            </a:r>
+            <a:endParaRPr lang="en-GB" sz="800" b="1" dirty="0">
+              <a:solidFill>
+                <a:srgbClr val="FF0000"/>
               </a:solidFill>
             </a:endParaRPr>
           </a:p>
